--- a/be_water_git_flow/Be_water_slides.pptx
+++ b/be_water_git_flow/Be_water_slides.pptx
@@ -24,6 +24,17 @@
     <p:sldId id="272" r:id="rId19"/>
     <p:sldId id="273" r:id="rId20"/>
     <p:sldId id="274" r:id="rId21"/>
+    <p:sldId id="275" r:id="rId22"/>
+    <p:sldId id="276" r:id="rId23"/>
+    <p:sldId id="277" r:id="rId24"/>
+    <p:sldId id="278" r:id="rId25"/>
+    <p:sldId id="279" r:id="rId26"/>
+    <p:sldId id="280" r:id="rId27"/>
+    <p:sldId id="281" r:id="rId28"/>
+    <p:sldId id="282" r:id="rId29"/>
+    <p:sldId id="283" r:id="rId30"/>
+    <p:sldId id="284" r:id="rId31"/>
+    <p:sldId id="285" r:id="rId32"/>
   </p:sldIdLst>
   <p:sldSz cx="10080625" cy="7559675"/>
   <p:notesSz cx="7559675" cy="10691812"/>
@@ -71,7 +82,7 @@
       </p:grpSpPr>
       <p:sp>
         <p:nvSpPr>
-          <p:cNvPr id="26" name="PlaceHolder 1"/>
+          <p:cNvPr id="23" name="PlaceHolder 1"/>
           <p:cNvSpPr>
             <a:spLocks noGrp="1"/>
           </p:cNvSpPr>
@@ -82,7 +93,7 @@
         <p:spPr>
           <a:xfrm>
             <a:off x="504000" y="301320"/>
-            <a:ext cx="9071640" cy="1262160"/>
+            <a:ext cx="9071280" cy="1261800"/>
           </a:xfrm>
           <a:prstGeom prst="rect">
             <a:avLst/>
@@ -92,23 +103,15 @@
           <a:bodyPr lIns="0" rIns="0" tIns="0" bIns="0" anchor="ctr"/>
           <a:p>
             <a:pPr algn="ctr"/>
-            <a:endParaRPr b="0" lang="pt-BR" sz="4400" spc="-1" strike="noStrike">
-              <a:solidFill>
-                <a:srgbClr val="000000"/>
-              </a:solidFill>
-              <a:uFill>
-                <a:solidFill>
-                  <a:srgbClr val="ffffff"/>
-                </a:solidFill>
-              </a:uFill>
-              <a:latin typeface="Arial"/>
-            </a:endParaRPr>
-          </a:p>
-        </p:txBody>
-      </p:sp>
-      <p:sp>
-        <p:nvSpPr>
-          <p:cNvPr id="27" name="PlaceHolder 2"/>
+            <a:endParaRPr b="0" lang="en-US" sz="4400" spc="-1" strike="noStrike">
+              <a:latin typeface="Arial"/>
+            </a:endParaRPr>
+          </a:p>
+        </p:txBody>
+      </p:sp>
+      <p:sp>
+        <p:nvSpPr>
+          <p:cNvPr id="24" name="PlaceHolder 2"/>
           <p:cNvSpPr>
             <a:spLocks noGrp="1"/>
           </p:cNvSpPr>
@@ -118,33 +121,27 @@
         </p:nvSpPr>
         <p:spPr>
           <a:xfrm>
-            <a:off x="504000" y="1769040"/>
-            <a:ext cx="9071640" cy="2091240"/>
-          </a:xfrm>
-          <a:prstGeom prst="rect">
-            <a:avLst/>
-          </a:prstGeom>
-        </p:spPr>
-        <p:txBody>
-          <a:bodyPr lIns="0" rIns="0" tIns="0" bIns="0"/>
-          <a:p>
-            <a:endParaRPr b="0" lang="pt-BR" sz="3200" spc="-1" strike="noStrike">
-              <a:solidFill>
-                <a:srgbClr val="000000"/>
-              </a:solidFill>
-              <a:uFill>
-                <a:solidFill>
-                  <a:srgbClr val="ffffff"/>
-                </a:solidFill>
-              </a:uFill>
-              <a:latin typeface="Arial"/>
-            </a:endParaRPr>
-          </a:p>
-        </p:txBody>
-      </p:sp>
-      <p:sp>
-        <p:nvSpPr>
-          <p:cNvPr id="28" name="PlaceHolder 3"/>
+            <a:off x="504000" y="1768680"/>
+            <a:ext cx="9072000" cy="2090880"/>
+          </a:xfrm>
+          <a:prstGeom prst="rect">
+            <a:avLst/>
+          </a:prstGeom>
+        </p:spPr>
+        <p:txBody>
+          <a:bodyPr lIns="0" rIns="0" tIns="0" bIns="0">
+            <a:normAutofit/>
+          </a:bodyPr>
+          <a:p>
+            <a:endParaRPr b="0" lang="en-US" sz="3200" spc="-1" strike="noStrike">
+              <a:latin typeface="Arial"/>
+            </a:endParaRPr>
+          </a:p>
+        </p:txBody>
+      </p:sp>
+      <p:sp>
+        <p:nvSpPr>
+          <p:cNvPr id="25" name="PlaceHolder 3"/>
           <p:cNvSpPr>
             <a:spLocks noGrp="1"/>
           </p:cNvSpPr>
@@ -154,25 +151,19 @@
         </p:nvSpPr>
         <p:spPr>
           <a:xfrm>
-            <a:off x="504000" y="4059360"/>
-            <a:ext cx="9071640" cy="2091240"/>
-          </a:xfrm>
-          <a:prstGeom prst="rect">
-            <a:avLst/>
-          </a:prstGeom>
-        </p:spPr>
-        <p:txBody>
-          <a:bodyPr lIns="0" rIns="0" tIns="0" bIns="0"/>
-          <a:p>
-            <a:endParaRPr b="0" lang="pt-BR" sz="3200" spc="-1" strike="noStrike">
-              <a:solidFill>
-                <a:srgbClr val="000000"/>
-              </a:solidFill>
-              <a:uFill>
-                <a:solidFill>
-                  <a:srgbClr val="ffffff"/>
-                </a:solidFill>
-              </a:uFill>
+            <a:off x="504000" y="4058640"/>
+            <a:ext cx="9072000" cy="2090880"/>
+          </a:xfrm>
+          <a:prstGeom prst="rect">
+            <a:avLst/>
+          </a:prstGeom>
+        </p:spPr>
+        <p:txBody>
+          <a:bodyPr lIns="0" rIns="0" tIns="0" bIns="0">
+            <a:normAutofit/>
+          </a:bodyPr>
+          <a:p>
+            <a:endParaRPr b="0" lang="en-US" sz="3200" spc="-1" strike="noStrike">
               <a:latin typeface="Arial"/>
             </a:endParaRPr>
           </a:p>
@@ -202,7 +193,7 @@
       </p:grpSpPr>
       <p:sp>
         <p:nvSpPr>
-          <p:cNvPr id="29" name="PlaceHolder 1"/>
+          <p:cNvPr id="26" name="PlaceHolder 1"/>
           <p:cNvSpPr>
             <a:spLocks noGrp="1"/>
           </p:cNvSpPr>
@@ -213,7 +204,7 @@
         <p:spPr>
           <a:xfrm>
             <a:off x="504000" y="301320"/>
-            <a:ext cx="9071640" cy="1262160"/>
+            <a:ext cx="9071280" cy="1261800"/>
           </a:xfrm>
           <a:prstGeom prst="rect">
             <a:avLst/>
@@ -223,23 +214,15 @@
           <a:bodyPr lIns="0" rIns="0" tIns="0" bIns="0" anchor="ctr"/>
           <a:p>
             <a:pPr algn="ctr"/>
-            <a:endParaRPr b="0" lang="pt-BR" sz="4400" spc="-1" strike="noStrike">
-              <a:solidFill>
-                <a:srgbClr val="000000"/>
-              </a:solidFill>
-              <a:uFill>
-                <a:solidFill>
-                  <a:srgbClr val="ffffff"/>
-                </a:solidFill>
-              </a:uFill>
-              <a:latin typeface="Arial"/>
-            </a:endParaRPr>
-          </a:p>
-        </p:txBody>
-      </p:sp>
-      <p:sp>
-        <p:nvSpPr>
-          <p:cNvPr id="30" name="PlaceHolder 2"/>
+            <a:endParaRPr b="0" lang="en-US" sz="4400" spc="-1" strike="noStrike">
+              <a:latin typeface="Arial"/>
+            </a:endParaRPr>
+          </a:p>
+        </p:txBody>
+      </p:sp>
+      <p:sp>
+        <p:nvSpPr>
+          <p:cNvPr id="27" name="PlaceHolder 2"/>
           <p:cNvSpPr>
             <a:spLocks noGrp="1"/>
           </p:cNvSpPr>
@@ -249,33 +232,27 @@
         </p:nvSpPr>
         <p:spPr>
           <a:xfrm>
-            <a:off x="504000" y="1769040"/>
-            <a:ext cx="4426920" cy="2091240"/>
-          </a:xfrm>
-          <a:prstGeom prst="rect">
-            <a:avLst/>
-          </a:prstGeom>
-        </p:spPr>
-        <p:txBody>
-          <a:bodyPr lIns="0" rIns="0" tIns="0" bIns="0"/>
-          <a:p>
-            <a:endParaRPr b="0" lang="pt-BR" sz="3200" spc="-1" strike="noStrike">
-              <a:solidFill>
-                <a:srgbClr val="000000"/>
-              </a:solidFill>
-              <a:uFill>
-                <a:solidFill>
-                  <a:srgbClr val="ffffff"/>
-                </a:solidFill>
-              </a:uFill>
-              <a:latin typeface="Arial"/>
-            </a:endParaRPr>
-          </a:p>
-        </p:txBody>
-      </p:sp>
-      <p:sp>
-        <p:nvSpPr>
-          <p:cNvPr id="31" name="PlaceHolder 3"/>
+            <a:off x="504000" y="1768680"/>
+            <a:ext cx="4426920" cy="2090880"/>
+          </a:xfrm>
+          <a:prstGeom prst="rect">
+            <a:avLst/>
+          </a:prstGeom>
+        </p:spPr>
+        <p:txBody>
+          <a:bodyPr lIns="0" rIns="0" tIns="0" bIns="0">
+            <a:normAutofit/>
+          </a:bodyPr>
+          <a:p>
+            <a:endParaRPr b="0" lang="en-US" sz="3200" spc="-1" strike="noStrike">
+              <a:latin typeface="Arial"/>
+            </a:endParaRPr>
+          </a:p>
+        </p:txBody>
+      </p:sp>
+      <p:sp>
+        <p:nvSpPr>
+          <p:cNvPr id="28" name="PlaceHolder 3"/>
           <p:cNvSpPr>
             <a:spLocks noGrp="1"/>
           </p:cNvSpPr>
@@ -285,33 +262,27 @@
         </p:nvSpPr>
         <p:spPr>
           <a:xfrm>
-            <a:off x="5152680" y="1769040"/>
-            <a:ext cx="4426920" cy="2091240"/>
-          </a:xfrm>
-          <a:prstGeom prst="rect">
-            <a:avLst/>
-          </a:prstGeom>
-        </p:spPr>
-        <p:txBody>
-          <a:bodyPr lIns="0" rIns="0" tIns="0" bIns="0"/>
-          <a:p>
-            <a:endParaRPr b="0" lang="pt-BR" sz="3200" spc="-1" strike="noStrike">
-              <a:solidFill>
-                <a:srgbClr val="000000"/>
-              </a:solidFill>
-              <a:uFill>
-                <a:solidFill>
-                  <a:srgbClr val="ffffff"/>
-                </a:solidFill>
-              </a:uFill>
-              <a:latin typeface="Arial"/>
-            </a:endParaRPr>
-          </a:p>
-        </p:txBody>
-      </p:sp>
-      <p:sp>
-        <p:nvSpPr>
-          <p:cNvPr id="32" name="PlaceHolder 4"/>
+            <a:off x="5152680" y="1768680"/>
+            <a:ext cx="4426920" cy="2090880"/>
+          </a:xfrm>
+          <a:prstGeom prst="rect">
+            <a:avLst/>
+          </a:prstGeom>
+        </p:spPr>
+        <p:txBody>
+          <a:bodyPr lIns="0" rIns="0" tIns="0" bIns="0">
+            <a:normAutofit/>
+          </a:bodyPr>
+          <a:p>
+            <a:endParaRPr b="0" lang="en-US" sz="3200" spc="-1" strike="noStrike">
+              <a:latin typeface="Arial"/>
+            </a:endParaRPr>
+          </a:p>
+        </p:txBody>
+      </p:sp>
+      <p:sp>
+        <p:nvSpPr>
+          <p:cNvPr id="29" name="PlaceHolder 4"/>
           <p:cNvSpPr>
             <a:spLocks noGrp="1"/>
           </p:cNvSpPr>
@@ -321,33 +292,27 @@
         </p:nvSpPr>
         <p:spPr>
           <a:xfrm>
-            <a:off x="5152680" y="4059360"/>
-            <a:ext cx="4426920" cy="2091240"/>
-          </a:xfrm>
-          <a:prstGeom prst="rect">
-            <a:avLst/>
-          </a:prstGeom>
-        </p:spPr>
-        <p:txBody>
-          <a:bodyPr lIns="0" rIns="0" tIns="0" bIns="0"/>
-          <a:p>
-            <a:endParaRPr b="0" lang="pt-BR" sz="3200" spc="-1" strike="noStrike">
-              <a:solidFill>
-                <a:srgbClr val="000000"/>
-              </a:solidFill>
-              <a:uFill>
-                <a:solidFill>
-                  <a:srgbClr val="ffffff"/>
-                </a:solidFill>
-              </a:uFill>
-              <a:latin typeface="Arial"/>
-            </a:endParaRPr>
-          </a:p>
-        </p:txBody>
-      </p:sp>
-      <p:sp>
-        <p:nvSpPr>
-          <p:cNvPr id="33" name="PlaceHolder 5"/>
+            <a:off x="504000" y="4058640"/>
+            <a:ext cx="4426920" cy="2090880"/>
+          </a:xfrm>
+          <a:prstGeom prst="rect">
+            <a:avLst/>
+          </a:prstGeom>
+        </p:spPr>
+        <p:txBody>
+          <a:bodyPr lIns="0" rIns="0" tIns="0" bIns="0">
+            <a:normAutofit/>
+          </a:bodyPr>
+          <a:p>
+            <a:endParaRPr b="0" lang="en-US" sz="3200" spc="-1" strike="noStrike">
+              <a:latin typeface="Arial"/>
+            </a:endParaRPr>
+          </a:p>
+        </p:txBody>
+      </p:sp>
+      <p:sp>
+        <p:nvSpPr>
+          <p:cNvPr id="30" name="PlaceHolder 5"/>
           <p:cNvSpPr>
             <a:spLocks noGrp="1"/>
           </p:cNvSpPr>
@@ -357,25 +322,19 @@
         </p:nvSpPr>
         <p:spPr>
           <a:xfrm>
-            <a:off x="504000" y="4059360"/>
-            <a:ext cx="4426920" cy="2091240"/>
-          </a:xfrm>
-          <a:prstGeom prst="rect">
-            <a:avLst/>
-          </a:prstGeom>
-        </p:spPr>
-        <p:txBody>
-          <a:bodyPr lIns="0" rIns="0" tIns="0" bIns="0"/>
-          <a:p>
-            <a:endParaRPr b="0" lang="pt-BR" sz="3200" spc="-1" strike="noStrike">
-              <a:solidFill>
-                <a:srgbClr val="000000"/>
-              </a:solidFill>
-              <a:uFill>
-                <a:solidFill>
-                  <a:srgbClr val="ffffff"/>
-                </a:solidFill>
-              </a:uFill>
+            <a:off x="5152680" y="4058640"/>
+            <a:ext cx="4426920" cy="2090880"/>
+          </a:xfrm>
+          <a:prstGeom prst="rect">
+            <a:avLst/>
+          </a:prstGeom>
+        </p:spPr>
+        <p:txBody>
+          <a:bodyPr lIns="0" rIns="0" tIns="0" bIns="0">
+            <a:normAutofit/>
+          </a:bodyPr>
+          <a:p>
+            <a:endParaRPr b="0" lang="en-US" sz="3200" spc="-1" strike="noStrike">
               <a:latin typeface="Arial"/>
             </a:endParaRPr>
           </a:p>
@@ -405,7 +364,7 @@
       </p:grpSpPr>
       <p:sp>
         <p:nvSpPr>
-          <p:cNvPr id="34" name="PlaceHolder 1"/>
+          <p:cNvPr id="31" name="PlaceHolder 1"/>
           <p:cNvSpPr>
             <a:spLocks noGrp="1"/>
           </p:cNvSpPr>
@@ -416,7 +375,7 @@
         <p:spPr>
           <a:xfrm>
             <a:off x="504000" y="301320"/>
-            <a:ext cx="9071640" cy="1262160"/>
+            <a:ext cx="9071280" cy="1261800"/>
           </a:xfrm>
           <a:prstGeom prst="rect">
             <a:avLst/>
@@ -426,23 +385,15 @@
           <a:bodyPr lIns="0" rIns="0" tIns="0" bIns="0" anchor="ctr"/>
           <a:p>
             <a:pPr algn="ctr"/>
-            <a:endParaRPr b="0" lang="pt-BR" sz="4400" spc="-1" strike="noStrike">
-              <a:solidFill>
-                <a:srgbClr val="000000"/>
-              </a:solidFill>
-              <a:uFill>
-                <a:solidFill>
-                  <a:srgbClr val="ffffff"/>
-                </a:solidFill>
-              </a:uFill>
-              <a:latin typeface="Arial"/>
-            </a:endParaRPr>
-          </a:p>
-        </p:txBody>
-      </p:sp>
-      <p:sp>
-        <p:nvSpPr>
-          <p:cNvPr id="35" name="PlaceHolder 2"/>
+            <a:endParaRPr b="0" lang="en-US" sz="4400" spc="-1" strike="noStrike">
+              <a:latin typeface="Arial"/>
+            </a:endParaRPr>
+          </a:p>
+        </p:txBody>
+      </p:sp>
+      <p:sp>
+        <p:nvSpPr>
+          <p:cNvPr id="32" name="PlaceHolder 2"/>
           <p:cNvSpPr>
             <a:spLocks noGrp="1"/>
           </p:cNvSpPr>
@@ -452,33 +403,27 @@
         </p:nvSpPr>
         <p:spPr>
           <a:xfrm>
-            <a:off x="504000" y="1769040"/>
-            <a:ext cx="9071640" cy="4384440"/>
-          </a:xfrm>
-          <a:prstGeom prst="rect">
-            <a:avLst/>
-          </a:prstGeom>
-        </p:spPr>
-        <p:txBody>
-          <a:bodyPr lIns="0" rIns="0" tIns="0" bIns="0"/>
-          <a:p>
-            <a:endParaRPr b="0" lang="pt-BR" sz="3200" spc="-1" strike="noStrike">
-              <a:solidFill>
-                <a:srgbClr val="000000"/>
-              </a:solidFill>
-              <a:uFill>
-                <a:solidFill>
-                  <a:srgbClr val="ffffff"/>
-                </a:solidFill>
-              </a:uFill>
-              <a:latin typeface="Arial"/>
-            </a:endParaRPr>
-          </a:p>
-        </p:txBody>
-      </p:sp>
-      <p:sp>
-        <p:nvSpPr>
-          <p:cNvPr id="36" name="PlaceHolder 3"/>
+            <a:off x="504000" y="1768680"/>
+            <a:ext cx="2921040" cy="2090880"/>
+          </a:xfrm>
+          <a:prstGeom prst="rect">
+            <a:avLst/>
+          </a:prstGeom>
+        </p:spPr>
+        <p:txBody>
+          <a:bodyPr lIns="0" rIns="0" tIns="0" bIns="0">
+            <a:normAutofit/>
+          </a:bodyPr>
+          <a:p>
+            <a:endParaRPr b="0" lang="en-US" sz="3200" spc="-1" strike="noStrike">
+              <a:latin typeface="Arial"/>
+            </a:endParaRPr>
+          </a:p>
+        </p:txBody>
+      </p:sp>
+      <p:sp>
+        <p:nvSpPr>
+          <p:cNvPr id="33" name="PlaceHolder 3"/>
           <p:cNvSpPr>
             <a:spLocks noGrp="1"/>
           </p:cNvSpPr>
@@ -488,76 +433,144 @@
         </p:nvSpPr>
         <p:spPr>
           <a:xfrm>
-            <a:off x="504000" y="1769040"/>
-            <a:ext cx="9071640" cy="4384440"/>
-          </a:xfrm>
-          <a:prstGeom prst="rect">
-            <a:avLst/>
-          </a:prstGeom>
-        </p:spPr>
-        <p:txBody>
-          <a:bodyPr lIns="0" rIns="0" tIns="0" bIns="0"/>
-          <a:p>
-            <a:endParaRPr b="0" lang="pt-BR" sz="3200" spc="-1" strike="noStrike">
-              <a:solidFill>
-                <a:srgbClr val="000000"/>
-              </a:solidFill>
-              <a:uFill>
-                <a:solidFill>
-                  <a:srgbClr val="ffffff"/>
-                </a:solidFill>
-              </a:uFill>
-              <a:latin typeface="Arial"/>
-            </a:endParaRPr>
-          </a:p>
-        </p:txBody>
-      </p:sp>
-      <p:pic>
-        <p:nvPicPr>
-          <p:cNvPr id="37" name="" descr=""/>
-          <p:cNvPicPr/>
-          <p:nvPr/>
-        </p:nvPicPr>
-        <p:blipFill>
-          <a:blip r:embed="rId2"/>
-          <a:stretch/>
-        </p:blipFill>
-        <p:spPr>
-          <a:xfrm>
-            <a:off x="2292120" y="1768680"/>
-            <a:ext cx="5495040" cy="4384440"/>
-          </a:xfrm>
-          <a:prstGeom prst="rect">
-            <a:avLst/>
-          </a:prstGeom>
-          <a:ln>
-            <a:noFill/>
-          </a:ln>
-        </p:spPr>
-      </p:pic>
-      <p:pic>
-        <p:nvPicPr>
-          <p:cNvPr id="38" name="" descr=""/>
-          <p:cNvPicPr/>
-          <p:nvPr/>
-        </p:nvPicPr>
-        <p:blipFill>
-          <a:blip r:embed="rId3"/>
-          <a:stretch/>
-        </p:blipFill>
-        <p:spPr>
-          <a:xfrm>
-            <a:off x="2292120" y="1768680"/>
-            <a:ext cx="5495040" cy="4384440"/>
-          </a:xfrm>
-          <a:prstGeom prst="rect">
-            <a:avLst/>
-          </a:prstGeom>
-          <a:ln>
-            <a:noFill/>
-          </a:ln>
-        </p:spPr>
-      </p:pic>
+            <a:off x="3571560" y="1768680"/>
+            <a:ext cx="2921040" cy="2090880"/>
+          </a:xfrm>
+          <a:prstGeom prst="rect">
+            <a:avLst/>
+          </a:prstGeom>
+        </p:spPr>
+        <p:txBody>
+          <a:bodyPr lIns="0" rIns="0" tIns="0" bIns="0">
+            <a:normAutofit/>
+          </a:bodyPr>
+          <a:p>
+            <a:endParaRPr b="0" lang="en-US" sz="3200" spc="-1" strike="noStrike">
+              <a:latin typeface="Arial"/>
+            </a:endParaRPr>
+          </a:p>
+        </p:txBody>
+      </p:sp>
+      <p:sp>
+        <p:nvSpPr>
+          <p:cNvPr id="34" name="PlaceHolder 4"/>
+          <p:cNvSpPr>
+            <a:spLocks noGrp="1"/>
+          </p:cNvSpPr>
+          <p:nvPr>
+            <p:ph type="body"/>
+          </p:nvPr>
+        </p:nvSpPr>
+        <p:spPr>
+          <a:xfrm>
+            <a:off x="6639120" y="1768680"/>
+            <a:ext cx="2921040" cy="2090880"/>
+          </a:xfrm>
+          <a:prstGeom prst="rect">
+            <a:avLst/>
+          </a:prstGeom>
+        </p:spPr>
+        <p:txBody>
+          <a:bodyPr lIns="0" rIns="0" tIns="0" bIns="0">
+            <a:normAutofit/>
+          </a:bodyPr>
+          <a:p>
+            <a:endParaRPr b="0" lang="en-US" sz="3200" spc="-1" strike="noStrike">
+              <a:latin typeface="Arial"/>
+            </a:endParaRPr>
+          </a:p>
+        </p:txBody>
+      </p:sp>
+      <p:sp>
+        <p:nvSpPr>
+          <p:cNvPr id="35" name="PlaceHolder 5"/>
+          <p:cNvSpPr>
+            <a:spLocks noGrp="1"/>
+          </p:cNvSpPr>
+          <p:nvPr>
+            <p:ph type="body"/>
+          </p:nvPr>
+        </p:nvSpPr>
+        <p:spPr>
+          <a:xfrm>
+            <a:off x="504000" y="4058640"/>
+            <a:ext cx="2921040" cy="2090880"/>
+          </a:xfrm>
+          <a:prstGeom prst="rect">
+            <a:avLst/>
+          </a:prstGeom>
+        </p:spPr>
+        <p:txBody>
+          <a:bodyPr lIns="0" rIns="0" tIns="0" bIns="0">
+            <a:normAutofit/>
+          </a:bodyPr>
+          <a:p>
+            <a:endParaRPr b="0" lang="en-US" sz="3200" spc="-1" strike="noStrike">
+              <a:latin typeface="Arial"/>
+            </a:endParaRPr>
+          </a:p>
+        </p:txBody>
+      </p:sp>
+      <p:sp>
+        <p:nvSpPr>
+          <p:cNvPr id="36" name="PlaceHolder 6"/>
+          <p:cNvSpPr>
+            <a:spLocks noGrp="1"/>
+          </p:cNvSpPr>
+          <p:nvPr>
+            <p:ph type="body"/>
+          </p:nvPr>
+        </p:nvSpPr>
+        <p:spPr>
+          <a:xfrm>
+            <a:off x="3571560" y="4058640"/>
+            <a:ext cx="2921040" cy="2090880"/>
+          </a:xfrm>
+          <a:prstGeom prst="rect">
+            <a:avLst/>
+          </a:prstGeom>
+        </p:spPr>
+        <p:txBody>
+          <a:bodyPr lIns="0" rIns="0" tIns="0" bIns="0">
+            <a:normAutofit/>
+          </a:bodyPr>
+          <a:p>
+            <a:endParaRPr b="0" lang="en-US" sz="3200" spc="-1" strike="noStrike">
+              <a:latin typeface="Arial"/>
+            </a:endParaRPr>
+          </a:p>
+        </p:txBody>
+      </p:sp>
+      <p:sp>
+        <p:nvSpPr>
+          <p:cNvPr id="37" name="PlaceHolder 7"/>
+          <p:cNvSpPr>
+            <a:spLocks noGrp="1"/>
+          </p:cNvSpPr>
+          <p:nvPr>
+            <p:ph type="body"/>
+          </p:nvPr>
+        </p:nvSpPr>
+        <p:spPr>
+          <a:xfrm>
+            <a:off x="6639120" y="4058640"/>
+            <a:ext cx="2921040" cy="2090880"/>
+          </a:xfrm>
+          <a:prstGeom prst="rect">
+            <a:avLst/>
+          </a:prstGeom>
+        </p:spPr>
+        <p:txBody>
+          <a:bodyPr lIns="0" rIns="0" tIns="0" bIns="0">
+            <a:normAutofit/>
+          </a:bodyPr>
+          <a:p>
+            <a:endParaRPr b="0" lang="en-US" sz="3200" spc="-1" strike="noStrike">
+              <a:latin typeface="Arial"/>
+            </a:endParaRPr>
+          </a:p>
+        </p:txBody>
+      </p:sp>
     </p:spTree>
   </p:cSld>
 </p:sldLayout>
@@ -582,7 +595,7 @@
       </p:grpSpPr>
       <p:sp>
         <p:nvSpPr>
-          <p:cNvPr id="5" name="PlaceHolder 1"/>
+          <p:cNvPr id="2" name="PlaceHolder 1"/>
           <p:cNvSpPr>
             <a:spLocks noGrp="1"/>
           </p:cNvSpPr>
@@ -593,7 +606,7 @@
         <p:spPr>
           <a:xfrm>
             <a:off x="504000" y="301320"/>
-            <a:ext cx="9071640" cy="1262160"/>
+            <a:ext cx="9071280" cy="1261800"/>
           </a:xfrm>
           <a:prstGeom prst="rect">
             <a:avLst/>
@@ -603,23 +616,15 @@
           <a:bodyPr lIns="0" rIns="0" tIns="0" bIns="0" anchor="ctr"/>
           <a:p>
             <a:pPr algn="ctr"/>
-            <a:endParaRPr b="0" lang="pt-BR" sz="4400" spc="-1" strike="noStrike">
-              <a:solidFill>
-                <a:srgbClr val="000000"/>
-              </a:solidFill>
-              <a:uFill>
-                <a:solidFill>
-                  <a:srgbClr val="ffffff"/>
-                </a:solidFill>
-              </a:uFill>
-              <a:latin typeface="Arial"/>
-            </a:endParaRPr>
-          </a:p>
-        </p:txBody>
-      </p:sp>
-      <p:sp>
-        <p:nvSpPr>
-          <p:cNvPr id="6" name="PlaceHolder 2"/>
+            <a:endParaRPr b="0" lang="en-US" sz="4400" spc="-1" strike="noStrike">
+              <a:latin typeface="Arial"/>
+            </a:endParaRPr>
+          </a:p>
+        </p:txBody>
+      </p:sp>
+      <p:sp>
+        <p:nvSpPr>
+          <p:cNvPr id="3" name="PlaceHolder 2"/>
           <p:cNvSpPr>
             <a:spLocks noGrp="1"/>
           </p:cNvSpPr>
@@ -629,8 +634,8 @@
         </p:nvSpPr>
         <p:spPr>
           <a:xfrm>
-            <a:off x="504000" y="1769040"/>
-            <a:ext cx="9071640" cy="4384440"/>
+            <a:off x="504000" y="1768680"/>
+            <a:ext cx="9072000" cy="4384080"/>
           </a:xfrm>
           <a:prstGeom prst="rect">
             <a:avLst/>
@@ -640,15 +645,7 @@
           <a:bodyPr lIns="0" rIns="0" tIns="0" bIns="0" anchor="ctr"/>
           <a:p>
             <a:pPr algn="ctr"/>
-            <a:endParaRPr b="0" lang="pt-BR" sz="3200" spc="-1" strike="noStrike">
-              <a:solidFill>
-                <a:srgbClr val="000000"/>
-              </a:solidFill>
-              <a:uFill>
-                <a:solidFill>
-                  <a:srgbClr val="ffffff"/>
-                </a:solidFill>
-              </a:uFill>
+            <a:endParaRPr b="0" lang="en-US" sz="3200" spc="-1" strike="noStrike">
               <a:latin typeface="Arial"/>
             </a:endParaRPr>
           </a:p>
@@ -678,7 +675,7 @@
       </p:grpSpPr>
       <p:sp>
         <p:nvSpPr>
-          <p:cNvPr id="7" name="PlaceHolder 1"/>
+          <p:cNvPr id="4" name="PlaceHolder 1"/>
           <p:cNvSpPr>
             <a:spLocks noGrp="1"/>
           </p:cNvSpPr>
@@ -689,7 +686,7 @@
         <p:spPr>
           <a:xfrm>
             <a:off x="504000" y="301320"/>
-            <a:ext cx="9071640" cy="1262160"/>
+            <a:ext cx="9071280" cy="1261800"/>
           </a:xfrm>
           <a:prstGeom prst="rect">
             <a:avLst/>
@@ -699,23 +696,15 @@
           <a:bodyPr lIns="0" rIns="0" tIns="0" bIns="0" anchor="ctr"/>
           <a:p>
             <a:pPr algn="ctr"/>
-            <a:endParaRPr b="0" lang="pt-BR" sz="4400" spc="-1" strike="noStrike">
-              <a:solidFill>
-                <a:srgbClr val="000000"/>
-              </a:solidFill>
-              <a:uFill>
-                <a:solidFill>
-                  <a:srgbClr val="ffffff"/>
-                </a:solidFill>
-              </a:uFill>
-              <a:latin typeface="Arial"/>
-            </a:endParaRPr>
-          </a:p>
-        </p:txBody>
-      </p:sp>
-      <p:sp>
-        <p:nvSpPr>
-          <p:cNvPr id="8" name="PlaceHolder 2"/>
+            <a:endParaRPr b="0" lang="en-US" sz="4400" spc="-1" strike="noStrike">
+              <a:latin typeface="Arial"/>
+            </a:endParaRPr>
+          </a:p>
+        </p:txBody>
+      </p:sp>
+      <p:sp>
+        <p:nvSpPr>
+          <p:cNvPr id="5" name="PlaceHolder 2"/>
           <p:cNvSpPr>
             <a:spLocks noGrp="1"/>
           </p:cNvSpPr>
@@ -725,25 +714,19 @@
         </p:nvSpPr>
         <p:spPr>
           <a:xfrm>
-            <a:off x="504000" y="1769040"/>
-            <a:ext cx="9071640" cy="4384440"/>
-          </a:xfrm>
-          <a:prstGeom prst="rect">
-            <a:avLst/>
-          </a:prstGeom>
-        </p:spPr>
-        <p:txBody>
-          <a:bodyPr lIns="0" rIns="0" tIns="0" bIns="0"/>
-          <a:p>
-            <a:endParaRPr b="0" lang="pt-BR" sz="3200" spc="-1" strike="noStrike">
-              <a:solidFill>
-                <a:srgbClr val="000000"/>
-              </a:solidFill>
-              <a:uFill>
-                <a:solidFill>
-                  <a:srgbClr val="ffffff"/>
-                </a:solidFill>
-              </a:uFill>
+            <a:off x="504000" y="1768680"/>
+            <a:ext cx="9072000" cy="4384080"/>
+          </a:xfrm>
+          <a:prstGeom prst="rect">
+            <a:avLst/>
+          </a:prstGeom>
+        </p:spPr>
+        <p:txBody>
+          <a:bodyPr lIns="0" rIns="0" tIns="0" bIns="0">
+            <a:normAutofit/>
+          </a:bodyPr>
+          <a:p>
+            <a:endParaRPr b="0" lang="en-US" sz="3200" spc="-1" strike="noStrike">
               <a:latin typeface="Arial"/>
             </a:endParaRPr>
           </a:p>
@@ -773,7 +756,7 @@
       </p:grpSpPr>
       <p:sp>
         <p:nvSpPr>
-          <p:cNvPr id="9" name="PlaceHolder 1"/>
+          <p:cNvPr id="6" name="PlaceHolder 1"/>
           <p:cNvSpPr>
             <a:spLocks noGrp="1"/>
           </p:cNvSpPr>
@@ -784,7 +767,7 @@
         <p:spPr>
           <a:xfrm>
             <a:off x="504000" y="301320"/>
-            <a:ext cx="9071640" cy="1262160"/>
+            <a:ext cx="9071280" cy="1261800"/>
           </a:xfrm>
           <a:prstGeom prst="rect">
             <a:avLst/>
@@ -794,23 +777,15 @@
           <a:bodyPr lIns="0" rIns="0" tIns="0" bIns="0" anchor="ctr"/>
           <a:p>
             <a:pPr algn="ctr"/>
-            <a:endParaRPr b="0" lang="pt-BR" sz="4400" spc="-1" strike="noStrike">
-              <a:solidFill>
-                <a:srgbClr val="000000"/>
-              </a:solidFill>
-              <a:uFill>
-                <a:solidFill>
-                  <a:srgbClr val="ffffff"/>
-                </a:solidFill>
-              </a:uFill>
-              <a:latin typeface="Arial"/>
-            </a:endParaRPr>
-          </a:p>
-        </p:txBody>
-      </p:sp>
-      <p:sp>
-        <p:nvSpPr>
-          <p:cNvPr id="10" name="PlaceHolder 2"/>
+            <a:endParaRPr b="0" lang="en-US" sz="4400" spc="-1" strike="noStrike">
+              <a:latin typeface="Arial"/>
+            </a:endParaRPr>
+          </a:p>
+        </p:txBody>
+      </p:sp>
+      <p:sp>
+        <p:nvSpPr>
+          <p:cNvPr id="7" name="PlaceHolder 2"/>
           <p:cNvSpPr>
             <a:spLocks noGrp="1"/>
           </p:cNvSpPr>
@@ -820,33 +795,27 @@
         </p:nvSpPr>
         <p:spPr>
           <a:xfrm>
-            <a:off x="504000" y="1769040"/>
-            <a:ext cx="4426920" cy="4384440"/>
-          </a:xfrm>
-          <a:prstGeom prst="rect">
-            <a:avLst/>
-          </a:prstGeom>
-        </p:spPr>
-        <p:txBody>
-          <a:bodyPr lIns="0" rIns="0" tIns="0" bIns="0"/>
-          <a:p>
-            <a:endParaRPr b="0" lang="pt-BR" sz="3200" spc="-1" strike="noStrike">
-              <a:solidFill>
-                <a:srgbClr val="000000"/>
-              </a:solidFill>
-              <a:uFill>
-                <a:solidFill>
-                  <a:srgbClr val="ffffff"/>
-                </a:solidFill>
-              </a:uFill>
-              <a:latin typeface="Arial"/>
-            </a:endParaRPr>
-          </a:p>
-        </p:txBody>
-      </p:sp>
-      <p:sp>
-        <p:nvSpPr>
-          <p:cNvPr id="11" name="PlaceHolder 3"/>
+            <a:off x="504000" y="1768680"/>
+            <a:ext cx="4426920" cy="4384080"/>
+          </a:xfrm>
+          <a:prstGeom prst="rect">
+            <a:avLst/>
+          </a:prstGeom>
+        </p:spPr>
+        <p:txBody>
+          <a:bodyPr lIns="0" rIns="0" tIns="0" bIns="0">
+            <a:normAutofit/>
+          </a:bodyPr>
+          <a:p>
+            <a:endParaRPr b="0" lang="en-US" sz="3200" spc="-1" strike="noStrike">
+              <a:latin typeface="Arial"/>
+            </a:endParaRPr>
+          </a:p>
+        </p:txBody>
+      </p:sp>
+      <p:sp>
+        <p:nvSpPr>
+          <p:cNvPr id="8" name="PlaceHolder 3"/>
           <p:cNvSpPr>
             <a:spLocks noGrp="1"/>
           </p:cNvSpPr>
@@ -856,25 +825,19 @@
         </p:nvSpPr>
         <p:spPr>
           <a:xfrm>
-            <a:off x="5152680" y="1769040"/>
-            <a:ext cx="4426920" cy="4384440"/>
-          </a:xfrm>
-          <a:prstGeom prst="rect">
-            <a:avLst/>
-          </a:prstGeom>
-        </p:spPr>
-        <p:txBody>
-          <a:bodyPr lIns="0" rIns="0" tIns="0" bIns="0"/>
-          <a:p>
-            <a:endParaRPr b="0" lang="pt-BR" sz="3200" spc="-1" strike="noStrike">
-              <a:solidFill>
-                <a:srgbClr val="000000"/>
-              </a:solidFill>
-              <a:uFill>
-                <a:solidFill>
-                  <a:srgbClr val="ffffff"/>
-                </a:solidFill>
-              </a:uFill>
+            <a:off x="5152680" y="1768680"/>
+            <a:ext cx="4426920" cy="4384080"/>
+          </a:xfrm>
+          <a:prstGeom prst="rect">
+            <a:avLst/>
+          </a:prstGeom>
+        </p:spPr>
+        <p:txBody>
+          <a:bodyPr lIns="0" rIns="0" tIns="0" bIns="0">
+            <a:normAutofit/>
+          </a:bodyPr>
+          <a:p>
+            <a:endParaRPr b="0" lang="en-US" sz="3200" spc="-1" strike="noStrike">
               <a:latin typeface="Arial"/>
             </a:endParaRPr>
           </a:p>
@@ -904,7 +867,7 @@
       </p:grpSpPr>
       <p:sp>
         <p:nvSpPr>
-          <p:cNvPr id="12" name="PlaceHolder 1"/>
+          <p:cNvPr id="9" name="PlaceHolder 1"/>
           <p:cNvSpPr>
             <a:spLocks noGrp="1"/>
           </p:cNvSpPr>
@@ -915,7 +878,7 @@
         <p:spPr>
           <a:xfrm>
             <a:off x="504000" y="301320"/>
-            <a:ext cx="9071640" cy="1262160"/>
+            <a:ext cx="9071280" cy="1261800"/>
           </a:xfrm>
           <a:prstGeom prst="rect">
             <a:avLst/>
@@ -925,15 +888,7 @@
           <a:bodyPr lIns="0" rIns="0" tIns="0" bIns="0" anchor="ctr"/>
           <a:p>
             <a:pPr algn="ctr"/>
-            <a:endParaRPr b="0" lang="pt-BR" sz="4400" spc="-1" strike="noStrike">
-              <a:solidFill>
-                <a:srgbClr val="000000"/>
-              </a:solidFill>
-              <a:uFill>
-                <a:solidFill>
-                  <a:srgbClr val="ffffff"/>
-                </a:solidFill>
-              </a:uFill>
+            <a:endParaRPr b="0" lang="en-US" sz="4400" spc="-1" strike="noStrike">
               <a:latin typeface="Arial"/>
             </a:endParaRPr>
           </a:p>
@@ -963,7 +918,7 @@
       </p:grpSpPr>
       <p:sp>
         <p:nvSpPr>
-          <p:cNvPr id="13" name="PlaceHolder 1"/>
+          <p:cNvPr id="10" name="PlaceHolder 1"/>
           <p:cNvSpPr>
             <a:spLocks noGrp="1"/>
           </p:cNvSpPr>
@@ -974,7 +929,7 @@
         <p:spPr>
           <a:xfrm>
             <a:off x="504000" y="301320"/>
-            <a:ext cx="9071640" cy="5851800"/>
+            <a:ext cx="9071280" cy="5850360"/>
           </a:xfrm>
           <a:prstGeom prst="rect">
             <a:avLst/>
@@ -984,15 +939,7 @@
           <a:bodyPr lIns="0" rIns="0" tIns="0" bIns="0" anchor="ctr"/>
           <a:p>
             <a:pPr algn="ctr"/>
-            <a:endParaRPr b="0" lang="pt-BR" sz="3200" spc="-1" strike="noStrike">
-              <a:solidFill>
-                <a:srgbClr val="000000"/>
-              </a:solidFill>
-              <a:uFill>
-                <a:solidFill>
-                  <a:srgbClr val="ffffff"/>
-                </a:solidFill>
-              </a:uFill>
+            <a:endParaRPr b="0" lang="en-US" sz="3200" spc="-1" strike="noStrike">
               <a:latin typeface="Arial"/>
             </a:endParaRPr>
           </a:p>
@@ -1022,7 +969,7 @@
       </p:grpSpPr>
       <p:sp>
         <p:nvSpPr>
-          <p:cNvPr id="14" name="PlaceHolder 1"/>
+          <p:cNvPr id="11" name="PlaceHolder 1"/>
           <p:cNvSpPr>
             <a:spLocks noGrp="1"/>
           </p:cNvSpPr>
@@ -1033,7 +980,7 @@
         <p:spPr>
           <a:xfrm>
             <a:off x="504000" y="301320"/>
-            <a:ext cx="9071640" cy="1262160"/>
+            <a:ext cx="9071280" cy="1261800"/>
           </a:xfrm>
           <a:prstGeom prst="rect">
             <a:avLst/>
@@ -1043,23 +990,15 @@
           <a:bodyPr lIns="0" rIns="0" tIns="0" bIns="0" anchor="ctr"/>
           <a:p>
             <a:pPr algn="ctr"/>
-            <a:endParaRPr b="0" lang="pt-BR" sz="4400" spc="-1" strike="noStrike">
-              <a:solidFill>
-                <a:srgbClr val="000000"/>
-              </a:solidFill>
-              <a:uFill>
-                <a:solidFill>
-                  <a:srgbClr val="ffffff"/>
-                </a:solidFill>
-              </a:uFill>
-              <a:latin typeface="Arial"/>
-            </a:endParaRPr>
-          </a:p>
-        </p:txBody>
-      </p:sp>
-      <p:sp>
-        <p:nvSpPr>
-          <p:cNvPr id="15" name="PlaceHolder 2"/>
+            <a:endParaRPr b="0" lang="en-US" sz="4400" spc="-1" strike="noStrike">
+              <a:latin typeface="Arial"/>
+            </a:endParaRPr>
+          </a:p>
+        </p:txBody>
+      </p:sp>
+      <p:sp>
+        <p:nvSpPr>
+          <p:cNvPr id="12" name="PlaceHolder 2"/>
           <p:cNvSpPr>
             <a:spLocks noGrp="1"/>
           </p:cNvSpPr>
@@ -1069,33 +1008,27 @@
         </p:nvSpPr>
         <p:spPr>
           <a:xfrm>
-            <a:off x="504000" y="1769040"/>
-            <a:ext cx="4426920" cy="2091240"/>
-          </a:xfrm>
-          <a:prstGeom prst="rect">
-            <a:avLst/>
-          </a:prstGeom>
-        </p:spPr>
-        <p:txBody>
-          <a:bodyPr lIns="0" rIns="0" tIns="0" bIns="0"/>
-          <a:p>
-            <a:endParaRPr b="0" lang="pt-BR" sz="3200" spc="-1" strike="noStrike">
-              <a:solidFill>
-                <a:srgbClr val="000000"/>
-              </a:solidFill>
-              <a:uFill>
-                <a:solidFill>
-                  <a:srgbClr val="ffffff"/>
-                </a:solidFill>
-              </a:uFill>
-              <a:latin typeface="Arial"/>
-            </a:endParaRPr>
-          </a:p>
-        </p:txBody>
-      </p:sp>
-      <p:sp>
-        <p:nvSpPr>
-          <p:cNvPr id="16" name="PlaceHolder 3"/>
+            <a:off x="504000" y="1768680"/>
+            <a:ext cx="4426920" cy="2090880"/>
+          </a:xfrm>
+          <a:prstGeom prst="rect">
+            <a:avLst/>
+          </a:prstGeom>
+        </p:spPr>
+        <p:txBody>
+          <a:bodyPr lIns="0" rIns="0" tIns="0" bIns="0">
+            <a:normAutofit/>
+          </a:bodyPr>
+          <a:p>
+            <a:endParaRPr b="0" lang="en-US" sz="3200" spc="-1" strike="noStrike">
+              <a:latin typeface="Arial"/>
+            </a:endParaRPr>
+          </a:p>
+        </p:txBody>
+      </p:sp>
+      <p:sp>
+        <p:nvSpPr>
+          <p:cNvPr id="13" name="PlaceHolder 3"/>
           <p:cNvSpPr>
             <a:spLocks noGrp="1"/>
           </p:cNvSpPr>
@@ -1105,33 +1038,27 @@
         </p:nvSpPr>
         <p:spPr>
           <a:xfrm>
-            <a:off x="504000" y="4059360"/>
-            <a:ext cx="4426920" cy="2091240"/>
-          </a:xfrm>
-          <a:prstGeom prst="rect">
-            <a:avLst/>
-          </a:prstGeom>
-        </p:spPr>
-        <p:txBody>
-          <a:bodyPr lIns="0" rIns="0" tIns="0" bIns="0"/>
-          <a:p>
-            <a:endParaRPr b="0" lang="pt-BR" sz="3200" spc="-1" strike="noStrike">
-              <a:solidFill>
-                <a:srgbClr val="000000"/>
-              </a:solidFill>
-              <a:uFill>
-                <a:solidFill>
-                  <a:srgbClr val="ffffff"/>
-                </a:solidFill>
-              </a:uFill>
-              <a:latin typeface="Arial"/>
-            </a:endParaRPr>
-          </a:p>
-        </p:txBody>
-      </p:sp>
-      <p:sp>
-        <p:nvSpPr>
-          <p:cNvPr id="17" name="PlaceHolder 4"/>
+            <a:off x="5152680" y="1768680"/>
+            <a:ext cx="4426920" cy="4384080"/>
+          </a:xfrm>
+          <a:prstGeom prst="rect">
+            <a:avLst/>
+          </a:prstGeom>
+        </p:spPr>
+        <p:txBody>
+          <a:bodyPr lIns="0" rIns="0" tIns="0" bIns="0">
+            <a:normAutofit/>
+          </a:bodyPr>
+          <a:p>
+            <a:endParaRPr b="0" lang="en-US" sz="3200" spc="-1" strike="noStrike">
+              <a:latin typeface="Arial"/>
+            </a:endParaRPr>
+          </a:p>
+        </p:txBody>
+      </p:sp>
+      <p:sp>
+        <p:nvSpPr>
+          <p:cNvPr id="14" name="PlaceHolder 4"/>
           <p:cNvSpPr>
             <a:spLocks noGrp="1"/>
           </p:cNvSpPr>
@@ -1141,25 +1068,19 @@
         </p:nvSpPr>
         <p:spPr>
           <a:xfrm>
-            <a:off x="5152680" y="1769040"/>
-            <a:ext cx="4426920" cy="4384440"/>
-          </a:xfrm>
-          <a:prstGeom prst="rect">
-            <a:avLst/>
-          </a:prstGeom>
-        </p:spPr>
-        <p:txBody>
-          <a:bodyPr lIns="0" rIns="0" tIns="0" bIns="0"/>
-          <a:p>
-            <a:endParaRPr b="0" lang="pt-BR" sz="3200" spc="-1" strike="noStrike">
-              <a:solidFill>
-                <a:srgbClr val="000000"/>
-              </a:solidFill>
-              <a:uFill>
-                <a:solidFill>
-                  <a:srgbClr val="ffffff"/>
-                </a:solidFill>
-              </a:uFill>
+            <a:off x="504000" y="4058640"/>
+            <a:ext cx="4426920" cy="2090880"/>
+          </a:xfrm>
+          <a:prstGeom prst="rect">
+            <a:avLst/>
+          </a:prstGeom>
+        </p:spPr>
+        <p:txBody>
+          <a:bodyPr lIns="0" rIns="0" tIns="0" bIns="0">
+            <a:normAutofit/>
+          </a:bodyPr>
+          <a:p>
+            <a:endParaRPr b="0" lang="en-US" sz="3200" spc="-1" strike="noStrike">
               <a:latin typeface="Arial"/>
             </a:endParaRPr>
           </a:p>
@@ -1189,7 +1110,7 @@
       </p:grpSpPr>
       <p:sp>
         <p:nvSpPr>
-          <p:cNvPr id="18" name="PlaceHolder 1"/>
+          <p:cNvPr id="15" name="PlaceHolder 1"/>
           <p:cNvSpPr>
             <a:spLocks noGrp="1"/>
           </p:cNvSpPr>
@@ -1200,7 +1121,7 @@
         <p:spPr>
           <a:xfrm>
             <a:off x="504000" y="301320"/>
-            <a:ext cx="9071640" cy="1262160"/>
+            <a:ext cx="9071280" cy="1261800"/>
           </a:xfrm>
           <a:prstGeom prst="rect">
             <a:avLst/>
@@ -1210,23 +1131,15 @@
           <a:bodyPr lIns="0" rIns="0" tIns="0" bIns="0" anchor="ctr"/>
           <a:p>
             <a:pPr algn="ctr"/>
-            <a:endParaRPr b="0" lang="pt-BR" sz="4400" spc="-1" strike="noStrike">
-              <a:solidFill>
-                <a:srgbClr val="000000"/>
-              </a:solidFill>
-              <a:uFill>
-                <a:solidFill>
-                  <a:srgbClr val="ffffff"/>
-                </a:solidFill>
-              </a:uFill>
-              <a:latin typeface="Arial"/>
-            </a:endParaRPr>
-          </a:p>
-        </p:txBody>
-      </p:sp>
-      <p:sp>
-        <p:nvSpPr>
-          <p:cNvPr id="19" name="PlaceHolder 2"/>
+            <a:endParaRPr b="0" lang="en-US" sz="4400" spc="-1" strike="noStrike">
+              <a:latin typeface="Arial"/>
+            </a:endParaRPr>
+          </a:p>
+        </p:txBody>
+      </p:sp>
+      <p:sp>
+        <p:nvSpPr>
+          <p:cNvPr id="16" name="PlaceHolder 2"/>
           <p:cNvSpPr>
             <a:spLocks noGrp="1"/>
           </p:cNvSpPr>
@@ -1236,33 +1149,27 @@
         </p:nvSpPr>
         <p:spPr>
           <a:xfrm>
-            <a:off x="504000" y="1769040"/>
-            <a:ext cx="4426920" cy="4384440"/>
-          </a:xfrm>
-          <a:prstGeom prst="rect">
-            <a:avLst/>
-          </a:prstGeom>
-        </p:spPr>
-        <p:txBody>
-          <a:bodyPr lIns="0" rIns="0" tIns="0" bIns="0"/>
-          <a:p>
-            <a:endParaRPr b="0" lang="pt-BR" sz="3200" spc="-1" strike="noStrike">
-              <a:solidFill>
-                <a:srgbClr val="000000"/>
-              </a:solidFill>
-              <a:uFill>
-                <a:solidFill>
-                  <a:srgbClr val="ffffff"/>
-                </a:solidFill>
-              </a:uFill>
-              <a:latin typeface="Arial"/>
-            </a:endParaRPr>
-          </a:p>
-        </p:txBody>
-      </p:sp>
-      <p:sp>
-        <p:nvSpPr>
-          <p:cNvPr id="20" name="PlaceHolder 3"/>
+            <a:off x="504000" y="1768680"/>
+            <a:ext cx="4426920" cy="4384080"/>
+          </a:xfrm>
+          <a:prstGeom prst="rect">
+            <a:avLst/>
+          </a:prstGeom>
+        </p:spPr>
+        <p:txBody>
+          <a:bodyPr lIns="0" rIns="0" tIns="0" bIns="0">
+            <a:normAutofit/>
+          </a:bodyPr>
+          <a:p>
+            <a:endParaRPr b="0" lang="en-US" sz="3200" spc="-1" strike="noStrike">
+              <a:latin typeface="Arial"/>
+            </a:endParaRPr>
+          </a:p>
+        </p:txBody>
+      </p:sp>
+      <p:sp>
+        <p:nvSpPr>
+          <p:cNvPr id="17" name="PlaceHolder 3"/>
           <p:cNvSpPr>
             <a:spLocks noGrp="1"/>
           </p:cNvSpPr>
@@ -1272,33 +1179,27 @@
         </p:nvSpPr>
         <p:spPr>
           <a:xfrm>
-            <a:off x="5152680" y="1769040"/>
-            <a:ext cx="4426920" cy="2091240"/>
-          </a:xfrm>
-          <a:prstGeom prst="rect">
-            <a:avLst/>
-          </a:prstGeom>
-        </p:spPr>
-        <p:txBody>
-          <a:bodyPr lIns="0" rIns="0" tIns="0" bIns="0"/>
-          <a:p>
-            <a:endParaRPr b="0" lang="pt-BR" sz="3200" spc="-1" strike="noStrike">
-              <a:solidFill>
-                <a:srgbClr val="000000"/>
-              </a:solidFill>
-              <a:uFill>
-                <a:solidFill>
-                  <a:srgbClr val="ffffff"/>
-                </a:solidFill>
-              </a:uFill>
-              <a:latin typeface="Arial"/>
-            </a:endParaRPr>
-          </a:p>
-        </p:txBody>
-      </p:sp>
-      <p:sp>
-        <p:nvSpPr>
-          <p:cNvPr id="21" name="PlaceHolder 4"/>
+            <a:off x="5152680" y="1768680"/>
+            <a:ext cx="4426920" cy="2090880"/>
+          </a:xfrm>
+          <a:prstGeom prst="rect">
+            <a:avLst/>
+          </a:prstGeom>
+        </p:spPr>
+        <p:txBody>
+          <a:bodyPr lIns="0" rIns="0" tIns="0" bIns="0">
+            <a:normAutofit/>
+          </a:bodyPr>
+          <a:p>
+            <a:endParaRPr b="0" lang="en-US" sz="3200" spc="-1" strike="noStrike">
+              <a:latin typeface="Arial"/>
+            </a:endParaRPr>
+          </a:p>
+        </p:txBody>
+      </p:sp>
+      <p:sp>
+        <p:nvSpPr>
+          <p:cNvPr id="18" name="PlaceHolder 4"/>
           <p:cNvSpPr>
             <a:spLocks noGrp="1"/>
           </p:cNvSpPr>
@@ -1308,25 +1209,19 @@
         </p:nvSpPr>
         <p:spPr>
           <a:xfrm>
-            <a:off x="5152680" y="4059360"/>
-            <a:ext cx="4426920" cy="2091240"/>
-          </a:xfrm>
-          <a:prstGeom prst="rect">
-            <a:avLst/>
-          </a:prstGeom>
-        </p:spPr>
-        <p:txBody>
-          <a:bodyPr lIns="0" rIns="0" tIns="0" bIns="0"/>
-          <a:p>
-            <a:endParaRPr b="0" lang="pt-BR" sz="3200" spc="-1" strike="noStrike">
-              <a:solidFill>
-                <a:srgbClr val="000000"/>
-              </a:solidFill>
-              <a:uFill>
-                <a:solidFill>
-                  <a:srgbClr val="ffffff"/>
-                </a:solidFill>
-              </a:uFill>
+            <a:off x="5152680" y="4058640"/>
+            <a:ext cx="4426920" cy="2090880"/>
+          </a:xfrm>
+          <a:prstGeom prst="rect">
+            <a:avLst/>
+          </a:prstGeom>
+        </p:spPr>
+        <p:txBody>
+          <a:bodyPr lIns="0" rIns="0" tIns="0" bIns="0">
+            <a:normAutofit/>
+          </a:bodyPr>
+          <a:p>
+            <a:endParaRPr b="0" lang="en-US" sz="3200" spc="-1" strike="noStrike">
               <a:latin typeface="Arial"/>
             </a:endParaRPr>
           </a:p>
@@ -1356,7 +1251,7 @@
       </p:grpSpPr>
       <p:sp>
         <p:nvSpPr>
-          <p:cNvPr id="22" name="PlaceHolder 1"/>
+          <p:cNvPr id="19" name="PlaceHolder 1"/>
           <p:cNvSpPr>
             <a:spLocks noGrp="1"/>
           </p:cNvSpPr>
@@ -1367,7 +1262,7 @@
         <p:spPr>
           <a:xfrm>
             <a:off x="504000" y="301320"/>
-            <a:ext cx="9071640" cy="1262160"/>
+            <a:ext cx="9071280" cy="1261800"/>
           </a:xfrm>
           <a:prstGeom prst="rect">
             <a:avLst/>
@@ -1377,23 +1272,15 @@
           <a:bodyPr lIns="0" rIns="0" tIns="0" bIns="0" anchor="ctr"/>
           <a:p>
             <a:pPr algn="ctr"/>
-            <a:endParaRPr b="0" lang="pt-BR" sz="4400" spc="-1" strike="noStrike">
-              <a:solidFill>
-                <a:srgbClr val="000000"/>
-              </a:solidFill>
-              <a:uFill>
-                <a:solidFill>
-                  <a:srgbClr val="ffffff"/>
-                </a:solidFill>
-              </a:uFill>
-              <a:latin typeface="Arial"/>
-            </a:endParaRPr>
-          </a:p>
-        </p:txBody>
-      </p:sp>
-      <p:sp>
-        <p:nvSpPr>
-          <p:cNvPr id="23" name="PlaceHolder 2"/>
+            <a:endParaRPr b="0" lang="en-US" sz="4400" spc="-1" strike="noStrike">
+              <a:latin typeface="Arial"/>
+            </a:endParaRPr>
+          </a:p>
+        </p:txBody>
+      </p:sp>
+      <p:sp>
+        <p:nvSpPr>
+          <p:cNvPr id="20" name="PlaceHolder 2"/>
           <p:cNvSpPr>
             <a:spLocks noGrp="1"/>
           </p:cNvSpPr>
@@ -1403,33 +1290,27 @@
         </p:nvSpPr>
         <p:spPr>
           <a:xfrm>
-            <a:off x="504000" y="1769040"/>
-            <a:ext cx="4426920" cy="2091240"/>
-          </a:xfrm>
-          <a:prstGeom prst="rect">
-            <a:avLst/>
-          </a:prstGeom>
-        </p:spPr>
-        <p:txBody>
-          <a:bodyPr lIns="0" rIns="0" tIns="0" bIns="0"/>
-          <a:p>
-            <a:endParaRPr b="0" lang="pt-BR" sz="3200" spc="-1" strike="noStrike">
-              <a:solidFill>
-                <a:srgbClr val="000000"/>
-              </a:solidFill>
-              <a:uFill>
-                <a:solidFill>
-                  <a:srgbClr val="ffffff"/>
-                </a:solidFill>
-              </a:uFill>
-              <a:latin typeface="Arial"/>
-            </a:endParaRPr>
-          </a:p>
-        </p:txBody>
-      </p:sp>
-      <p:sp>
-        <p:nvSpPr>
-          <p:cNvPr id="24" name="PlaceHolder 3"/>
+            <a:off x="504000" y="1768680"/>
+            <a:ext cx="4426920" cy="2090880"/>
+          </a:xfrm>
+          <a:prstGeom prst="rect">
+            <a:avLst/>
+          </a:prstGeom>
+        </p:spPr>
+        <p:txBody>
+          <a:bodyPr lIns="0" rIns="0" tIns="0" bIns="0">
+            <a:normAutofit/>
+          </a:bodyPr>
+          <a:p>
+            <a:endParaRPr b="0" lang="en-US" sz="3200" spc="-1" strike="noStrike">
+              <a:latin typeface="Arial"/>
+            </a:endParaRPr>
+          </a:p>
+        </p:txBody>
+      </p:sp>
+      <p:sp>
+        <p:nvSpPr>
+          <p:cNvPr id="21" name="PlaceHolder 3"/>
           <p:cNvSpPr>
             <a:spLocks noGrp="1"/>
           </p:cNvSpPr>
@@ -1439,33 +1320,27 @@
         </p:nvSpPr>
         <p:spPr>
           <a:xfrm>
-            <a:off x="5152680" y="1769040"/>
-            <a:ext cx="4426920" cy="2091240"/>
-          </a:xfrm>
-          <a:prstGeom prst="rect">
-            <a:avLst/>
-          </a:prstGeom>
-        </p:spPr>
-        <p:txBody>
-          <a:bodyPr lIns="0" rIns="0" tIns="0" bIns="0"/>
-          <a:p>
-            <a:endParaRPr b="0" lang="pt-BR" sz="3200" spc="-1" strike="noStrike">
-              <a:solidFill>
-                <a:srgbClr val="000000"/>
-              </a:solidFill>
-              <a:uFill>
-                <a:solidFill>
-                  <a:srgbClr val="ffffff"/>
-                </a:solidFill>
-              </a:uFill>
-              <a:latin typeface="Arial"/>
-            </a:endParaRPr>
-          </a:p>
-        </p:txBody>
-      </p:sp>
-      <p:sp>
-        <p:nvSpPr>
-          <p:cNvPr id="25" name="PlaceHolder 4"/>
+            <a:off x="5152680" y="1768680"/>
+            <a:ext cx="4426920" cy="2090880"/>
+          </a:xfrm>
+          <a:prstGeom prst="rect">
+            <a:avLst/>
+          </a:prstGeom>
+        </p:spPr>
+        <p:txBody>
+          <a:bodyPr lIns="0" rIns="0" tIns="0" bIns="0">
+            <a:normAutofit/>
+          </a:bodyPr>
+          <a:p>
+            <a:endParaRPr b="0" lang="en-US" sz="3200" spc="-1" strike="noStrike">
+              <a:latin typeface="Arial"/>
+            </a:endParaRPr>
+          </a:p>
+        </p:txBody>
+      </p:sp>
+      <p:sp>
+        <p:nvSpPr>
+          <p:cNvPr id="22" name="PlaceHolder 4"/>
           <p:cNvSpPr>
             <a:spLocks noGrp="1"/>
           </p:cNvSpPr>
@@ -1475,25 +1350,19 @@
         </p:nvSpPr>
         <p:spPr>
           <a:xfrm>
-            <a:off x="504000" y="4059360"/>
-            <a:ext cx="9071640" cy="2091240"/>
-          </a:xfrm>
-          <a:prstGeom prst="rect">
-            <a:avLst/>
-          </a:prstGeom>
-        </p:spPr>
-        <p:txBody>
-          <a:bodyPr lIns="0" rIns="0" tIns="0" bIns="0"/>
-          <a:p>
-            <a:endParaRPr b="0" lang="pt-BR" sz="3200" spc="-1" strike="noStrike">
-              <a:solidFill>
-                <a:srgbClr val="000000"/>
-              </a:solidFill>
-              <a:uFill>
-                <a:solidFill>
-                  <a:srgbClr val="ffffff"/>
-                </a:solidFill>
-              </a:uFill>
+            <a:off x="504000" y="4058640"/>
+            <a:ext cx="9072000" cy="2090880"/>
+          </a:xfrm>
+          <a:prstGeom prst="rect">
+            <a:avLst/>
+          </a:prstGeom>
+        </p:spPr>
+        <p:txBody>
+          <a:bodyPr lIns="0" rIns="0" tIns="0" bIns="0">
+            <a:normAutofit/>
+          </a:bodyPr>
+          <a:p>
+            <a:endParaRPr b="0" lang="en-US" sz="3200" spc="-1" strike="noStrike">
               <a:latin typeface="Arial"/>
             </a:endParaRPr>
           </a:p>
@@ -1534,7 +1403,7 @@
         <p:spPr>
           <a:xfrm>
             <a:off x="504000" y="301320"/>
-            <a:ext cx="9071640" cy="1262160"/>
+            <a:ext cx="9071280" cy="1261800"/>
           </a:xfrm>
           <a:prstGeom prst="rect">
             <a:avLst/>
@@ -1543,30 +1412,13 @@
         <p:txBody>
           <a:bodyPr lIns="0" rIns="0" tIns="0" bIns="0" anchor="ctr"/>
           <a:p>
-            <a:pPr algn="ctr"/>
             <a:r>
-              <a:rPr b="0" lang="pt-BR" sz="4400" spc="-1" strike="noStrike">
-                <a:solidFill>
-                  <a:srgbClr val="000000"/>
-                </a:solidFill>
-                <a:uFill>
-                  <a:solidFill>
-                    <a:srgbClr val="ffffff"/>
-                  </a:solidFill>
-                </a:uFill>
+              <a:rPr b="0" lang="en-US" sz="1800" spc="-1" strike="noStrike">
                 <a:latin typeface="Arial"/>
               </a:rPr>
               <a:t>Click to edit the title text format</a:t>
             </a:r>
-            <a:endParaRPr b="0" lang="pt-BR" sz="4400" spc="-1" strike="noStrike">
-              <a:solidFill>
-                <a:srgbClr val="000000"/>
-              </a:solidFill>
-              <a:uFill>
-                <a:solidFill>
-                  <a:srgbClr val="ffffff"/>
-                </a:solidFill>
-              </a:uFill>
+            <a:endParaRPr b="0" lang="en-US" sz="1800" spc="-1" strike="noStrike">
               <a:latin typeface="Arial"/>
             </a:endParaRPr>
           </a:p>
@@ -1584,17 +1436,22 @@
         </p:nvSpPr>
         <p:spPr>
           <a:xfrm>
-            <a:off x="504000" y="1769040"/>
-            <a:ext cx="9071640" cy="4384440"/>
-          </a:xfrm>
-          <a:prstGeom prst="rect">
-            <a:avLst/>
-          </a:prstGeom>
-        </p:spPr>
-        <p:txBody>
-          <a:bodyPr lIns="0" rIns="0" tIns="0" bIns="0"/>
+            <a:off x="504000" y="1768680"/>
+            <a:ext cx="9072000" cy="4384080"/>
+          </a:xfrm>
+          <a:prstGeom prst="rect">
+            <a:avLst/>
+          </a:prstGeom>
+        </p:spPr>
+        <p:txBody>
+          <a:bodyPr lIns="0" rIns="0" tIns="0" bIns="0">
+            <a:normAutofit/>
+          </a:bodyPr>
           <a:p>
             <a:pPr marL="432000" indent="-324000">
+              <a:spcBef>
+                <a:spcPts val="1417"/>
+              </a:spcBef>
               <a:buClr>
                 <a:srgbClr val="000000"/>
               </a:buClr>
@@ -1603,33 +1460,20 @@
               <a:buChar char=""/>
             </a:pPr>
             <a:r>
-              <a:rPr b="0" lang="pt-BR" sz="3200" spc="-1" strike="noStrike">
-                <a:solidFill>
-                  <a:srgbClr val="000000"/>
-                </a:solidFill>
-                <a:uFill>
-                  <a:solidFill>
-                    <a:srgbClr val="ffffff"/>
-                  </a:solidFill>
-                </a:uFill>
+              <a:rPr b="0" lang="en-US" sz="3200" spc="-1" strike="noStrike">
                 <a:latin typeface="Arial"/>
               </a:rPr>
               <a:t>Click to edit the outline text format</a:t>
             </a:r>
-            <a:endParaRPr b="0" lang="pt-BR" sz="3200" spc="-1" strike="noStrike">
-              <a:solidFill>
-                <a:srgbClr val="000000"/>
-              </a:solidFill>
-              <a:uFill>
-                <a:solidFill>
-                  <a:srgbClr val="ffffff"/>
-                </a:solidFill>
-              </a:uFill>
+            <a:endParaRPr b="0" lang="en-US" sz="3200" spc="-1" strike="noStrike">
               <a:latin typeface="Arial"/>
             </a:endParaRPr>
           </a:p>
           <a:p>
             <a:pPr lvl="1" marL="864000" indent="-324000">
+              <a:spcBef>
+                <a:spcPts val="1134"/>
+              </a:spcBef>
               <a:buClr>
                 <a:srgbClr val="000000"/>
               </a:buClr>
@@ -1638,33 +1482,20 @@
               <a:buChar char=""/>
             </a:pPr>
             <a:r>
-              <a:rPr b="0" lang="pt-BR" sz="2800" spc="-1" strike="noStrike">
-                <a:solidFill>
-                  <a:srgbClr val="000000"/>
-                </a:solidFill>
-                <a:uFill>
-                  <a:solidFill>
-                    <a:srgbClr val="ffffff"/>
-                  </a:solidFill>
-                </a:uFill>
+              <a:rPr b="0" lang="en-US" sz="2800" spc="-1" strike="noStrike">
                 <a:latin typeface="Arial"/>
               </a:rPr>
               <a:t>Second Outline Level</a:t>
             </a:r>
-            <a:endParaRPr b="0" lang="pt-BR" sz="2800" spc="-1" strike="noStrike">
-              <a:solidFill>
-                <a:srgbClr val="000000"/>
-              </a:solidFill>
-              <a:uFill>
-                <a:solidFill>
-                  <a:srgbClr val="ffffff"/>
-                </a:solidFill>
-              </a:uFill>
+            <a:endParaRPr b="0" lang="en-US" sz="2800" spc="-1" strike="noStrike">
               <a:latin typeface="Arial"/>
             </a:endParaRPr>
           </a:p>
           <a:p>
             <a:pPr lvl="2" marL="1296000" indent="-288000">
+              <a:spcBef>
+                <a:spcPts val="850"/>
+              </a:spcBef>
               <a:buClr>
                 <a:srgbClr val="000000"/>
               </a:buClr>
@@ -1673,33 +1504,20 @@
               <a:buChar char=""/>
             </a:pPr>
             <a:r>
-              <a:rPr b="0" lang="pt-BR" sz="2400" spc="-1" strike="noStrike">
-                <a:solidFill>
-                  <a:srgbClr val="000000"/>
-                </a:solidFill>
-                <a:uFill>
-                  <a:solidFill>
-                    <a:srgbClr val="ffffff"/>
-                  </a:solidFill>
-                </a:uFill>
+              <a:rPr b="0" lang="en-US" sz="2400" spc="-1" strike="noStrike">
                 <a:latin typeface="Arial"/>
               </a:rPr>
               <a:t>Third Outline Level</a:t>
             </a:r>
-            <a:endParaRPr b="0" lang="pt-BR" sz="2400" spc="-1" strike="noStrike">
-              <a:solidFill>
-                <a:srgbClr val="000000"/>
-              </a:solidFill>
-              <a:uFill>
-                <a:solidFill>
-                  <a:srgbClr val="ffffff"/>
-                </a:solidFill>
-              </a:uFill>
+            <a:endParaRPr b="0" lang="en-US" sz="2400" spc="-1" strike="noStrike">
               <a:latin typeface="Arial"/>
             </a:endParaRPr>
           </a:p>
           <a:p>
             <a:pPr lvl="3" marL="1728000" indent="-216000">
+              <a:spcBef>
+                <a:spcPts val="567"/>
+              </a:spcBef>
               <a:buClr>
                 <a:srgbClr val="000000"/>
               </a:buClr>
@@ -1708,33 +1526,20 @@
               <a:buChar char=""/>
             </a:pPr>
             <a:r>
-              <a:rPr b="0" lang="pt-BR" sz="2000" spc="-1" strike="noStrike">
-                <a:solidFill>
-                  <a:srgbClr val="000000"/>
-                </a:solidFill>
-                <a:uFill>
-                  <a:solidFill>
-                    <a:srgbClr val="ffffff"/>
-                  </a:solidFill>
-                </a:uFill>
+              <a:rPr b="0" lang="en-US" sz="2000" spc="-1" strike="noStrike">
                 <a:latin typeface="Arial"/>
               </a:rPr>
               <a:t>Fourth Outline Level</a:t>
             </a:r>
-            <a:endParaRPr b="0" lang="pt-BR" sz="2000" spc="-1" strike="noStrike">
-              <a:solidFill>
-                <a:srgbClr val="000000"/>
-              </a:solidFill>
-              <a:uFill>
-                <a:solidFill>
-                  <a:srgbClr val="ffffff"/>
-                </a:solidFill>
-              </a:uFill>
+            <a:endParaRPr b="0" lang="en-US" sz="2000" spc="-1" strike="noStrike">
               <a:latin typeface="Arial"/>
             </a:endParaRPr>
           </a:p>
           <a:p>
             <a:pPr lvl="4" marL="2160000" indent="-216000">
+              <a:spcBef>
+                <a:spcPts val="283"/>
+              </a:spcBef>
               <a:buClr>
                 <a:srgbClr val="000000"/>
               </a:buClr>
@@ -1743,33 +1548,20 @@
               <a:buChar char=""/>
             </a:pPr>
             <a:r>
-              <a:rPr b="0" lang="pt-BR" sz="2000" spc="-1" strike="noStrike">
-                <a:solidFill>
-                  <a:srgbClr val="000000"/>
-                </a:solidFill>
-                <a:uFill>
-                  <a:solidFill>
-                    <a:srgbClr val="ffffff"/>
-                  </a:solidFill>
-                </a:uFill>
+              <a:rPr b="0" lang="en-US" sz="2000" spc="-1" strike="noStrike">
                 <a:latin typeface="Arial"/>
               </a:rPr>
               <a:t>Fifth Outline Level</a:t>
             </a:r>
-            <a:endParaRPr b="0" lang="pt-BR" sz="2000" spc="-1" strike="noStrike">
-              <a:solidFill>
-                <a:srgbClr val="000000"/>
-              </a:solidFill>
-              <a:uFill>
-                <a:solidFill>
-                  <a:srgbClr val="ffffff"/>
-                </a:solidFill>
-              </a:uFill>
+            <a:endParaRPr b="0" lang="en-US" sz="2000" spc="-1" strike="noStrike">
               <a:latin typeface="Arial"/>
             </a:endParaRPr>
           </a:p>
           <a:p>
             <a:pPr lvl="5" marL="2592000" indent="-216000">
+              <a:spcBef>
+                <a:spcPts val="283"/>
+              </a:spcBef>
               <a:buClr>
                 <a:srgbClr val="000000"/>
               </a:buClr>
@@ -1778,33 +1570,20 @@
               <a:buChar char=""/>
             </a:pPr>
             <a:r>
-              <a:rPr b="0" lang="pt-BR" sz="2000" spc="-1" strike="noStrike">
-                <a:solidFill>
-                  <a:srgbClr val="000000"/>
-                </a:solidFill>
-                <a:uFill>
-                  <a:solidFill>
-                    <a:srgbClr val="ffffff"/>
-                  </a:solidFill>
-                </a:uFill>
+              <a:rPr b="0" lang="en-US" sz="2000" spc="-1" strike="noStrike">
                 <a:latin typeface="Arial"/>
               </a:rPr>
               <a:t>Sixth Outline Level</a:t>
             </a:r>
-            <a:endParaRPr b="0" lang="pt-BR" sz="2000" spc="-1" strike="noStrike">
-              <a:solidFill>
-                <a:srgbClr val="000000"/>
-              </a:solidFill>
-              <a:uFill>
-                <a:solidFill>
-                  <a:srgbClr val="ffffff"/>
-                </a:solidFill>
-              </a:uFill>
+            <a:endParaRPr b="0" lang="en-US" sz="2000" spc="-1" strike="noStrike">
               <a:latin typeface="Arial"/>
             </a:endParaRPr>
           </a:p>
           <a:p>
             <a:pPr lvl="6" marL="3024000" indent="-216000">
+              <a:spcBef>
+                <a:spcPts val="283"/>
+              </a:spcBef>
               <a:buClr>
                 <a:srgbClr val="000000"/>
               </a:buClr>
@@ -1813,181 +1592,13 @@
               <a:buChar char=""/>
             </a:pPr>
             <a:r>
-              <a:rPr b="0" lang="pt-BR" sz="2000" spc="-1" strike="noStrike">
-                <a:solidFill>
-                  <a:srgbClr val="000000"/>
-                </a:solidFill>
-                <a:uFill>
-                  <a:solidFill>
-                    <a:srgbClr val="ffffff"/>
-                  </a:solidFill>
-                </a:uFill>
+              <a:rPr b="0" lang="en-US" sz="2000" spc="-1" strike="noStrike">
                 <a:latin typeface="Arial"/>
               </a:rPr>
               <a:t>Seventh Outline Level</a:t>
             </a:r>
-            <a:endParaRPr b="0" lang="pt-BR" sz="2000" spc="-1" strike="noStrike">
-              <a:solidFill>
-                <a:srgbClr val="000000"/>
-              </a:solidFill>
-              <a:uFill>
-                <a:solidFill>
-                  <a:srgbClr val="ffffff"/>
-                </a:solidFill>
-              </a:uFill>
-              <a:latin typeface="Arial"/>
-            </a:endParaRPr>
-          </a:p>
-        </p:txBody>
-      </p:sp>
-      <p:sp>
-        <p:nvSpPr>
-          <p:cNvPr id="2" name="PlaceHolder 3"/>
-          <p:cNvSpPr>
-            <a:spLocks noGrp="1"/>
-          </p:cNvSpPr>
-          <p:nvPr>
-            <p:ph type="dt"/>
-          </p:nvPr>
-        </p:nvSpPr>
-        <p:spPr>
-          <a:xfrm>
-            <a:off x="504000" y="6887160"/>
-            <a:ext cx="2348280" cy="521280"/>
-          </a:xfrm>
-          <a:prstGeom prst="rect">
-            <a:avLst/>
-          </a:prstGeom>
-        </p:spPr>
-        <p:txBody>
-          <a:bodyPr lIns="0" rIns="0" tIns="0" bIns="0"/>
-          <a:p>
-            <a:r>
-              <a:rPr b="0" lang="pt-BR" sz="1400" spc="-1" strike="noStrike">
-                <a:solidFill>
-                  <a:srgbClr val="000000"/>
-                </a:solidFill>
-                <a:uFill>
-                  <a:solidFill>
-                    <a:srgbClr val="ffffff"/>
-                  </a:solidFill>
-                </a:uFill>
-                <a:latin typeface="Times New Roman"/>
-              </a:rPr>
-              <a:t>&lt;date/time&gt;</a:t>
-            </a:r>
-            <a:endParaRPr b="0" lang="pt-BR" sz="1400" spc="-1" strike="noStrike">
-              <a:solidFill>
-                <a:srgbClr val="000000"/>
-              </a:solidFill>
-              <a:uFill>
-                <a:solidFill>
-                  <a:srgbClr val="ffffff"/>
-                </a:solidFill>
-              </a:uFill>
-              <a:latin typeface="Times New Roman"/>
-            </a:endParaRPr>
-          </a:p>
-        </p:txBody>
-      </p:sp>
-      <p:sp>
-        <p:nvSpPr>
-          <p:cNvPr id="3" name="PlaceHolder 4"/>
-          <p:cNvSpPr>
-            <a:spLocks noGrp="1"/>
-          </p:cNvSpPr>
-          <p:nvPr>
-            <p:ph type="ftr"/>
-          </p:nvPr>
-        </p:nvSpPr>
-        <p:spPr>
-          <a:xfrm>
-            <a:off x="3447360" y="6887160"/>
-            <a:ext cx="3195000" cy="521280"/>
-          </a:xfrm>
-          <a:prstGeom prst="rect">
-            <a:avLst/>
-          </a:prstGeom>
-        </p:spPr>
-        <p:txBody>
-          <a:bodyPr lIns="0" rIns="0" tIns="0" bIns="0"/>
-          <a:p>
-            <a:pPr algn="ctr"/>
-            <a:r>
-              <a:rPr b="0" lang="pt-BR" sz="1400" spc="-1" strike="noStrike">
-                <a:solidFill>
-                  <a:srgbClr val="000000"/>
-                </a:solidFill>
-                <a:uFill>
-                  <a:solidFill>
-                    <a:srgbClr val="ffffff"/>
-                  </a:solidFill>
-                </a:uFill>
-                <a:latin typeface="Times New Roman"/>
-              </a:rPr>
-              <a:t>&lt;footer&gt;</a:t>
-            </a:r>
-            <a:endParaRPr b="0" lang="pt-BR" sz="1400" spc="-1" strike="noStrike">
-              <a:solidFill>
-                <a:srgbClr val="000000"/>
-              </a:solidFill>
-              <a:uFill>
-                <a:solidFill>
-                  <a:srgbClr val="ffffff"/>
-                </a:solidFill>
-              </a:uFill>
-              <a:latin typeface="Times New Roman"/>
-            </a:endParaRPr>
-          </a:p>
-        </p:txBody>
-      </p:sp>
-      <p:sp>
-        <p:nvSpPr>
-          <p:cNvPr id="4" name="PlaceHolder 5"/>
-          <p:cNvSpPr>
-            <a:spLocks noGrp="1"/>
-          </p:cNvSpPr>
-          <p:nvPr>
-            <p:ph type="sldNum"/>
-          </p:nvPr>
-        </p:nvSpPr>
-        <p:spPr>
-          <a:xfrm>
-            <a:off x="7227360" y="6887160"/>
-            <a:ext cx="2348280" cy="521280"/>
-          </a:xfrm>
-          <a:prstGeom prst="rect">
-            <a:avLst/>
-          </a:prstGeom>
-        </p:spPr>
-        <p:txBody>
-          <a:bodyPr lIns="0" rIns="0" tIns="0" bIns="0"/>
-          <a:p>
-            <a:pPr algn="r"/>
-            <a:fld id="{22967C20-A0FA-49FB-87FA-9EE9E930F65A}" type="slidenum">
-              <a:rPr b="0" lang="pt-BR" sz="1400" spc="-1" strike="noStrike">
-                <a:solidFill>
-                  <a:srgbClr val="000000"/>
-                </a:solidFill>
-                <a:uFill>
-                  <a:solidFill>
-                    <a:srgbClr val="ffffff"/>
-                  </a:solidFill>
-                </a:uFill>
-                <a:latin typeface="Times New Roman"/>
-              </a:rPr>
-              <a:t>&lt;number&gt;</a:t>
-            </a:fld>
-            <a:endParaRPr b="0" lang="pt-BR" sz="1400" spc="-1" strike="noStrike">
-              <a:solidFill>
-                <a:srgbClr val="000000"/>
-              </a:solidFill>
-              <a:uFill>
-                <a:solidFill>
-                  <a:srgbClr val="ffffff"/>
-                </a:solidFill>
-              </a:uFill>
-              <a:latin typeface="Times New Roman"/>
+            <a:endParaRPr b="0" lang="en-US" sz="2000" spc="-1" strike="noStrike">
+              <a:latin typeface="Arial"/>
             </a:endParaRPr>
           </a:p>
         </p:txBody>
@@ -2031,14 +1642,14 @@
       </p:grpSpPr>
       <p:sp>
         <p:nvSpPr>
-          <p:cNvPr id="39" name="CustomShape 1"/>
+          <p:cNvPr id="38" name="CustomShape 1"/>
           <p:cNvSpPr/>
           <p:nvPr/>
         </p:nvSpPr>
         <p:spPr>
           <a:xfrm>
             <a:off x="-72000" y="-72000"/>
-            <a:ext cx="10296000" cy="7704000"/>
+            <a:ext cx="10295640" cy="7703640"/>
           </a:xfrm>
           <a:prstGeom prst="rect">
             <a:avLst/>
@@ -2061,14 +1672,14 @@
       </p:sp>
       <p:sp>
         <p:nvSpPr>
-          <p:cNvPr id="40" name="TextShape 2"/>
-          <p:cNvSpPr txBox="1"/>
+          <p:cNvPr id="39" name="CustomShape 2"/>
+          <p:cNvSpPr/>
           <p:nvPr/>
         </p:nvSpPr>
         <p:spPr>
           <a:xfrm>
             <a:off x="504000" y="301320"/>
-            <a:ext cx="9071640" cy="1262160"/>
+            <a:ext cx="9071280" cy="1261800"/>
           </a:xfrm>
           <a:prstGeom prst="rect">
             <a:avLst/>
@@ -2078,48 +1689,45 @@
             <a:noFill/>
           </a:ln>
         </p:spPr>
+        <p:style>
+          <a:lnRef idx="0"/>
+          <a:fillRef idx="0"/>
+          <a:effectRef idx="0"/>
+          <a:fontRef idx="minor"/>
+        </p:style>
         <p:txBody>
           <a:bodyPr lIns="0" rIns="0" tIns="0" bIns="0" anchor="ctr"/>
           <a:p>
-            <a:pPr algn="ctr"/>
+            <a:pPr algn="ctr">
+              <a:lnSpc>
+                <a:spcPct val="100000"/>
+              </a:lnSpc>
+            </a:pPr>
             <a:r>
-              <a:rPr b="0" lang="pt-BR" sz="4400" spc="-1" strike="noStrike">
+              <a:rPr b="0" lang="en-US" sz="8800" spc="-1" strike="noStrike">
                 <a:solidFill>
                   <a:srgbClr val="66ffff"/>
                 </a:solidFill>
-                <a:uFill>
-                  <a:solidFill>
-                    <a:srgbClr val="ffffff"/>
-                  </a:solidFill>
-                </a:uFill>
                 <a:latin typeface="Arial"/>
               </a:rPr>
               <a:t>Be Water</a:t>
             </a:r>
-            <a:endParaRPr b="0" lang="pt-BR" sz="4400" spc="-1" strike="noStrike">
-              <a:solidFill>
-                <a:srgbClr val="66ffff"/>
-              </a:solidFill>
-              <a:uFill>
-                <a:solidFill>
-                  <a:srgbClr val="ffffff"/>
-                </a:solidFill>
-              </a:uFill>
-              <a:latin typeface="Arial"/>
-            </a:endParaRPr>
-          </a:p>
-        </p:txBody>
-      </p:sp>
-      <p:sp>
-        <p:nvSpPr>
-          <p:cNvPr id="41" name="TextShape 3"/>
-          <p:cNvSpPr txBox="1"/>
+            <a:endParaRPr b="0" lang="en-US" sz="8800" spc="-1" strike="noStrike">
+              <a:latin typeface="Arial"/>
+            </a:endParaRPr>
+          </a:p>
+        </p:txBody>
+      </p:sp>
+      <p:sp>
+        <p:nvSpPr>
+          <p:cNvPr id="40" name="CustomShape 3"/>
+          <p:cNvSpPr/>
           <p:nvPr/>
         </p:nvSpPr>
         <p:spPr>
           <a:xfrm>
             <a:off x="504000" y="1769040"/>
-            <a:ext cx="9071640" cy="4384440"/>
+            <a:ext cx="9071280" cy="4384080"/>
           </a:xfrm>
           <a:prstGeom prst="rect">
             <a:avLst/>
@@ -2129,89 +1737,108 @@
             <a:noFill/>
           </a:ln>
         </p:spPr>
+        <p:style>
+          <a:lnRef idx="0"/>
+          <a:fillRef idx="0"/>
+          <a:effectRef idx="0"/>
+          <a:fontRef idx="minor"/>
+        </p:style>
         <p:txBody>
           <a:bodyPr lIns="0" rIns="0" tIns="0" bIns="0" anchor="ctr"/>
           <a:p>
-            <a:pPr algn="ctr"/>
+            <a:pPr algn="ctr">
+              <a:lnSpc>
+                <a:spcPct val="100000"/>
+              </a:lnSpc>
+            </a:pPr>
+            <a:endParaRPr b="0" lang="en-US" sz="7200" spc="-1" strike="noStrike">
+              <a:latin typeface="Arial"/>
+            </a:endParaRPr>
+          </a:p>
+          <a:p>
+            <a:pPr algn="ctr">
+              <a:lnSpc>
+                <a:spcPct val="100000"/>
+              </a:lnSpc>
+            </a:pPr>
+            <a:endParaRPr b="0" lang="en-US" sz="7200" spc="-1" strike="noStrike">
+              <a:latin typeface="Arial"/>
+            </a:endParaRPr>
+          </a:p>
+          <a:p>
+            <a:pPr algn="ctr">
+              <a:lnSpc>
+                <a:spcPct val="100000"/>
+              </a:lnSpc>
+            </a:pPr>
+            <a:endParaRPr b="0" lang="en-US" sz="7200" spc="-1" strike="noStrike">
+              <a:latin typeface="Arial"/>
+            </a:endParaRPr>
+          </a:p>
+          <a:p>
+            <a:pPr algn="ctr">
+              <a:lnSpc>
+                <a:spcPct val="100000"/>
+              </a:lnSpc>
+            </a:pPr>
             <a:r>
-              <a:rPr b="0" lang="pt-BR" sz="5400" spc="-1" strike="noStrike">
+              <a:rPr b="0" lang="en-US" sz="7200" spc="-1" strike="noStrike">
                 <a:solidFill>
                   <a:srgbClr val="66ffff"/>
                 </a:solidFill>
-                <a:uFill>
-                  <a:solidFill>
-                    <a:srgbClr val="ffffff"/>
-                  </a:solidFill>
-                </a:uFill>
                 <a:latin typeface="Arial"/>
               </a:rPr>
               <a:t>Soft Skills aplicadas</a:t>
             </a:r>
-            <a:endParaRPr b="0" lang="pt-BR" sz="3200" spc="-1" strike="noStrike">
-              <a:solidFill>
-                <a:srgbClr val="66ffff"/>
-              </a:solidFill>
-              <a:uFill>
-                <a:solidFill>
-                  <a:srgbClr val="ffffff"/>
-                </a:solidFill>
-              </a:uFill>
-              <a:latin typeface="Arial"/>
-            </a:endParaRPr>
-          </a:p>
-          <a:p>
-            <a:pPr algn="ctr"/>
+            <a:endParaRPr b="0" lang="en-US" sz="7200" spc="-1" strike="noStrike">
+              <a:latin typeface="Arial"/>
+            </a:endParaRPr>
+          </a:p>
+          <a:p>
+            <a:pPr algn="ctr">
+              <a:lnSpc>
+                <a:spcPct val="100000"/>
+              </a:lnSpc>
+            </a:pPr>
             <a:r>
-              <a:rPr b="0" lang="pt-BR" sz="5400" spc="-1" strike="noStrike">
+              <a:rPr b="0" lang="en-US" sz="7200" spc="-1" strike="noStrike">
                 <a:solidFill>
                   <a:srgbClr val="66ffff"/>
                 </a:solidFill>
-                <a:uFill>
-                  <a:solidFill>
-                    <a:srgbClr val="ffffff"/>
-                  </a:solidFill>
-                </a:uFill>
+                <a:latin typeface="Arial"/>
+              </a:rPr>
+              <a:t>Cultura DevOps</a:t>
+            </a:r>
+            <a:endParaRPr b="0" lang="en-US" sz="7200" spc="-1" strike="noStrike">
+              <a:latin typeface="Arial"/>
+            </a:endParaRPr>
+          </a:p>
+          <a:p>
+            <a:pPr algn="ctr">
+              <a:lnSpc>
+                <a:spcPct val="100000"/>
+              </a:lnSpc>
+            </a:pPr>
+            <a:r>
+              <a:rPr b="0" lang="en-US" sz="7200" spc="-1" strike="noStrike">
+                <a:solidFill>
+                  <a:srgbClr val="66ffff"/>
+                </a:solidFill>
                 <a:latin typeface="Arial"/>
               </a:rPr>
               <a:t>Git Flow</a:t>
             </a:r>
-            <a:endParaRPr b="0" lang="pt-BR" sz="3200" spc="-1" strike="noStrike">
-              <a:solidFill>
-                <a:srgbClr val="66ffff"/>
-              </a:solidFill>
-              <a:uFill>
-                <a:solidFill>
-                  <a:srgbClr val="ffffff"/>
-                </a:solidFill>
-              </a:uFill>
-              <a:latin typeface="Arial"/>
-            </a:endParaRPr>
-          </a:p>
-          <a:p>
-            <a:pPr algn="ctr"/>
-            <a:r>
-              <a:rPr b="0" lang="pt-BR" sz="5400" spc="-1" strike="noStrike">
-                <a:solidFill>
-                  <a:srgbClr val="66ffff"/>
-                </a:solidFill>
-                <a:uFill>
-                  <a:solidFill>
-                    <a:srgbClr val="ffffff"/>
-                  </a:solidFill>
-                </a:uFill>
-                <a:latin typeface="Arial"/>
-              </a:rPr>
-              <a:t>Cultura DevOps</a:t>
-            </a:r>
-            <a:endParaRPr b="0" lang="pt-BR" sz="3200" spc="-1" strike="noStrike">
-              <a:solidFill>
-                <a:srgbClr val="66ffff"/>
-              </a:solidFill>
-              <a:uFill>
-                <a:solidFill>
-                  <a:srgbClr val="ffffff"/>
-                </a:solidFill>
-              </a:uFill>
+            <a:endParaRPr b="0" lang="en-US" sz="7200" spc="-1" strike="noStrike">
+              <a:latin typeface="Arial"/>
+            </a:endParaRPr>
+          </a:p>
+          <a:p>
+            <a:pPr algn="ctr">
+              <a:lnSpc>
+                <a:spcPct val="100000"/>
+              </a:lnSpc>
+            </a:pPr>
+            <a:endParaRPr b="0" lang="en-US" sz="7200" spc="-1" strike="noStrike">
               <a:latin typeface="Arial"/>
             </a:endParaRPr>
           </a:p>
@@ -2225,7 +1852,7 @@
         <p:cTn id="1" dur="indefinite" restart="never" nodeType="tmRoot">
           <p:childTnLst>
             <p:seq>
-              <p:cTn id="2" nodeType="mainSeq"/>
+              <p:cTn id="2" dur="indefinite" nodeType="mainSeq"/>
               <p:prevCondLst>
                 <p:cond delay="0" evt="onPrev">
                   <p:tgtEl>
@@ -2268,14 +1895,14 @@
       </p:grpSpPr>
       <p:sp>
         <p:nvSpPr>
-          <p:cNvPr id="58" name="CustomShape 1"/>
+          <p:cNvPr id="57" name="CustomShape 1"/>
           <p:cNvSpPr/>
           <p:nvPr/>
         </p:nvSpPr>
         <p:spPr>
           <a:xfrm>
             <a:off x="-72000" y="-72000"/>
-            <a:ext cx="10296000" cy="7704000"/>
+            <a:ext cx="10295640" cy="7703640"/>
           </a:xfrm>
           <a:prstGeom prst="rect">
             <a:avLst/>
@@ -2298,14 +1925,14 @@
       </p:sp>
       <p:sp>
         <p:nvSpPr>
-          <p:cNvPr id="59" name="TextShape 2"/>
-          <p:cNvSpPr txBox="1"/>
+          <p:cNvPr id="58" name="CustomShape 2"/>
+          <p:cNvSpPr/>
           <p:nvPr/>
         </p:nvSpPr>
         <p:spPr>
           <a:xfrm>
             <a:off x="504360" y="1519560"/>
-            <a:ext cx="9071640" cy="4384440"/>
+            <a:ext cx="9071280" cy="4384080"/>
           </a:xfrm>
           <a:prstGeom prst="rect">
             <a:avLst/>
@@ -2315,34 +1942,31 @@
             <a:noFill/>
           </a:ln>
         </p:spPr>
+        <p:style>
+          <a:lnRef idx="0"/>
+          <a:fillRef idx="0"/>
+          <a:effectRef idx="0"/>
+          <a:fontRef idx="minor"/>
+        </p:style>
         <p:txBody>
           <a:bodyPr lIns="0" rIns="0" tIns="0" bIns="0" anchor="ctr"/>
           <a:p>
-            <a:pPr algn="ctr"/>
+            <a:pPr algn="ctr">
+              <a:lnSpc>
+                <a:spcPct val="100000"/>
+              </a:lnSpc>
+            </a:pPr>
             <a:r>
-              <a:rPr b="0" lang="pt-BR" sz="8000" spc="-1" strike="noStrike">
+              <a:rPr b="0" lang="en-US" sz="8000" spc="-1" strike="noStrike">
                 <a:solidFill>
                   <a:srgbClr val="66ffff"/>
                 </a:solidFill>
-                <a:uFill>
-                  <a:solidFill>
-                    <a:srgbClr val="ffffff"/>
-                  </a:solidFill>
-                </a:uFill>
                 <a:latin typeface="Courier New"/>
               </a:rPr>
-              <a:t>Frase</a:t>
+              <a:t>Pessoas e Hábitos</a:t>
             </a:r>
-            <a:endParaRPr b="0" lang="pt-BR" sz="3200" spc="-1" strike="noStrike">
-              <a:solidFill>
-                <a:srgbClr val="66ff99"/>
-              </a:solidFill>
-              <a:uFill>
-                <a:solidFill>
-                  <a:srgbClr val="ffffff"/>
-                </a:solidFill>
-              </a:uFill>
-              <a:latin typeface="Courier New"/>
+            <a:endParaRPr b="0" lang="en-US" sz="8000" spc="-1" strike="noStrike">
+              <a:latin typeface="Arial"/>
             </a:endParaRPr>
           </a:p>
         </p:txBody>
@@ -2355,7 +1979,7 @@
         <p:cTn id="19" dur="indefinite" restart="never" nodeType="tmRoot">
           <p:childTnLst>
             <p:seq>
-              <p:cTn id="20" nodeType="mainSeq"/>
+              <p:cTn id="20" dur="indefinite" nodeType="mainSeq"/>
               <p:prevCondLst>
                 <p:cond delay="0" evt="onPrev">
                   <p:tgtEl>
@@ -2398,14 +2022,14 @@
       </p:grpSpPr>
       <p:sp>
         <p:nvSpPr>
-          <p:cNvPr id="60" name="CustomShape 1"/>
+          <p:cNvPr id="59" name="CustomShape 1"/>
           <p:cNvSpPr/>
           <p:nvPr/>
         </p:nvSpPr>
         <p:spPr>
           <a:xfrm>
             <a:off x="-72000" y="-72000"/>
-            <a:ext cx="10296000" cy="7704000"/>
+            <a:ext cx="10295640" cy="7703640"/>
           </a:xfrm>
           <a:prstGeom prst="rect">
             <a:avLst/>
@@ -2428,14 +2052,14 @@
       </p:sp>
       <p:sp>
         <p:nvSpPr>
-          <p:cNvPr id="61" name="TextShape 2"/>
-          <p:cNvSpPr txBox="1"/>
+          <p:cNvPr id="60" name="CustomShape 2"/>
+          <p:cNvSpPr/>
           <p:nvPr/>
         </p:nvSpPr>
         <p:spPr>
           <a:xfrm>
             <a:off x="504360" y="1519560"/>
-            <a:ext cx="9071640" cy="4384440"/>
+            <a:ext cx="9071280" cy="4384080"/>
           </a:xfrm>
           <a:prstGeom prst="rect">
             <a:avLst/>
@@ -2445,34 +2069,31 @@
             <a:noFill/>
           </a:ln>
         </p:spPr>
+        <p:style>
+          <a:lnRef idx="0"/>
+          <a:fillRef idx="0"/>
+          <a:effectRef idx="0"/>
+          <a:fontRef idx="minor"/>
+        </p:style>
         <p:txBody>
           <a:bodyPr lIns="0" rIns="0" tIns="0" bIns="0" anchor="ctr"/>
           <a:p>
-            <a:pPr algn="ctr"/>
+            <a:pPr algn="ctr">
+              <a:lnSpc>
+                <a:spcPct val="100000"/>
+              </a:lnSpc>
+            </a:pPr>
             <a:r>
-              <a:rPr b="0" lang="pt-BR" sz="8000" spc="-1" strike="noStrike">
+              <a:rPr b="0" lang="en-US" sz="8000" spc="-1" strike="noStrike">
                 <a:solidFill>
                   <a:srgbClr val="66ffff"/>
                 </a:solidFill>
-                <a:uFill>
-                  <a:solidFill>
-                    <a:srgbClr val="ffffff"/>
-                  </a:solidFill>
-                </a:uFill>
                 <a:latin typeface="Courier New"/>
               </a:rPr>
-              <a:t>Frase</a:t>
+              <a:t>Processos</a:t>
             </a:r>
-            <a:endParaRPr b="0" lang="pt-BR" sz="3200" spc="-1" strike="noStrike">
-              <a:solidFill>
-                <a:srgbClr val="66ff99"/>
-              </a:solidFill>
-              <a:uFill>
-                <a:solidFill>
-                  <a:srgbClr val="ffffff"/>
-                </a:solidFill>
-              </a:uFill>
-              <a:latin typeface="Courier New"/>
+            <a:endParaRPr b="0" lang="en-US" sz="8000" spc="-1" strike="noStrike">
+              <a:latin typeface="Arial"/>
             </a:endParaRPr>
           </a:p>
         </p:txBody>
@@ -2485,7 +2106,7 @@
         <p:cTn id="21" dur="indefinite" restart="never" nodeType="tmRoot">
           <p:childTnLst>
             <p:seq>
-              <p:cTn id="22" nodeType="mainSeq"/>
+              <p:cTn id="22" dur="indefinite" nodeType="mainSeq"/>
               <p:prevCondLst>
                 <p:cond delay="0" evt="onPrev">
                   <p:tgtEl>
@@ -2528,14 +2149,14 @@
       </p:grpSpPr>
       <p:sp>
         <p:nvSpPr>
-          <p:cNvPr id="62" name="CustomShape 1"/>
+          <p:cNvPr id="61" name="CustomShape 1"/>
           <p:cNvSpPr/>
           <p:nvPr/>
         </p:nvSpPr>
         <p:spPr>
           <a:xfrm>
             <a:off x="-72000" y="-72000"/>
-            <a:ext cx="10296000" cy="7704000"/>
+            <a:ext cx="10295640" cy="7703640"/>
           </a:xfrm>
           <a:prstGeom prst="rect">
             <a:avLst/>
@@ -2558,14 +2179,14 @@
       </p:sp>
       <p:sp>
         <p:nvSpPr>
-          <p:cNvPr id="63" name="TextShape 2"/>
-          <p:cNvSpPr txBox="1"/>
+          <p:cNvPr id="62" name="CustomShape 2"/>
+          <p:cNvSpPr/>
           <p:nvPr/>
         </p:nvSpPr>
         <p:spPr>
           <a:xfrm>
             <a:off x="504360" y="1519560"/>
-            <a:ext cx="9071640" cy="4384440"/>
+            <a:ext cx="9071280" cy="4384080"/>
           </a:xfrm>
           <a:prstGeom prst="rect">
             <a:avLst/>
@@ -2575,34 +2196,50 @@
             <a:noFill/>
           </a:ln>
         </p:spPr>
+        <p:style>
+          <a:lnRef idx="0"/>
+          <a:fillRef idx="0"/>
+          <a:effectRef idx="0"/>
+          <a:fontRef idx="minor"/>
+        </p:style>
         <p:txBody>
           <a:bodyPr lIns="0" rIns="0" tIns="0" bIns="0" anchor="ctr"/>
           <a:p>
-            <a:pPr algn="ctr"/>
+            <a:pPr algn="ctr">
+              <a:lnSpc>
+                <a:spcPct val="100000"/>
+              </a:lnSpc>
+            </a:pPr>
             <a:r>
-              <a:rPr b="0" lang="pt-BR" sz="8000" spc="-1" strike="noStrike">
+              <a:rPr b="0" lang="en-US" sz="8000" spc="-1" strike="noStrike">
                 <a:solidFill>
                   <a:srgbClr val="66ffff"/>
                 </a:solidFill>
-                <a:uFill>
-                  <a:solidFill>
-                    <a:srgbClr val="ffffff"/>
-                  </a:solidFill>
-                </a:uFill>
                 <a:latin typeface="Courier New"/>
               </a:rPr>
-              <a:t>Frase</a:t>
+              <a:t>Nuvem</a:t>
             </a:r>
-            <a:endParaRPr b="0" lang="pt-BR" sz="3200" spc="-1" strike="noStrike">
-              <a:solidFill>
-                <a:srgbClr val="66ff99"/>
-              </a:solidFill>
-              <a:uFill>
+            <a:endParaRPr b="0" lang="en-US" sz="8000" spc="-1" strike="noStrike">
+              <a:latin typeface="Arial"/>
+            </a:endParaRPr>
+          </a:p>
+          <a:p>
+            <a:pPr algn="ctr">
+              <a:lnSpc>
+                <a:spcPct val="100000"/>
+              </a:lnSpc>
+            </a:pPr>
+            <a:r>
+              <a:rPr b="0" lang="en-US" sz="8000" spc="-1" strike="noStrike">
                 <a:solidFill>
-                  <a:srgbClr val="ffffff"/>
+                  <a:srgbClr val="66ffff"/>
                 </a:solidFill>
-              </a:uFill>
-              <a:latin typeface="Courier New"/>
+                <a:latin typeface="Courier New"/>
+              </a:rPr>
+              <a:t>(prod-homolog)</a:t>
+            </a:r>
+            <a:endParaRPr b="0" lang="en-US" sz="8000" spc="-1" strike="noStrike">
+              <a:latin typeface="Arial"/>
             </a:endParaRPr>
           </a:p>
         </p:txBody>
@@ -2615,7 +2252,7 @@
         <p:cTn id="23" dur="indefinite" restart="never" nodeType="tmRoot">
           <p:childTnLst>
             <p:seq>
-              <p:cTn id="24" nodeType="mainSeq"/>
+              <p:cTn id="24" dur="indefinite" nodeType="mainSeq"/>
               <p:prevCondLst>
                 <p:cond delay="0" evt="onPrev">
                   <p:tgtEl>
@@ -2658,14 +2295,14 @@
       </p:grpSpPr>
       <p:sp>
         <p:nvSpPr>
-          <p:cNvPr id="64" name="CustomShape 1"/>
+          <p:cNvPr id="63" name="CustomShape 1"/>
           <p:cNvSpPr/>
           <p:nvPr/>
         </p:nvSpPr>
         <p:spPr>
           <a:xfrm>
             <a:off x="-72000" y="-72000"/>
-            <a:ext cx="10296000" cy="7704000"/>
+            <a:ext cx="10295640" cy="7703640"/>
           </a:xfrm>
           <a:prstGeom prst="rect">
             <a:avLst/>
@@ -2688,14 +2325,14 @@
       </p:sp>
       <p:sp>
         <p:nvSpPr>
-          <p:cNvPr id="65" name="TextShape 2"/>
-          <p:cNvSpPr txBox="1"/>
+          <p:cNvPr id="64" name="CustomShape 2"/>
+          <p:cNvSpPr/>
           <p:nvPr/>
         </p:nvSpPr>
         <p:spPr>
           <a:xfrm>
             <a:off x="504360" y="1519560"/>
-            <a:ext cx="9071640" cy="4384440"/>
+            <a:ext cx="9071280" cy="4384080"/>
           </a:xfrm>
           <a:prstGeom prst="rect">
             <a:avLst/>
@@ -2705,34 +2342,31 @@
             <a:noFill/>
           </a:ln>
         </p:spPr>
+        <p:style>
+          <a:lnRef idx="0"/>
+          <a:fillRef idx="0"/>
+          <a:effectRef idx="0"/>
+          <a:fontRef idx="minor"/>
+        </p:style>
         <p:txBody>
           <a:bodyPr lIns="0" rIns="0" tIns="0" bIns="0" anchor="ctr"/>
           <a:p>
-            <a:pPr algn="ctr"/>
+            <a:pPr algn="ctr">
+              <a:lnSpc>
+                <a:spcPct val="100000"/>
+              </a:lnSpc>
+            </a:pPr>
             <a:r>
-              <a:rPr b="0" lang="pt-BR" sz="8000" spc="-1" strike="noStrike">
+              <a:rPr b="0" lang="en-US" sz="8000" spc="-1" strike="noStrike">
                 <a:solidFill>
                   <a:srgbClr val="66ffff"/>
                 </a:solidFill>
-                <a:uFill>
-                  <a:solidFill>
-                    <a:srgbClr val="ffffff"/>
-                  </a:solidFill>
-                </a:uFill>
                 <a:latin typeface="Courier New"/>
               </a:rPr>
-              <a:t>Frase</a:t>
+              <a:t>CI / CD</a:t>
             </a:r>
-            <a:endParaRPr b="0" lang="pt-BR" sz="3200" spc="-1" strike="noStrike">
-              <a:solidFill>
-                <a:srgbClr val="66ff99"/>
-              </a:solidFill>
-              <a:uFill>
-                <a:solidFill>
-                  <a:srgbClr val="ffffff"/>
-                </a:solidFill>
-              </a:uFill>
-              <a:latin typeface="Courier New"/>
+            <a:endParaRPr b="0" lang="en-US" sz="8000" spc="-1" strike="noStrike">
+              <a:latin typeface="Arial"/>
             </a:endParaRPr>
           </a:p>
         </p:txBody>
@@ -2745,7 +2379,7 @@
         <p:cTn id="25" dur="indefinite" restart="never" nodeType="tmRoot">
           <p:childTnLst>
             <p:seq>
-              <p:cTn id="26" nodeType="mainSeq"/>
+              <p:cTn id="26" dur="indefinite" nodeType="mainSeq"/>
               <p:prevCondLst>
                 <p:cond delay="0" evt="onPrev">
                   <p:tgtEl>
@@ -2788,14 +2422,14 @@
       </p:grpSpPr>
       <p:sp>
         <p:nvSpPr>
-          <p:cNvPr id="66" name="CustomShape 1"/>
+          <p:cNvPr id="65" name="CustomShape 1"/>
           <p:cNvSpPr/>
           <p:nvPr/>
         </p:nvSpPr>
         <p:spPr>
           <a:xfrm>
             <a:off x="-72000" y="-72000"/>
-            <a:ext cx="10296000" cy="7704000"/>
+            <a:ext cx="10295640" cy="7703640"/>
           </a:xfrm>
           <a:prstGeom prst="rect">
             <a:avLst/>
@@ -2818,14 +2452,14 @@
       </p:sp>
       <p:sp>
         <p:nvSpPr>
-          <p:cNvPr id="67" name="TextShape 2"/>
-          <p:cNvSpPr txBox="1"/>
+          <p:cNvPr id="66" name="CustomShape 2"/>
+          <p:cNvSpPr/>
           <p:nvPr/>
         </p:nvSpPr>
         <p:spPr>
           <a:xfrm>
             <a:off x="504360" y="1519560"/>
-            <a:ext cx="9071640" cy="4384440"/>
+            <a:ext cx="9071280" cy="4384080"/>
           </a:xfrm>
           <a:prstGeom prst="rect">
             <a:avLst/>
@@ -2835,34 +2469,69 @@
             <a:noFill/>
           </a:ln>
         </p:spPr>
+        <p:style>
+          <a:lnRef idx="0"/>
+          <a:fillRef idx="0"/>
+          <a:effectRef idx="0"/>
+          <a:fontRef idx="minor"/>
+        </p:style>
         <p:txBody>
           <a:bodyPr lIns="0" rIns="0" tIns="0" bIns="0" anchor="ctr"/>
           <a:p>
-            <a:pPr algn="ctr"/>
+            <a:pPr algn="ctr">
+              <a:lnSpc>
+                <a:spcPct val="100000"/>
+              </a:lnSpc>
+            </a:pPr>
             <a:r>
-              <a:rPr b="0" lang="pt-BR" sz="8000" spc="-1" strike="noStrike">
+              <a:rPr b="0" lang="en-US" sz="8000" spc="-1" strike="noStrike">
                 <a:solidFill>
                   <a:srgbClr val="66ffff"/>
                 </a:solidFill>
-                <a:uFill>
-                  <a:solidFill>
-                    <a:srgbClr val="ffffff"/>
-                  </a:solidFill>
-                </a:uFill>
                 <a:latin typeface="Courier New"/>
               </a:rPr>
-              <a:t>Frase</a:t>
+              <a:t>Pessoas</a:t>
             </a:r>
-            <a:endParaRPr b="0" lang="pt-BR" sz="3200" spc="-1" strike="noStrike">
-              <a:solidFill>
-                <a:srgbClr val="66ff99"/>
-              </a:solidFill>
-              <a:uFill>
+            <a:endParaRPr b="0" lang="en-US" sz="8000" spc="-1" strike="noStrike">
+              <a:latin typeface="Arial"/>
+            </a:endParaRPr>
+          </a:p>
+          <a:p>
+            <a:pPr algn="ctr">
+              <a:lnSpc>
+                <a:spcPct val="100000"/>
+              </a:lnSpc>
+            </a:pPr>
+            <a:r>
+              <a:rPr b="0" lang="en-US" sz="8000" spc="-1" strike="noStrike">
                 <a:solidFill>
-                  <a:srgbClr val="ffffff"/>
+                  <a:srgbClr val="66ffff"/>
                 </a:solidFill>
-              </a:uFill>
-              <a:latin typeface="Courier New"/>
+                <a:latin typeface="Courier New"/>
+              </a:rPr>
+              <a:t>Commitando</a:t>
+            </a:r>
+            <a:endParaRPr b="0" lang="en-US" sz="8000" spc="-1" strike="noStrike">
+              <a:latin typeface="Arial"/>
+            </a:endParaRPr>
+          </a:p>
+          <a:p>
+            <a:pPr algn="ctr">
+              <a:lnSpc>
+                <a:spcPct val="100000"/>
+              </a:lnSpc>
+            </a:pPr>
+            <a:r>
+              <a:rPr b="0" lang="en-US" sz="8000" spc="-1" strike="noStrike">
+                <a:solidFill>
+                  <a:srgbClr val="66ffff"/>
+                </a:solidFill>
+                <a:latin typeface="Courier New"/>
+              </a:rPr>
+              <a:t>Certo!</a:t>
+            </a:r>
+            <a:endParaRPr b="0" lang="en-US" sz="8000" spc="-1" strike="noStrike">
+              <a:latin typeface="Arial"/>
             </a:endParaRPr>
           </a:p>
         </p:txBody>
@@ -2875,7 +2544,7 @@
         <p:cTn id="27" dur="indefinite" restart="never" nodeType="tmRoot">
           <p:childTnLst>
             <p:seq>
-              <p:cTn id="28" nodeType="mainSeq"/>
+              <p:cTn id="28" dur="indefinite" nodeType="mainSeq"/>
               <p:prevCondLst>
                 <p:cond delay="0" evt="onPrev">
                   <p:tgtEl>
@@ -2918,14 +2587,14 @@
       </p:grpSpPr>
       <p:sp>
         <p:nvSpPr>
-          <p:cNvPr id="68" name="CustomShape 1"/>
+          <p:cNvPr id="67" name="CustomShape 1"/>
           <p:cNvSpPr/>
           <p:nvPr/>
         </p:nvSpPr>
         <p:spPr>
           <a:xfrm>
             <a:off x="-72000" y="-72000"/>
-            <a:ext cx="10296000" cy="7704000"/>
+            <a:ext cx="10295640" cy="7703640"/>
           </a:xfrm>
           <a:prstGeom prst="rect">
             <a:avLst/>
@@ -2948,14 +2617,14 @@
       </p:sp>
       <p:sp>
         <p:nvSpPr>
-          <p:cNvPr id="69" name="TextShape 2"/>
-          <p:cNvSpPr txBox="1"/>
+          <p:cNvPr id="68" name="CustomShape 2"/>
+          <p:cNvSpPr/>
           <p:nvPr/>
         </p:nvSpPr>
         <p:spPr>
           <a:xfrm>
             <a:off x="504360" y="1519560"/>
-            <a:ext cx="9071640" cy="4384440"/>
+            <a:ext cx="9071280" cy="4384080"/>
           </a:xfrm>
           <a:prstGeom prst="rect">
             <a:avLst/>
@@ -2965,34 +2634,31 @@
             <a:noFill/>
           </a:ln>
         </p:spPr>
+        <p:style>
+          <a:lnRef idx="0"/>
+          <a:fillRef idx="0"/>
+          <a:effectRef idx="0"/>
+          <a:fontRef idx="minor"/>
+        </p:style>
         <p:txBody>
           <a:bodyPr lIns="0" rIns="0" tIns="0" bIns="0" anchor="ctr"/>
           <a:p>
-            <a:pPr algn="ctr"/>
+            <a:pPr algn="ctr">
+              <a:lnSpc>
+                <a:spcPct val="100000"/>
+              </a:lnSpc>
+            </a:pPr>
             <a:r>
-              <a:rPr b="0" lang="pt-BR" sz="8000" spc="-1" strike="noStrike">
+              <a:rPr b="0" lang="en-US" sz="8000" spc="-1" strike="noStrike">
                 <a:solidFill>
                   <a:srgbClr val="66ffff"/>
                 </a:solidFill>
-                <a:uFill>
-                  <a:solidFill>
-                    <a:srgbClr val="ffffff"/>
-                  </a:solidFill>
-                </a:uFill>
                 <a:latin typeface="Courier New"/>
               </a:rPr>
-              <a:t>Frase</a:t>
+              <a:t>GIT FLOW</a:t>
             </a:r>
-            <a:endParaRPr b="0" lang="pt-BR" sz="3200" spc="-1" strike="noStrike">
-              <a:solidFill>
-                <a:srgbClr val="66ff99"/>
-              </a:solidFill>
-              <a:uFill>
-                <a:solidFill>
-                  <a:srgbClr val="ffffff"/>
-                </a:solidFill>
-              </a:uFill>
-              <a:latin typeface="Courier New"/>
+            <a:endParaRPr b="0" lang="en-US" sz="8000" spc="-1" strike="noStrike">
+              <a:latin typeface="Arial"/>
             </a:endParaRPr>
           </a:p>
         </p:txBody>
@@ -3005,7 +2671,7 @@
         <p:cTn id="29" dur="indefinite" restart="never" nodeType="tmRoot">
           <p:childTnLst>
             <p:seq>
-              <p:cTn id="30" nodeType="mainSeq"/>
+              <p:cTn id="30" dur="indefinite" nodeType="mainSeq"/>
               <p:prevCondLst>
                 <p:cond delay="0" evt="onPrev">
                   <p:tgtEl>
@@ -3048,14 +2714,14 @@
       </p:grpSpPr>
       <p:sp>
         <p:nvSpPr>
-          <p:cNvPr id="70" name="CustomShape 1"/>
+          <p:cNvPr id="69" name="CustomShape 1"/>
           <p:cNvSpPr/>
           <p:nvPr/>
         </p:nvSpPr>
         <p:spPr>
           <a:xfrm>
             <a:off x="-72000" y="-72000"/>
-            <a:ext cx="10296000" cy="7704000"/>
+            <a:ext cx="10295640" cy="7703640"/>
           </a:xfrm>
           <a:prstGeom prst="rect">
             <a:avLst/>
@@ -3078,14 +2744,14 @@
       </p:sp>
       <p:sp>
         <p:nvSpPr>
-          <p:cNvPr id="71" name="TextShape 2"/>
-          <p:cNvSpPr txBox="1"/>
+          <p:cNvPr id="70" name="CustomShape 2"/>
+          <p:cNvSpPr/>
           <p:nvPr/>
         </p:nvSpPr>
         <p:spPr>
           <a:xfrm>
             <a:off x="504360" y="1519560"/>
-            <a:ext cx="9071640" cy="4384440"/>
+            <a:ext cx="9071280" cy="4384080"/>
           </a:xfrm>
           <a:prstGeom prst="rect">
             <a:avLst/>
@@ -3095,34 +2761,31 @@
             <a:noFill/>
           </a:ln>
         </p:spPr>
+        <p:style>
+          <a:lnRef idx="0"/>
+          <a:fillRef idx="0"/>
+          <a:effectRef idx="0"/>
+          <a:fontRef idx="minor"/>
+        </p:style>
         <p:txBody>
           <a:bodyPr lIns="0" rIns="0" tIns="0" bIns="0" anchor="ctr"/>
           <a:p>
-            <a:pPr algn="ctr"/>
+            <a:pPr algn="ctr">
+              <a:lnSpc>
+                <a:spcPct val="100000"/>
+              </a:lnSpc>
+            </a:pPr>
             <a:r>
-              <a:rPr b="0" lang="pt-BR" sz="8000" spc="-1" strike="noStrike">
+              <a:rPr b="0" lang="en-US" sz="8000" spc="-1" strike="noStrike">
                 <a:solidFill>
                   <a:srgbClr val="66ffff"/>
                 </a:solidFill>
-                <a:uFill>
-                  <a:solidFill>
-                    <a:srgbClr val="ffffff"/>
-                  </a:solidFill>
-                </a:uFill>
                 <a:latin typeface="Courier New"/>
               </a:rPr>
-              <a:t>Frase</a:t>
+              <a:t>Básico</a:t>
             </a:r>
-            <a:endParaRPr b="0" lang="pt-BR" sz="3200" spc="-1" strike="noStrike">
-              <a:solidFill>
-                <a:srgbClr val="66ff99"/>
-              </a:solidFill>
-              <a:uFill>
-                <a:solidFill>
-                  <a:srgbClr val="ffffff"/>
-                </a:solidFill>
-              </a:uFill>
-              <a:latin typeface="Courier New"/>
+            <a:endParaRPr b="0" lang="en-US" sz="8000" spc="-1" strike="noStrike">
+              <a:latin typeface="Arial"/>
             </a:endParaRPr>
           </a:p>
         </p:txBody>
@@ -3135,7 +2798,7 @@
         <p:cTn id="31" dur="indefinite" restart="never" nodeType="tmRoot">
           <p:childTnLst>
             <p:seq>
-              <p:cTn id="32" nodeType="mainSeq"/>
+              <p:cTn id="32" dur="indefinite" nodeType="mainSeq"/>
               <p:prevCondLst>
                 <p:cond delay="0" evt="onPrev">
                   <p:tgtEl>
@@ -3178,14 +2841,14 @@
       </p:grpSpPr>
       <p:sp>
         <p:nvSpPr>
-          <p:cNvPr id="72" name="CustomShape 1"/>
+          <p:cNvPr id="71" name="CustomShape 1"/>
           <p:cNvSpPr/>
           <p:nvPr/>
         </p:nvSpPr>
         <p:spPr>
           <a:xfrm>
             <a:off x="-72000" y="-72000"/>
-            <a:ext cx="10296000" cy="7704000"/>
+            <a:ext cx="10295640" cy="7703640"/>
           </a:xfrm>
           <a:prstGeom prst="rect">
             <a:avLst/>
@@ -3208,14 +2871,14 @@
       </p:sp>
       <p:sp>
         <p:nvSpPr>
-          <p:cNvPr id="73" name="TextShape 2"/>
-          <p:cNvSpPr txBox="1"/>
+          <p:cNvPr id="72" name="CustomShape 2"/>
+          <p:cNvSpPr/>
           <p:nvPr/>
         </p:nvSpPr>
         <p:spPr>
           <a:xfrm>
             <a:off x="504360" y="1519560"/>
-            <a:ext cx="9071640" cy="4384440"/>
+            <a:ext cx="9071280" cy="4384080"/>
           </a:xfrm>
           <a:prstGeom prst="rect">
             <a:avLst/>
@@ -3225,34 +2888,31 @@
             <a:noFill/>
           </a:ln>
         </p:spPr>
+        <p:style>
+          <a:lnRef idx="0"/>
+          <a:fillRef idx="0"/>
+          <a:effectRef idx="0"/>
+          <a:fontRef idx="minor"/>
+        </p:style>
         <p:txBody>
           <a:bodyPr lIns="0" rIns="0" tIns="0" bIns="0" anchor="ctr"/>
           <a:p>
-            <a:pPr algn="ctr"/>
+            <a:pPr algn="ctr">
+              <a:lnSpc>
+                <a:spcPct val="100000"/>
+              </a:lnSpc>
+            </a:pPr>
             <a:r>
-              <a:rPr b="0" lang="pt-BR" sz="8000" spc="-1" strike="noStrike">
+              <a:rPr b="0" lang="en-US" sz="8000" spc="-1" strike="noStrike">
                 <a:solidFill>
                   <a:srgbClr val="66ffff"/>
                 </a:solidFill>
-                <a:uFill>
-                  <a:solidFill>
-                    <a:srgbClr val="ffffff"/>
-                  </a:solidFill>
-                </a:uFill>
                 <a:latin typeface="Courier New"/>
               </a:rPr>
-              <a:t>Frase</a:t>
+              <a:t>git init</a:t>
             </a:r>
-            <a:endParaRPr b="0" lang="pt-BR" sz="3200" spc="-1" strike="noStrike">
-              <a:solidFill>
-                <a:srgbClr val="66ff99"/>
-              </a:solidFill>
-              <a:uFill>
-                <a:solidFill>
-                  <a:srgbClr val="ffffff"/>
-                </a:solidFill>
-              </a:uFill>
-              <a:latin typeface="Courier New"/>
+            <a:endParaRPr b="0" lang="en-US" sz="8000" spc="-1" strike="noStrike">
+              <a:latin typeface="Arial"/>
             </a:endParaRPr>
           </a:p>
         </p:txBody>
@@ -3265,7 +2925,7 @@
         <p:cTn id="33" dur="indefinite" restart="never" nodeType="tmRoot">
           <p:childTnLst>
             <p:seq>
-              <p:cTn id="34" nodeType="mainSeq"/>
+              <p:cTn id="34" dur="indefinite" nodeType="mainSeq"/>
               <p:prevCondLst>
                 <p:cond delay="0" evt="onPrev">
                   <p:tgtEl>
@@ -3308,14 +2968,14 @@
       </p:grpSpPr>
       <p:sp>
         <p:nvSpPr>
-          <p:cNvPr id="74" name="CustomShape 1"/>
+          <p:cNvPr id="73" name="CustomShape 1"/>
           <p:cNvSpPr/>
           <p:nvPr/>
         </p:nvSpPr>
         <p:spPr>
           <a:xfrm>
             <a:off x="-72000" y="-72000"/>
-            <a:ext cx="10296000" cy="7704000"/>
+            <a:ext cx="10295640" cy="7703640"/>
           </a:xfrm>
           <a:prstGeom prst="rect">
             <a:avLst/>
@@ -3338,14 +2998,14 @@
       </p:sp>
       <p:sp>
         <p:nvSpPr>
-          <p:cNvPr id="75" name="TextShape 2"/>
-          <p:cNvSpPr txBox="1"/>
+          <p:cNvPr id="74" name="CustomShape 2"/>
+          <p:cNvSpPr/>
           <p:nvPr/>
         </p:nvSpPr>
         <p:spPr>
           <a:xfrm>
             <a:off x="504360" y="1519560"/>
-            <a:ext cx="9071640" cy="4384440"/>
+            <a:ext cx="9071280" cy="4384080"/>
           </a:xfrm>
           <a:prstGeom prst="rect">
             <a:avLst/>
@@ -3355,34 +3015,31 @@
             <a:noFill/>
           </a:ln>
         </p:spPr>
+        <p:style>
+          <a:lnRef idx="0"/>
+          <a:fillRef idx="0"/>
+          <a:effectRef idx="0"/>
+          <a:fontRef idx="minor"/>
+        </p:style>
         <p:txBody>
           <a:bodyPr lIns="0" rIns="0" tIns="0" bIns="0" anchor="ctr"/>
           <a:p>
-            <a:pPr algn="ctr"/>
+            <a:pPr algn="ctr">
+              <a:lnSpc>
+                <a:spcPct val="100000"/>
+              </a:lnSpc>
+            </a:pPr>
             <a:r>
-              <a:rPr b="0" lang="pt-BR" sz="8000" spc="-1" strike="noStrike">
+              <a:rPr b="0" lang="en-US" sz="8000" spc="-1" strike="noStrike">
                 <a:solidFill>
                   <a:srgbClr val="66ffff"/>
                 </a:solidFill>
-                <a:uFill>
-                  <a:solidFill>
-                    <a:srgbClr val="ffffff"/>
-                  </a:solidFill>
-                </a:uFill>
                 <a:latin typeface="Courier New"/>
               </a:rPr>
-              <a:t>Frase</a:t>
+              <a:t>Alteração</a:t>
             </a:r>
-            <a:endParaRPr b="0" lang="pt-BR" sz="3200" spc="-1" strike="noStrike">
-              <a:solidFill>
-                <a:srgbClr val="66ff99"/>
-              </a:solidFill>
-              <a:uFill>
-                <a:solidFill>
-                  <a:srgbClr val="ffffff"/>
-                </a:solidFill>
-              </a:uFill>
-              <a:latin typeface="Courier New"/>
+            <a:endParaRPr b="0" lang="en-US" sz="8000" spc="-1" strike="noStrike">
+              <a:latin typeface="Arial"/>
             </a:endParaRPr>
           </a:p>
         </p:txBody>
@@ -3395,7 +3052,7 @@
         <p:cTn id="35" dur="indefinite" restart="never" nodeType="tmRoot">
           <p:childTnLst>
             <p:seq>
-              <p:cTn id="36" nodeType="mainSeq"/>
+              <p:cTn id="36" dur="indefinite" nodeType="mainSeq"/>
               <p:prevCondLst>
                 <p:cond delay="0" evt="onPrev">
                   <p:tgtEl>
@@ -3438,14 +3095,14 @@
       </p:grpSpPr>
       <p:sp>
         <p:nvSpPr>
-          <p:cNvPr id="76" name="CustomShape 1"/>
+          <p:cNvPr id="75" name="CustomShape 1"/>
           <p:cNvSpPr/>
           <p:nvPr/>
         </p:nvSpPr>
         <p:spPr>
           <a:xfrm>
             <a:off x="-72000" y="-72000"/>
-            <a:ext cx="10296000" cy="7704000"/>
+            <a:ext cx="10295640" cy="7703640"/>
           </a:xfrm>
           <a:prstGeom prst="rect">
             <a:avLst/>
@@ -3468,14 +3125,14 @@
       </p:sp>
       <p:sp>
         <p:nvSpPr>
-          <p:cNvPr id="77" name="TextShape 2"/>
-          <p:cNvSpPr txBox="1"/>
+          <p:cNvPr id="76" name="CustomShape 2"/>
+          <p:cNvSpPr/>
           <p:nvPr/>
         </p:nvSpPr>
         <p:spPr>
           <a:xfrm>
             <a:off x="504360" y="1519560"/>
-            <a:ext cx="9071640" cy="4384440"/>
+            <a:ext cx="9071280" cy="4384080"/>
           </a:xfrm>
           <a:prstGeom prst="rect">
             <a:avLst/>
@@ -3485,34 +3142,31 @@
             <a:noFill/>
           </a:ln>
         </p:spPr>
+        <p:style>
+          <a:lnRef idx="0"/>
+          <a:fillRef idx="0"/>
+          <a:effectRef idx="0"/>
+          <a:fontRef idx="minor"/>
+        </p:style>
         <p:txBody>
           <a:bodyPr lIns="0" rIns="0" tIns="0" bIns="0" anchor="ctr"/>
           <a:p>
-            <a:pPr algn="ctr"/>
+            <a:pPr algn="ctr">
+              <a:lnSpc>
+                <a:spcPct val="100000"/>
+              </a:lnSpc>
+            </a:pPr>
             <a:r>
-              <a:rPr b="0" lang="pt-BR" sz="8000" spc="-1" strike="noStrike">
+              <a:rPr b="0" lang="en-US" sz="8000" spc="-1" strike="noStrike">
                 <a:solidFill>
                   <a:srgbClr val="66ffff"/>
                 </a:solidFill>
-                <a:uFill>
-                  <a:solidFill>
-                    <a:srgbClr val="ffffff"/>
-                  </a:solidFill>
-                </a:uFill>
                 <a:latin typeface="Courier New"/>
               </a:rPr>
-              <a:t>Frase</a:t>
+              <a:t>Git add .</a:t>
             </a:r>
-            <a:endParaRPr b="0" lang="pt-BR" sz="3200" spc="-1" strike="noStrike">
-              <a:solidFill>
-                <a:srgbClr val="66ff99"/>
-              </a:solidFill>
-              <a:uFill>
-                <a:solidFill>
-                  <a:srgbClr val="ffffff"/>
-                </a:solidFill>
-              </a:uFill>
-              <a:latin typeface="Courier New"/>
+            <a:endParaRPr b="0" lang="en-US" sz="8000" spc="-1" strike="noStrike">
+              <a:latin typeface="Arial"/>
             </a:endParaRPr>
           </a:p>
         </p:txBody>
@@ -3525,7 +3179,7 @@
         <p:cTn id="37" dur="indefinite" restart="never" nodeType="tmRoot">
           <p:childTnLst>
             <p:seq>
-              <p:cTn id="38" nodeType="mainSeq"/>
+              <p:cTn id="38" dur="indefinite" nodeType="mainSeq"/>
               <p:prevCondLst>
                 <p:cond delay="0" evt="onPrev">
                   <p:tgtEl>
@@ -3568,14 +3222,14 @@
       </p:grpSpPr>
       <p:sp>
         <p:nvSpPr>
-          <p:cNvPr id="42" name="CustomShape 1"/>
+          <p:cNvPr id="41" name="CustomShape 1"/>
           <p:cNvSpPr/>
           <p:nvPr/>
         </p:nvSpPr>
         <p:spPr>
           <a:xfrm>
             <a:off x="-72000" y="-72000"/>
-            <a:ext cx="10296000" cy="7704000"/>
+            <a:ext cx="10295640" cy="7703640"/>
           </a:xfrm>
           <a:prstGeom prst="rect">
             <a:avLst/>
@@ -3598,14 +3252,14 @@
       </p:sp>
       <p:sp>
         <p:nvSpPr>
-          <p:cNvPr id="43" name="TextShape 2"/>
-          <p:cNvSpPr txBox="1"/>
+          <p:cNvPr id="42" name="CustomShape 2"/>
+          <p:cNvSpPr/>
           <p:nvPr/>
         </p:nvSpPr>
         <p:spPr>
           <a:xfrm>
             <a:off x="504360" y="1519560"/>
-            <a:ext cx="9071640" cy="4384440"/>
+            <a:ext cx="9071280" cy="4384080"/>
           </a:xfrm>
           <a:prstGeom prst="rect">
             <a:avLst/>
@@ -3615,34 +3269,31 @@
             <a:noFill/>
           </a:ln>
         </p:spPr>
+        <p:style>
+          <a:lnRef idx="0"/>
+          <a:fillRef idx="0"/>
+          <a:effectRef idx="0"/>
+          <a:fontRef idx="minor"/>
+        </p:style>
         <p:txBody>
           <a:bodyPr lIns="0" rIns="0" tIns="0" bIns="0" anchor="ctr"/>
           <a:p>
-            <a:pPr algn="ctr"/>
+            <a:pPr algn="ctr">
+              <a:lnSpc>
+                <a:spcPct val="100000"/>
+              </a:lnSpc>
+            </a:pPr>
             <a:r>
-              <a:rPr b="0" lang="pt-BR" sz="8000" spc="-1" strike="noStrike">
+              <a:rPr b="0" lang="en-US" sz="8000" spc="-1" strike="noStrike">
                 <a:solidFill>
                   <a:srgbClr val="66ffff"/>
                 </a:solidFill>
-                <a:uFill>
-                  <a:solidFill>
-                    <a:srgbClr val="ffffff"/>
-                  </a:solidFill>
-                </a:uFill>
                 <a:latin typeface="Courier New"/>
               </a:rPr>
               <a:t>A Forma D’Água</a:t>
             </a:r>
-            <a:endParaRPr b="0" lang="pt-BR" sz="3200" spc="-1" strike="noStrike">
-              <a:solidFill>
-                <a:srgbClr val="66ff99"/>
-              </a:solidFill>
-              <a:uFill>
-                <a:solidFill>
-                  <a:srgbClr val="ffffff"/>
-                </a:solidFill>
-              </a:uFill>
-              <a:latin typeface="Courier New"/>
+            <a:endParaRPr b="0" lang="en-US" sz="8000" spc="-1" strike="noStrike">
+              <a:latin typeface="Arial"/>
             </a:endParaRPr>
           </a:p>
         </p:txBody>
@@ -3655,7 +3306,1296 @@
         <p:cTn id="3" dur="indefinite" restart="never" nodeType="tmRoot">
           <p:childTnLst>
             <p:seq>
-              <p:cTn id="4" nodeType="mainSeq"/>
+              <p:cTn id="4" dur="indefinite" nodeType="mainSeq"/>
+              <p:prevCondLst>
+                <p:cond delay="0" evt="onPrev">
+                  <p:tgtEl>
+                    <p:sldTgt/>
+                  </p:tgtEl>
+                </p:cond>
+              </p:prevCondLst>
+              <p:nextCondLst>
+                <p:cond delay="0" evt="onNext">
+                  <p:tgtEl>
+                    <p:sldTgt/>
+                  </p:tgtEl>
+                </p:cond>
+              </p:nextCondLst>
+            </p:seq>
+          </p:childTnLst>
+        </p:cTn>
+      </p:par>
+    </p:tnLst>
+  </p:timing>
+</p:sld>
+</file>
+
+<file path=ppt/slides/slide20.xml><?xml version="1.0" encoding="utf-8"?>
+<p:sld xmlns:a="http://schemas.openxmlformats.org/drawingml/2006/main" xmlns:p="http://schemas.openxmlformats.org/presentationml/2006/main" xmlns:r="http://schemas.openxmlformats.org/officeDocument/2006/relationships" xmlns:p14="http://schemas.microsoft.com/office/powerpoint/2010/main" xmlns:p15="http://schemas.microsoft.com/office/powerpoint/2012/main" xmlns:mc="http://schemas.openxmlformats.org/markup-compatibility/2006">
+  <p:cSld>
+    <p:spTree>
+      <p:nvGrpSpPr>
+        <p:cNvPr id="1" name=""/>
+        <p:cNvGrpSpPr/>
+        <p:nvPr/>
+      </p:nvGrpSpPr>
+      <p:grpSpPr>
+        <a:xfrm>
+          <a:off x="0" y="0"/>
+          <a:ext cx="0" cy="0"/>
+          <a:chOff x="0" y="0"/>
+          <a:chExt cx="0" cy="0"/>
+        </a:xfrm>
+      </p:grpSpPr>
+      <p:sp>
+        <p:nvSpPr>
+          <p:cNvPr id="77" name="CustomShape 1"/>
+          <p:cNvSpPr/>
+          <p:nvPr/>
+        </p:nvSpPr>
+        <p:spPr>
+          <a:xfrm>
+            <a:off x="-72000" y="-72000"/>
+            <a:ext cx="10295640" cy="7703640"/>
+          </a:xfrm>
+          <a:prstGeom prst="rect">
+            <a:avLst/>
+          </a:prstGeom>
+          <a:solidFill>
+            <a:srgbClr val="000000">
+              <a:alpha val="50000"/>
+            </a:srgbClr>
+          </a:solidFill>
+          <a:ln>
+            <a:noFill/>
+          </a:ln>
+        </p:spPr>
+        <p:style>
+          <a:lnRef idx="0"/>
+          <a:fillRef idx="0"/>
+          <a:effectRef idx="0"/>
+          <a:fontRef idx="minor"/>
+        </p:style>
+      </p:sp>
+      <p:sp>
+        <p:nvSpPr>
+          <p:cNvPr id="78" name="CustomShape 2"/>
+          <p:cNvSpPr/>
+          <p:nvPr/>
+        </p:nvSpPr>
+        <p:spPr>
+          <a:xfrm>
+            <a:off x="504360" y="1519560"/>
+            <a:ext cx="9071280" cy="4384080"/>
+          </a:xfrm>
+          <a:prstGeom prst="rect">
+            <a:avLst/>
+          </a:prstGeom>
+          <a:noFill/>
+          <a:ln>
+            <a:noFill/>
+          </a:ln>
+        </p:spPr>
+        <p:style>
+          <a:lnRef idx="0"/>
+          <a:fillRef idx="0"/>
+          <a:effectRef idx="0"/>
+          <a:fontRef idx="minor"/>
+        </p:style>
+        <p:txBody>
+          <a:bodyPr lIns="0" rIns="0" tIns="0" bIns="0" anchor="ctr"/>
+          <a:p>
+            <a:pPr algn="ctr">
+              <a:lnSpc>
+                <a:spcPct val="100000"/>
+              </a:lnSpc>
+            </a:pPr>
+            <a:r>
+              <a:rPr b="0" lang="en-US" sz="8000" spc="-1" strike="noStrike">
+                <a:solidFill>
+                  <a:srgbClr val="66ffff"/>
+                </a:solidFill>
+                <a:latin typeface="Courier New"/>
+              </a:rPr>
+              <a:t>Git commit -m “:emoji: mensagem”</a:t>
+            </a:r>
+            <a:endParaRPr b="0" lang="en-US" sz="8000" spc="-1" strike="noStrike">
+              <a:latin typeface="Arial"/>
+            </a:endParaRPr>
+          </a:p>
+        </p:txBody>
+      </p:sp>
+    </p:spTree>
+  </p:cSld>
+  <p:timing>
+    <p:tnLst>
+      <p:par>
+        <p:cTn id="39" dur="indefinite" restart="never" nodeType="tmRoot">
+          <p:childTnLst>
+            <p:seq>
+              <p:cTn id="40" dur="indefinite" nodeType="mainSeq"/>
+              <p:prevCondLst>
+                <p:cond delay="0" evt="onPrev">
+                  <p:tgtEl>
+                    <p:sldTgt/>
+                  </p:tgtEl>
+                </p:cond>
+              </p:prevCondLst>
+              <p:nextCondLst>
+                <p:cond delay="0" evt="onNext">
+                  <p:tgtEl>
+                    <p:sldTgt/>
+                  </p:tgtEl>
+                </p:cond>
+              </p:nextCondLst>
+            </p:seq>
+          </p:childTnLst>
+        </p:cTn>
+      </p:par>
+    </p:tnLst>
+  </p:timing>
+</p:sld>
+</file>
+
+<file path=ppt/slides/slide21.xml><?xml version="1.0" encoding="utf-8"?>
+<p:sld xmlns:a="http://schemas.openxmlformats.org/drawingml/2006/main" xmlns:p="http://schemas.openxmlformats.org/presentationml/2006/main" xmlns:r="http://schemas.openxmlformats.org/officeDocument/2006/relationships" xmlns:p14="http://schemas.microsoft.com/office/powerpoint/2010/main" xmlns:p15="http://schemas.microsoft.com/office/powerpoint/2012/main" xmlns:mc="http://schemas.openxmlformats.org/markup-compatibility/2006">
+  <p:cSld>
+    <p:spTree>
+      <p:nvGrpSpPr>
+        <p:cNvPr id="1" name=""/>
+        <p:cNvGrpSpPr/>
+        <p:nvPr/>
+      </p:nvGrpSpPr>
+      <p:grpSpPr>
+        <a:xfrm>
+          <a:off x="0" y="0"/>
+          <a:ext cx="0" cy="0"/>
+          <a:chOff x="0" y="0"/>
+          <a:chExt cx="0" cy="0"/>
+        </a:xfrm>
+      </p:grpSpPr>
+      <p:sp>
+        <p:nvSpPr>
+          <p:cNvPr id="79" name="CustomShape 1"/>
+          <p:cNvSpPr/>
+          <p:nvPr/>
+        </p:nvSpPr>
+        <p:spPr>
+          <a:xfrm>
+            <a:off x="-72000" y="-72000"/>
+            <a:ext cx="10295640" cy="7703640"/>
+          </a:xfrm>
+          <a:prstGeom prst="rect">
+            <a:avLst/>
+          </a:prstGeom>
+          <a:solidFill>
+            <a:srgbClr val="000000">
+              <a:alpha val="50000"/>
+            </a:srgbClr>
+          </a:solidFill>
+          <a:ln>
+            <a:noFill/>
+          </a:ln>
+        </p:spPr>
+        <p:style>
+          <a:lnRef idx="0"/>
+          <a:fillRef idx="0"/>
+          <a:effectRef idx="0"/>
+          <a:fontRef idx="minor"/>
+        </p:style>
+      </p:sp>
+      <p:sp>
+        <p:nvSpPr>
+          <p:cNvPr id="80" name="CustomShape 2"/>
+          <p:cNvSpPr/>
+          <p:nvPr/>
+        </p:nvSpPr>
+        <p:spPr>
+          <a:xfrm>
+            <a:off x="504360" y="1519560"/>
+            <a:ext cx="9071280" cy="4384080"/>
+          </a:xfrm>
+          <a:prstGeom prst="rect">
+            <a:avLst/>
+          </a:prstGeom>
+          <a:noFill/>
+          <a:ln>
+            <a:noFill/>
+          </a:ln>
+        </p:spPr>
+        <p:style>
+          <a:lnRef idx="0"/>
+          <a:fillRef idx="0"/>
+          <a:effectRef idx="0"/>
+          <a:fontRef idx="minor"/>
+        </p:style>
+        <p:txBody>
+          <a:bodyPr lIns="0" rIns="0" tIns="0" bIns="0" anchor="ctr"/>
+          <a:p>
+            <a:pPr algn="ctr">
+              <a:lnSpc>
+                <a:spcPct val="100000"/>
+              </a:lnSpc>
+            </a:pPr>
+            <a:r>
+              <a:rPr b="0" lang="en-US" sz="8000" spc="-1" strike="noStrike">
+                <a:solidFill>
+                  <a:srgbClr val="66ffff"/>
+                </a:solidFill>
+                <a:latin typeface="Courier New"/>
+              </a:rPr>
+              <a:t>git push origin branch</a:t>
+            </a:r>
+            <a:endParaRPr b="0" lang="en-US" sz="8000" spc="-1" strike="noStrike">
+              <a:latin typeface="Arial"/>
+            </a:endParaRPr>
+          </a:p>
+        </p:txBody>
+      </p:sp>
+    </p:spTree>
+  </p:cSld>
+  <p:timing>
+    <p:tnLst>
+      <p:par>
+        <p:cTn id="41" dur="indefinite" restart="never" nodeType="tmRoot">
+          <p:childTnLst>
+            <p:seq>
+              <p:cTn id="42" dur="indefinite" nodeType="mainSeq"/>
+              <p:prevCondLst>
+                <p:cond delay="0" evt="onPrev">
+                  <p:tgtEl>
+                    <p:sldTgt/>
+                  </p:tgtEl>
+                </p:cond>
+              </p:prevCondLst>
+              <p:nextCondLst>
+                <p:cond delay="0" evt="onNext">
+                  <p:tgtEl>
+                    <p:sldTgt/>
+                  </p:tgtEl>
+                </p:cond>
+              </p:nextCondLst>
+            </p:seq>
+          </p:childTnLst>
+        </p:cTn>
+      </p:par>
+    </p:tnLst>
+  </p:timing>
+</p:sld>
+</file>
+
+<file path=ppt/slides/slide22.xml><?xml version="1.0" encoding="utf-8"?>
+<p:sld xmlns:a="http://schemas.openxmlformats.org/drawingml/2006/main" xmlns:p="http://schemas.openxmlformats.org/presentationml/2006/main" xmlns:r="http://schemas.openxmlformats.org/officeDocument/2006/relationships" xmlns:p14="http://schemas.microsoft.com/office/powerpoint/2010/main" xmlns:p15="http://schemas.microsoft.com/office/powerpoint/2012/main" xmlns:mc="http://schemas.openxmlformats.org/markup-compatibility/2006">
+  <p:cSld>
+    <p:spTree>
+      <p:nvGrpSpPr>
+        <p:cNvPr id="1" name=""/>
+        <p:cNvGrpSpPr/>
+        <p:nvPr/>
+      </p:nvGrpSpPr>
+      <p:grpSpPr>
+        <a:xfrm>
+          <a:off x="0" y="0"/>
+          <a:ext cx="0" cy="0"/>
+          <a:chOff x="0" y="0"/>
+          <a:chExt cx="0" cy="0"/>
+        </a:xfrm>
+      </p:grpSpPr>
+      <p:sp>
+        <p:nvSpPr>
+          <p:cNvPr id="81" name="CustomShape 1"/>
+          <p:cNvSpPr/>
+          <p:nvPr/>
+        </p:nvSpPr>
+        <p:spPr>
+          <a:xfrm>
+            <a:off x="-72000" y="-72000"/>
+            <a:ext cx="10295640" cy="7703640"/>
+          </a:xfrm>
+          <a:prstGeom prst="rect">
+            <a:avLst/>
+          </a:prstGeom>
+          <a:solidFill>
+            <a:srgbClr val="000000">
+              <a:alpha val="50000"/>
+            </a:srgbClr>
+          </a:solidFill>
+          <a:ln>
+            <a:noFill/>
+          </a:ln>
+        </p:spPr>
+        <p:style>
+          <a:lnRef idx="0"/>
+          <a:fillRef idx="0"/>
+          <a:effectRef idx="0"/>
+          <a:fontRef idx="minor"/>
+        </p:style>
+      </p:sp>
+      <p:sp>
+        <p:nvSpPr>
+          <p:cNvPr id="82" name="CustomShape 2"/>
+          <p:cNvSpPr/>
+          <p:nvPr/>
+        </p:nvSpPr>
+        <p:spPr>
+          <a:xfrm>
+            <a:off x="504360" y="1519560"/>
+            <a:ext cx="9071280" cy="4384080"/>
+          </a:xfrm>
+          <a:prstGeom prst="rect">
+            <a:avLst/>
+          </a:prstGeom>
+          <a:noFill/>
+          <a:ln>
+            <a:noFill/>
+          </a:ln>
+        </p:spPr>
+        <p:style>
+          <a:lnRef idx="0"/>
+          <a:fillRef idx="0"/>
+          <a:effectRef idx="0"/>
+          <a:fontRef idx="minor"/>
+        </p:style>
+        <p:txBody>
+          <a:bodyPr lIns="0" rIns="0" tIns="0" bIns="0" anchor="ctr"/>
+          <a:p>
+            <a:pPr algn="ctr">
+              <a:lnSpc>
+                <a:spcPct val="100000"/>
+              </a:lnSpc>
+            </a:pPr>
+            <a:r>
+              <a:rPr b="0" lang="en-US" sz="8000" spc="-1" strike="noStrike">
+                <a:solidFill>
+                  <a:srgbClr val="66ffff"/>
+                </a:solidFill>
+                <a:latin typeface="Courier New"/>
+              </a:rPr>
+              <a:t>Intermediário</a:t>
+            </a:r>
+            <a:endParaRPr b="0" lang="en-US" sz="8000" spc="-1" strike="noStrike">
+              <a:latin typeface="Arial"/>
+            </a:endParaRPr>
+          </a:p>
+        </p:txBody>
+      </p:sp>
+    </p:spTree>
+  </p:cSld>
+  <p:timing>
+    <p:tnLst>
+      <p:par>
+        <p:cTn id="43" dur="indefinite" restart="never" nodeType="tmRoot">
+          <p:childTnLst>
+            <p:seq>
+              <p:cTn id="44" dur="indefinite" nodeType="mainSeq"/>
+              <p:prevCondLst>
+                <p:cond delay="0" evt="onPrev">
+                  <p:tgtEl>
+                    <p:sldTgt/>
+                  </p:tgtEl>
+                </p:cond>
+              </p:prevCondLst>
+              <p:nextCondLst>
+                <p:cond delay="0" evt="onNext">
+                  <p:tgtEl>
+                    <p:sldTgt/>
+                  </p:tgtEl>
+                </p:cond>
+              </p:nextCondLst>
+            </p:seq>
+          </p:childTnLst>
+        </p:cTn>
+      </p:par>
+    </p:tnLst>
+  </p:timing>
+</p:sld>
+</file>
+
+<file path=ppt/slides/slide23.xml><?xml version="1.0" encoding="utf-8"?>
+<p:sld xmlns:a="http://schemas.openxmlformats.org/drawingml/2006/main" xmlns:p="http://schemas.openxmlformats.org/presentationml/2006/main" xmlns:r="http://schemas.openxmlformats.org/officeDocument/2006/relationships" xmlns:p14="http://schemas.microsoft.com/office/powerpoint/2010/main" xmlns:p15="http://schemas.microsoft.com/office/powerpoint/2012/main" xmlns:mc="http://schemas.openxmlformats.org/markup-compatibility/2006">
+  <p:cSld>
+    <p:spTree>
+      <p:nvGrpSpPr>
+        <p:cNvPr id="1" name=""/>
+        <p:cNvGrpSpPr/>
+        <p:nvPr/>
+      </p:nvGrpSpPr>
+      <p:grpSpPr>
+        <a:xfrm>
+          <a:off x="0" y="0"/>
+          <a:ext cx="0" cy="0"/>
+          <a:chOff x="0" y="0"/>
+          <a:chExt cx="0" cy="0"/>
+        </a:xfrm>
+      </p:grpSpPr>
+      <p:sp>
+        <p:nvSpPr>
+          <p:cNvPr id="83" name="CustomShape 1"/>
+          <p:cNvSpPr/>
+          <p:nvPr/>
+        </p:nvSpPr>
+        <p:spPr>
+          <a:xfrm>
+            <a:off x="-72000" y="-72000"/>
+            <a:ext cx="10295640" cy="7703640"/>
+          </a:xfrm>
+          <a:prstGeom prst="rect">
+            <a:avLst/>
+          </a:prstGeom>
+          <a:solidFill>
+            <a:srgbClr val="000000">
+              <a:alpha val="50000"/>
+            </a:srgbClr>
+          </a:solidFill>
+          <a:ln>
+            <a:noFill/>
+          </a:ln>
+        </p:spPr>
+        <p:style>
+          <a:lnRef idx="0"/>
+          <a:fillRef idx="0"/>
+          <a:effectRef idx="0"/>
+          <a:fontRef idx="minor"/>
+        </p:style>
+      </p:sp>
+      <p:sp>
+        <p:nvSpPr>
+          <p:cNvPr id="84" name="CustomShape 2"/>
+          <p:cNvSpPr/>
+          <p:nvPr/>
+        </p:nvSpPr>
+        <p:spPr>
+          <a:xfrm>
+            <a:off x="504360" y="1519560"/>
+            <a:ext cx="9071280" cy="4384080"/>
+          </a:xfrm>
+          <a:prstGeom prst="rect">
+            <a:avLst/>
+          </a:prstGeom>
+          <a:noFill/>
+          <a:ln>
+            <a:noFill/>
+          </a:ln>
+        </p:spPr>
+        <p:style>
+          <a:lnRef idx="0"/>
+          <a:fillRef idx="0"/>
+          <a:effectRef idx="0"/>
+          <a:fontRef idx="minor"/>
+        </p:style>
+        <p:txBody>
+          <a:bodyPr lIns="0" rIns="0" tIns="0" bIns="0" anchor="ctr"/>
+          <a:p>
+            <a:pPr algn="ctr">
+              <a:lnSpc>
+                <a:spcPct val="100000"/>
+              </a:lnSpc>
+            </a:pPr>
+            <a:r>
+              <a:rPr b="0" lang="en-US" sz="8000" spc="-1" strike="noStrike">
+                <a:solidFill>
+                  <a:srgbClr val="66ffff"/>
+                </a:solidFill>
+                <a:latin typeface="Courier New"/>
+              </a:rPr>
+              <a:t>git clone {url_projeto}</a:t>
+            </a:r>
+            <a:endParaRPr b="0" lang="en-US" sz="8000" spc="-1" strike="noStrike">
+              <a:latin typeface="Arial"/>
+            </a:endParaRPr>
+          </a:p>
+        </p:txBody>
+      </p:sp>
+    </p:spTree>
+  </p:cSld>
+  <p:timing>
+    <p:tnLst>
+      <p:par>
+        <p:cTn id="45" dur="indefinite" restart="never" nodeType="tmRoot">
+          <p:childTnLst>
+            <p:seq>
+              <p:cTn id="46" dur="indefinite" nodeType="mainSeq"/>
+              <p:prevCondLst>
+                <p:cond delay="0" evt="onPrev">
+                  <p:tgtEl>
+                    <p:sldTgt/>
+                  </p:tgtEl>
+                </p:cond>
+              </p:prevCondLst>
+              <p:nextCondLst>
+                <p:cond delay="0" evt="onNext">
+                  <p:tgtEl>
+                    <p:sldTgt/>
+                  </p:tgtEl>
+                </p:cond>
+              </p:nextCondLst>
+            </p:seq>
+          </p:childTnLst>
+        </p:cTn>
+      </p:par>
+    </p:tnLst>
+  </p:timing>
+</p:sld>
+</file>
+
+<file path=ppt/slides/slide24.xml><?xml version="1.0" encoding="utf-8"?>
+<p:sld xmlns:a="http://schemas.openxmlformats.org/drawingml/2006/main" xmlns:p="http://schemas.openxmlformats.org/presentationml/2006/main" xmlns:r="http://schemas.openxmlformats.org/officeDocument/2006/relationships" xmlns:p14="http://schemas.microsoft.com/office/powerpoint/2010/main" xmlns:p15="http://schemas.microsoft.com/office/powerpoint/2012/main" xmlns:mc="http://schemas.openxmlformats.org/markup-compatibility/2006">
+  <p:cSld>
+    <p:spTree>
+      <p:nvGrpSpPr>
+        <p:cNvPr id="1" name=""/>
+        <p:cNvGrpSpPr/>
+        <p:nvPr/>
+      </p:nvGrpSpPr>
+      <p:grpSpPr>
+        <a:xfrm>
+          <a:off x="0" y="0"/>
+          <a:ext cx="0" cy="0"/>
+          <a:chOff x="0" y="0"/>
+          <a:chExt cx="0" cy="0"/>
+        </a:xfrm>
+      </p:grpSpPr>
+      <p:sp>
+        <p:nvSpPr>
+          <p:cNvPr id="85" name="CustomShape 1"/>
+          <p:cNvSpPr/>
+          <p:nvPr/>
+        </p:nvSpPr>
+        <p:spPr>
+          <a:xfrm>
+            <a:off x="-72000" y="-72000"/>
+            <a:ext cx="10295640" cy="7703640"/>
+          </a:xfrm>
+          <a:prstGeom prst="rect">
+            <a:avLst/>
+          </a:prstGeom>
+          <a:solidFill>
+            <a:srgbClr val="000000">
+              <a:alpha val="50000"/>
+            </a:srgbClr>
+          </a:solidFill>
+          <a:ln>
+            <a:noFill/>
+          </a:ln>
+        </p:spPr>
+        <p:style>
+          <a:lnRef idx="0"/>
+          <a:fillRef idx="0"/>
+          <a:effectRef idx="0"/>
+          <a:fontRef idx="minor"/>
+        </p:style>
+      </p:sp>
+      <p:sp>
+        <p:nvSpPr>
+          <p:cNvPr id="86" name="CustomShape 2"/>
+          <p:cNvSpPr/>
+          <p:nvPr/>
+        </p:nvSpPr>
+        <p:spPr>
+          <a:xfrm>
+            <a:off x="504360" y="1519560"/>
+            <a:ext cx="9071280" cy="4384080"/>
+          </a:xfrm>
+          <a:prstGeom prst="rect">
+            <a:avLst/>
+          </a:prstGeom>
+          <a:noFill/>
+          <a:ln>
+            <a:noFill/>
+          </a:ln>
+        </p:spPr>
+        <p:style>
+          <a:lnRef idx="0"/>
+          <a:fillRef idx="0"/>
+          <a:effectRef idx="0"/>
+          <a:fontRef idx="minor"/>
+        </p:style>
+        <p:txBody>
+          <a:bodyPr lIns="0" rIns="0" tIns="0" bIns="0" anchor="ctr"/>
+          <a:p>
+            <a:pPr algn="ctr">
+              <a:lnSpc>
+                <a:spcPct val="100000"/>
+              </a:lnSpc>
+            </a:pPr>
+            <a:r>
+              <a:rPr b="0" lang="en-US" sz="8000" spc="-1" strike="noStrike">
+                <a:solidFill>
+                  <a:srgbClr val="66ffff"/>
+                </a:solidFill>
+                <a:latin typeface="Courier New"/>
+              </a:rPr>
+              <a:t>Git checkout </a:t>
+            </a:r>
+            <a:endParaRPr b="0" lang="en-US" sz="8000" spc="-1" strike="noStrike">
+              <a:latin typeface="Arial"/>
+            </a:endParaRPr>
+          </a:p>
+          <a:p>
+            <a:pPr algn="ctr">
+              <a:lnSpc>
+                <a:spcPct val="100000"/>
+              </a:lnSpc>
+            </a:pPr>
+            <a:r>
+              <a:rPr b="0" lang="en-US" sz="8000" spc="-1" strike="noStrike">
+                <a:solidFill>
+                  <a:srgbClr val="66ffff"/>
+                </a:solidFill>
+                <a:latin typeface="Courier New"/>
+              </a:rPr>
+              <a:t>-b nome_branch</a:t>
+            </a:r>
+            <a:endParaRPr b="0" lang="en-US" sz="8000" spc="-1" strike="noStrike">
+              <a:latin typeface="Arial"/>
+            </a:endParaRPr>
+          </a:p>
+        </p:txBody>
+      </p:sp>
+    </p:spTree>
+  </p:cSld>
+  <p:timing>
+    <p:tnLst>
+      <p:par>
+        <p:cTn id="47" dur="indefinite" restart="never" nodeType="tmRoot">
+          <p:childTnLst>
+            <p:seq>
+              <p:cTn id="48" dur="indefinite" nodeType="mainSeq"/>
+              <p:prevCondLst>
+                <p:cond delay="0" evt="onPrev">
+                  <p:tgtEl>
+                    <p:sldTgt/>
+                  </p:tgtEl>
+                </p:cond>
+              </p:prevCondLst>
+              <p:nextCondLst>
+                <p:cond delay="0" evt="onNext">
+                  <p:tgtEl>
+                    <p:sldTgt/>
+                  </p:tgtEl>
+                </p:cond>
+              </p:nextCondLst>
+            </p:seq>
+          </p:childTnLst>
+        </p:cTn>
+      </p:par>
+    </p:tnLst>
+  </p:timing>
+</p:sld>
+</file>
+
+<file path=ppt/slides/slide25.xml><?xml version="1.0" encoding="utf-8"?>
+<p:sld xmlns:a="http://schemas.openxmlformats.org/drawingml/2006/main" xmlns:p="http://schemas.openxmlformats.org/presentationml/2006/main" xmlns:r="http://schemas.openxmlformats.org/officeDocument/2006/relationships" xmlns:p14="http://schemas.microsoft.com/office/powerpoint/2010/main" xmlns:p15="http://schemas.microsoft.com/office/powerpoint/2012/main" xmlns:mc="http://schemas.openxmlformats.org/markup-compatibility/2006">
+  <p:cSld>
+    <p:spTree>
+      <p:nvGrpSpPr>
+        <p:cNvPr id="1" name=""/>
+        <p:cNvGrpSpPr/>
+        <p:nvPr/>
+      </p:nvGrpSpPr>
+      <p:grpSpPr>
+        <a:xfrm>
+          <a:off x="0" y="0"/>
+          <a:ext cx="0" cy="0"/>
+          <a:chOff x="0" y="0"/>
+          <a:chExt cx="0" cy="0"/>
+        </a:xfrm>
+      </p:grpSpPr>
+      <p:sp>
+        <p:nvSpPr>
+          <p:cNvPr id="87" name="CustomShape 1"/>
+          <p:cNvSpPr/>
+          <p:nvPr/>
+        </p:nvSpPr>
+        <p:spPr>
+          <a:xfrm>
+            <a:off x="-72000" y="-72000"/>
+            <a:ext cx="10295640" cy="7703640"/>
+          </a:xfrm>
+          <a:prstGeom prst="rect">
+            <a:avLst/>
+          </a:prstGeom>
+          <a:solidFill>
+            <a:srgbClr val="000000">
+              <a:alpha val="50000"/>
+            </a:srgbClr>
+          </a:solidFill>
+          <a:ln>
+            <a:noFill/>
+          </a:ln>
+        </p:spPr>
+        <p:style>
+          <a:lnRef idx="0"/>
+          <a:fillRef idx="0"/>
+          <a:effectRef idx="0"/>
+          <a:fontRef idx="minor"/>
+        </p:style>
+      </p:sp>
+      <p:sp>
+        <p:nvSpPr>
+          <p:cNvPr id="88" name="CustomShape 2"/>
+          <p:cNvSpPr/>
+          <p:nvPr/>
+        </p:nvSpPr>
+        <p:spPr>
+          <a:xfrm>
+            <a:off x="504360" y="1519560"/>
+            <a:ext cx="9071280" cy="4384080"/>
+          </a:xfrm>
+          <a:prstGeom prst="rect">
+            <a:avLst/>
+          </a:prstGeom>
+          <a:noFill/>
+          <a:ln>
+            <a:noFill/>
+          </a:ln>
+        </p:spPr>
+        <p:style>
+          <a:lnRef idx="0"/>
+          <a:fillRef idx="0"/>
+          <a:effectRef idx="0"/>
+          <a:fontRef idx="minor"/>
+        </p:style>
+        <p:txBody>
+          <a:bodyPr lIns="0" rIns="0" tIns="0" bIns="0" anchor="ctr"/>
+          <a:p>
+            <a:pPr algn="ctr">
+              <a:lnSpc>
+                <a:spcPct val="100000"/>
+              </a:lnSpc>
+            </a:pPr>
+            <a:r>
+              <a:rPr b="0" lang="en-US" sz="8000" spc="-1" strike="noStrike">
+                <a:solidFill>
+                  <a:srgbClr val="66ffff"/>
+                </a:solidFill>
+                <a:latin typeface="Courier New"/>
+              </a:rPr>
+              <a:t>git pull origin branch</a:t>
+            </a:r>
+            <a:endParaRPr b="0" lang="en-US" sz="8000" spc="-1" strike="noStrike">
+              <a:latin typeface="Arial"/>
+            </a:endParaRPr>
+          </a:p>
+        </p:txBody>
+      </p:sp>
+    </p:spTree>
+  </p:cSld>
+  <p:timing>
+    <p:tnLst>
+      <p:par>
+        <p:cTn id="49" dur="indefinite" restart="never" nodeType="tmRoot">
+          <p:childTnLst>
+            <p:seq>
+              <p:cTn id="50" dur="indefinite" nodeType="mainSeq"/>
+              <p:prevCondLst>
+                <p:cond delay="0" evt="onPrev">
+                  <p:tgtEl>
+                    <p:sldTgt/>
+                  </p:tgtEl>
+                </p:cond>
+              </p:prevCondLst>
+              <p:nextCondLst>
+                <p:cond delay="0" evt="onNext">
+                  <p:tgtEl>
+                    <p:sldTgt/>
+                  </p:tgtEl>
+                </p:cond>
+              </p:nextCondLst>
+            </p:seq>
+          </p:childTnLst>
+        </p:cTn>
+      </p:par>
+    </p:tnLst>
+  </p:timing>
+</p:sld>
+</file>
+
+<file path=ppt/slides/slide26.xml><?xml version="1.0" encoding="utf-8"?>
+<p:sld xmlns:a="http://schemas.openxmlformats.org/drawingml/2006/main" xmlns:p="http://schemas.openxmlformats.org/presentationml/2006/main" xmlns:r="http://schemas.openxmlformats.org/officeDocument/2006/relationships" xmlns:p14="http://schemas.microsoft.com/office/powerpoint/2010/main" xmlns:p15="http://schemas.microsoft.com/office/powerpoint/2012/main" xmlns:mc="http://schemas.openxmlformats.org/markup-compatibility/2006">
+  <p:cSld>
+    <p:spTree>
+      <p:nvGrpSpPr>
+        <p:cNvPr id="1" name=""/>
+        <p:cNvGrpSpPr/>
+        <p:nvPr/>
+      </p:nvGrpSpPr>
+      <p:grpSpPr>
+        <a:xfrm>
+          <a:off x="0" y="0"/>
+          <a:ext cx="0" cy="0"/>
+          <a:chOff x="0" y="0"/>
+          <a:chExt cx="0" cy="0"/>
+        </a:xfrm>
+      </p:grpSpPr>
+      <p:sp>
+        <p:nvSpPr>
+          <p:cNvPr id="89" name="CustomShape 1"/>
+          <p:cNvSpPr/>
+          <p:nvPr/>
+        </p:nvSpPr>
+        <p:spPr>
+          <a:xfrm>
+            <a:off x="-72000" y="-72000"/>
+            <a:ext cx="10295640" cy="7703640"/>
+          </a:xfrm>
+          <a:prstGeom prst="rect">
+            <a:avLst/>
+          </a:prstGeom>
+          <a:solidFill>
+            <a:srgbClr val="000000">
+              <a:alpha val="50000"/>
+            </a:srgbClr>
+          </a:solidFill>
+          <a:ln>
+            <a:noFill/>
+          </a:ln>
+        </p:spPr>
+        <p:style>
+          <a:lnRef idx="0"/>
+          <a:fillRef idx="0"/>
+          <a:effectRef idx="0"/>
+          <a:fontRef idx="minor"/>
+        </p:style>
+      </p:sp>
+      <p:sp>
+        <p:nvSpPr>
+          <p:cNvPr id="90" name="CustomShape 2"/>
+          <p:cNvSpPr/>
+          <p:nvPr/>
+        </p:nvSpPr>
+        <p:spPr>
+          <a:xfrm>
+            <a:off x="504360" y="1519560"/>
+            <a:ext cx="9071280" cy="4384080"/>
+          </a:xfrm>
+          <a:prstGeom prst="rect">
+            <a:avLst/>
+          </a:prstGeom>
+          <a:noFill/>
+          <a:ln>
+            <a:noFill/>
+          </a:ln>
+        </p:spPr>
+        <p:style>
+          <a:lnRef idx="0"/>
+          <a:fillRef idx="0"/>
+          <a:effectRef idx="0"/>
+          <a:fontRef idx="minor"/>
+        </p:style>
+        <p:txBody>
+          <a:bodyPr lIns="0" rIns="0" tIns="0" bIns="0" anchor="ctr"/>
+          <a:p>
+            <a:pPr algn="ctr">
+              <a:lnSpc>
+                <a:spcPct val="100000"/>
+              </a:lnSpc>
+            </a:pPr>
+            <a:r>
+              <a:rPr b="0" lang="en-US" sz="8000" spc="-1" strike="noStrike">
+                <a:solidFill>
+                  <a:srgbClr val="66ffff"/>
+                </a:solidFill>
+                <a:latin typeface="Courier New"/>
+              </a:rPr>
+              <a:t>CONFLITO</a:t>
+            </a:r>
+            <a:endParaRPr b="0" lang="en-US" sz="8000" spc="-1" strike="noStrike">
+              <a:latin typeface="Arial"/>
+            </a:endParaRPr>
+          </a:p>
+        </p:txBody>
+      </p:sp>
+    </p:spTree>
+  </p:cSld>
+  <p:timing>
+    <p:tnLst>
+      <p:par>
+        <p:cTn id="51" dur="indefinite" restart="never" nodeType="tmRoot">
+          <p:childTnLst>
+            <p:seq>
+              <p:cTn id="52" dur="indefinite" nodeType="mainSeq"/>
+              <p:prevCondLst>
+                <p:cond delay="0" evt="onPrev">
+                  <p:tgtEl>
+                    <p:sldTgt/>
+                  </p:tgtEl>
+                </p:cond>
+              </p:prevCondLst>
+              <p:nextCondLst>
+                <p:cond delay="0" evt="onNext">
+                  <p:tgtEl>
+                    <p:sldTgt/>
+                  </p:tgtEl>
+                </p:cond>
+              </p:nextCondLst>
+            </p:seq>
+          </p:childTnLst>
+        </p:cTn>
+      </p:par>
+    </p:tnLst>
+  </p:timing>
+</p:sld>
+</file>
+
+<file path=ppt/slides/slide27.xml><?xml version="1.0" encoding="utf-8"?>
+<p:sld xmlns:a="http://schemas.openxmlformats.org/drawingml/2006/main" xmlns:p="http://schemas.openxmlformats.org/presentationml/2006/main" xmlns:r="http://schemas.openxmlformats.org/officeDocument/2006/relationships" xmlns:p14="http://schemas.microsoft.com/office/powerpoint/2010/main" xmlns:p15="http://schemas.microsoft.com/office/powerpoint/2012/main" xmlns:mc="http://schemas.openxmlformats.org/markup-compatibility/2006">
+  <p:cSld>
+    <p:spTree>
+      <p:nvGrpSpPr>
+        <p:cNvPr id="1" name=""/>
+        <p:cNvGrpSpPr/>
+        <p:nvPr/>
+      </p:nvGrpSpPr>
+      <p:grpSpPr>
+        <a:xfrm>
+          <a:off x="0" y="0"/>
+          <a:ext cx="0" cy="0"/>
+          <a:chOff x="0" y="0"/>
+          <a:chExt cx="0" cy="0"/>
+        </a:xfrm>
+      </p:grpSpPr>
+      <p:sp>
+        <p:nvSpPr>
+          <p:cNvPr id="91" name="CustomShape 1"/>
+          <p:cNvSpPr/>
+          <p:nvPr/>
+        </p:nvSpPr>
+        <p:spPr>
+          <a:xfrm>
+            <a:off x="-72000" y="-72000"/>
+            <a:ext cx="10295640" cy="7703640"/>
+          </a:xfrm>
+          <a:prstGeom prst="rect">
+            <a:avLst/>
+          </a:prstGeom>
+          <a:solidFill>
+            <a:srgbClr val="000000">
+              <a:alpha val="50000"/>
+            </a:srgbClr>
+          </a:solidFill>
+          <a:ln>
+            <a:noFill/>
+          </a:ln>
+        </p:spPr>
+        <p:style>
+          <a:lnRef idx="0"/>
+          <a:fillRef idx="0"/>
+          <a:effectRef idx="0"/>
+          <a:fontRef idx="minor"/>
+        </p:style>
+      </p:sp>
+      <p:sp>
+        <p:nvSpPr>
+          <p:cNvPr id="92" name="CustomShape 2"/>
+          <p:cNvSpPr/>
+          <p:nvPr/>
+        </p:nvSpPr>
+        <p:spPr>
+          <a:xfrm>
+            <a:off x="504360" y="1519560"/>
+            <a:ext cx="9071280" cy="4384080"/>
+          </a:xfrm>
+          <a:prstGeom prst="rect">
+            <a:avLst/>
+          </a:prstGeom>
+          <a:noFill/>
+          <a:ln>
+            <a:noFill/>
+          </a:ln>
+        </p:spPr>
+        <p:style>
+          <a:lnRef idx="0"/>
+          <a:fillRef idx="0"/>
+          <a:effectRef idx="0"/>
+          <a:fontRef idx="minor"/>
+        </p:style>
+        <p:txBody>
+          <a:bodyPr lIns="0" rIns="0" tIns="0" bIns="0" anchor="ctr"/>
+          <a:p>
+            <a:pPr algn="ctr">
+              <a:lnSpc>
+                <a:spcPct val="100000"/>
+              </a:lnSpc>
+            </a:pPr>
+            <a:r>
+              <a:rPr b="0" lang="en-US" sz="8000" spc="-1" strike="noStrike">
+                <a:solidFill>
+                  <a:srgbClr val="66ffff"/>
+                </a:solidFill>
+                <a:latin typeface="Courier New"/>
+              </a:rPr>
+              <a:t>Comunicação</a:t>
+            </a:r>
+            <a:endParaRPr b="0" lang="en-US" sz="8000" spc="-1" strike="noStrike">
+              <a:latin typeface="Arial"/>
+            </a:endParaRPr>
+          </a:p>
+        </p:txBody>
+      </p:sp>
+    </p:spTree>
+  </p:cSld>
+  <p:timing>
+    <p:tnLst>
+      <p:par>
+        <p:cTn id="53" dur="indefinite" restart="never" nodeType="tmRoot">
+          <p:childTnLst>
+            <p:seq>
+              <p:cTn id="54" dur="indefinite" nodeType="mainSeq"/>
+              <p:prevCondLst>
+                <p:cond delay="0" evt="onPrev">
+                  <p:tgtEl>
+                    <p:sldTgt/>
+                  </p:tgtEl>
+                </p:cond>
+              </p:prevCondLst>
+              <p:nextCondLst>
+                <p:cond delay="0" evt="onNext">
+                  <p:tgtEl>
+                    <p:sldTgt/>
+                  </p:tgtEl>
+                </p:cond>
+              </p:nextCondLst>
+            </p:seq>
+          </p:childTnLst>
+        </p:cTn>
+      </p:par>
+    </p:tnLst>
+  </p:timing>
+</p:sld>
+</file>
+
+<file path=ppt/slides/slide28.xml><?xml version="1.0" encoding="utf-8"?>
+<p:sld xmlns:a="http://schemas.openxmlformats.org/drawingml/2006/main" xmlns:p="http://schemas.openxmlformats.org/presentationml/2006/main" xmlns:r="http://schemas.openxmlformats.org/officeDocument/2006/relationships" xmlns:p14="http://schemas.microsoft.com/office/powerpoint/2010/main" xmlns:p15="http://schemas.microsoft.com/office/powerpoint/2012/main" xmlns:mc="http://schemas.openxmlformats.org/markup-compatibility/2006">
+  <p:cSld>
+    <p:spTree>
+      <p:nvGrpSpPr>
+        <p:cNvPr id="1" name=""/>
+        <p:cNvGrpSpPr/>
+        <p:nvPr/>
+      </p:nvGrpSpPr>
+      <p:grpSpPr>
+        <a:xfrm>
+          <a:off x="0" y="0"/>
+          <a:ext cx="0" cy="0"/>
+          <a:chOff x="0" y="0"/>
+          <a:chExt cx="0" cy="0"/>
+        </a:xfrm>
+      </p:grpSpPr>
+      <p:sp>
+        <p:nvSpPr>
+          <p:cNvPr id="93" name="CustomShape 1"/>
+          <p:cNvSpPr/>
+          <p:nvPr/>
+        </p:nvSpPr>
+        <p:spPr>
+          <a:xfrm>
+            <a:off x="-72000" y="-72000"/>
+            <a:ext cx="10295640" cy="7703640"/>
+          </a:xfrm>
+          <a:prstGeom prst="rect">
+            <a:avLst/>
+          </a:prstGeom>
+          <a:solidFill>
+            <a:srgbClr val="000000">
+              <a:alpha val="50000"/>
+            </a:srgbClr>
+          </a:solidFill>
+          <a:ln>
+            <a:noFill/>
+          </a:ln>
+        </p:spPr>
+        <p:style>
+          <a:lnRef idx="0"/>
+          <a:fillRef idx="0"/>
+          <a:effectRef idx="0"/>
+          <a:fontRef idx="minor"/>
+        </p:style>
+      </p:sp>
+      <p:sp>
+        <p:nvSpPr>
+          <p:cNvPr id="94" name="CustomShape 2"/>
+          <p:cNvSpPr/>
+          <p:nvPr/>
+        </p:nvSpPr>
+        <p:spPr>
+          <a:xfrm>
+            <a:off x="504360" y="1519560"/>
+            <a:ext cx="9071280" cy="4384080"/>
+          </a:xfrm>
+          <a:prstGeom prst="rect">
+            <a:avLst/>
+          </a:prstGeom>
+          <a:noFill/>
+          <a:ln>
+            <a:noFill/>
+          </a:ln>
+        </p:spPr>
+        <p:style>
+          <a:lnRef idx="0"/>
+          <a:fillRef idx="0"/>
+          <a:effectRef idx="0"/>
+          <a:fontRef idx="minor"/>
+        </p:style>
+        <p:txBody>
+          <a:bodyPr lIns="0" rIns="0" tIns="0" bIns="0" anchor="ctr"/>
+          <a:p>
+            <a:pPr algn="ctr">
+              <a:lnSpc>
+                <a:spcPct val="100000"/>
+              </a:lnSpc>
+            </a:pPr>
+            <a:r>
+              <a:rPr b="0" lang="en-US" sz="8000" spc="-1" strike="noStrike">
+                <a:solidFill>
+                  <a:srgbClr val="66ffff"/>
+                </a:solidFill>
+                <a:latin typeface="Courier New"/>
+              </a:rPr>
+              <a:t>https://gitmoji.carloscuesta.me/</a:t>
+            </a:r>
+            <a:endParaRPr b="0" lang="en-US" sz="8000" spc="-1" strike="noStrike">
+              <a:latin typeface="Arial"/>
+            </a:endParaRPr>
+          </a:p>
+        </p:txBody>
+      </p:sp>
+    </p:spTree>
+  </p:cSld>
+  <p:timing>
+    <p:tnLst>
+      <p:par>
+        <p:cTn id="55" dur="indefinite" restart="never" nodeType="tmRoot">
+          <p:childTnLst>
+            <p:seq>
+              <p:cTn id="56" dur="indefinite" nodeType="mainSeq"/>
+              <p:prevCondLst>
+                <p:cond delay="0" evt="onPrev">
+                  <p:tgtEl>
+                    <p:sldTgt/>
+                  </p:tgtEl>
+                </p:cond>
+              </p:prevCondLst>
+              <p:nextCondLst>
+                <p:cond delay="0" evt="onNext">
+                  <p:tgtEl>
+                    <p:sldTgt/>
+                  </p:tgtEl>
+                </p:cond>
+              </p:nextCondLst>
+            </p:seq>
+          </p:childTnLst>
+        </p:cTn>
+      </p:par>
+    </p:tnLst>
+  </p:timing>
+</p:sld>
+</file>
+
+<file path=ppt/slides/slide29.xml><?xml version="1.0" encoding="utf-8"?>
+<p:sld xmlns:a="http://schemas.openxmlformats.org/drawingml/2006/main" xmlns:p="http://schemas.openxmlformats.org/presentationml/2006/main" xmlns:r="http://schemas.openxmlformats.org/officeDocument/2006/relationships" xmlns:p14="http://schemas.microsoft.com/office/powerpoint/2010/main" xmlns:p15="http://schemas.microsoft.com/office/powerpoint/2012/main" xmlns:mc="http://schemas.openxmlformats.org/markup-compatibility/2006">
+  <p:cSld>
+    <p:spTree>
+      <p:nvGrpSpPr>
+        <p:cNvPr id="1" name=""/>
+        <p:cNvGrpSpPr/>
+        <p:nvPr/>
+      </p:nvGrpSpPr>
+      <p:grpSpPr>
+        <a:xfrm>
+          <a:off x="0" y="0"/>
+          <a:ext cx="0" cy="0"/>
+          <a:chOff x="0" y="0"/>
+          <a:chExt cx="0" cy="0"/>
+        </a:xfrm>
+      </p:grpSpPr>
+      <p:sp>
+        <p:nvSpPr>
+          <p:cNvPr id="95" name="CustomShape 1"/>
+          <p:cNvSpPr/>
+          <p:nvPr/>
+        </p:nvSpPr>
+        <p:spPr>
+          <a:xfrm>
+            <a:off x="-72000" y="-72000"/>
+            <a:ext cx="10295640" cy="7703640"/>
+          </a:xfrm>
+          <a:prstGeom prst="rect">
+            <a:avLst/>
+          </a:prstGeom>
+          <a:solidFill>
+            <a:srgbClr val="000000">
+              <a:alpha val="50000"/>
+            </a:srgbClr>
+          </a:solidFill>
+          <a:ln>
+            <a:noFill/>
+          </a:ln>
+        </p:spPr>
+        <p:style>
+          <a:lnRef idx="0"/>
+          <a:fillRef idx="0"/>
+          <a:effectRef idx="0"/>
+          <a:fontRef idx="minor"/>
+        </p:style>
+      </p:sp>
+      <p:sp>
+        <p:nvSpPr>
+          <p:cNvPr id="96" name="CustomShape 2"/>
+          <p:cNvSpPr/>
+          <p:nvPr/>
+        </p:nvSpPr>
+        <p:spPr>
+          <a:xfrm>
+            <a:off x="504360" y="1519560"/>
+            <a:ext cx="9071280" cy="4384080"/>
+          </a:xfrm>
+          <a:prstGeom prst="rect">
+            <a:avLst/>
+          </a:prstGeom>
+          <a:noFill/>
+          <a:ln>
+            <a:noFill/>
+          </a:ln>
+        </p:spPr>
+        <p:style>
+          <a:lnRef idx="0"/>
+          <a:fillRef idx="0"/>
+          <a:effectRef idx="0"/>
+          <a:fontRef idx="minor"/>
+        </p:style>
+        <p:txBody>
+          <a:bodyPr lIns="0" rIns="0" tIns="0" bIns="0" anchor="ctr"/>
+          <a:p>
+            <a:pPr algn="ctr">
+              <a:lnSpc>
+                <a:spcPct val="100000"/>
+              </a:lnSpc>
+            </a:pPr>
+            <a:r>
+              <a:rPr b="0" lang="en-US" sz="8000" spc="-1" strike="noStrike">
+                <a:solidFill>
+                  <a:srgbClr val="66ffff"/>
+                </a:solidFill>
+                <a:latin typeface="Courier New"/>
+              </a:rPr>
+              <a:t>Obrigado</a:t>
+            </a:r>
+            <a:endParaRPr b="0" lang="en-US" sz="8000" spc="-1" strike="noStrike">
+              <a:latin typeface="Arial"/>
+            </a:endParaRPr>
+          </a:p>
+        </p:txBody>
+      </p:sp>
+    </p:spTree>
+  </p:cSld>
+  <p:timing>
+    <p:tnLst>
+      <p:par>
+        <p:cTn id="57" dur="indefinite" restart="never" nodeType="tmRoot">
+          <p:childTnLst>
+            <p:seq>
+              <p:cTn id="58" dur="indefinite" nodeType="mainSeq"/>
               <p:prevCondLst>
                 <p:cond delay="0" evt="onPrev">
                   <p:tgtEl>
@@ -3698,14 +4638,14 @@
       </p:grpSpPr>
       <p:sp>
         <p:nvSpPr>
-          <p:cNvPr id="44" name="CustomShape 1"/>
+          <p:cNvPr id="43" name="CustomShape 1"/>
           <p:cNvSpPr/>
           <p:nvPr/>
         </p:nvSpPr>
         <p:spPr>
           <a:xfrm>
             <a:off x="-72000" y="-72000"/>
-            <a:ext cx="10296000" cy="7704000"/>
+            <a:ext cx="10295640" cy="7703640"/>
           </a:xfrm>
           <a:prstGeom prst="rect">
             <a:avLst/>
@@ -3728,14 +4668,14 @@
       </p:sp>
       <p:sp>
         <p:nvSpPr>
-          <p:cNvPr id="45" name="TextShape 2"/>
-          <p:cNvSpPr txBox="1"/>
+          <p:cNvPr id="44" name="CustomShape 2"/>
+          <p:cNvSpPr/>
           <p:nvPr/>
         </p:nvSpPr>
         <p:spPr>
           <a:xfrm>
             <a:off x="504360" y="1519560"/>
-            <a:ext cx="9071640" cy="4384440"/>
+            <a:ext cx="9071280" cy="4384080"/>
           </a:xfrm>
           <a:prstGeom prst="rect">
             <a:avLst/>
@@ -3745,34 +4685,31 @@
             <a:noFill/>
           </a:ln>
         </p:spPr>
+        <p:style>
+          <a:lnRef idx="0"/>
+          <a:fillRef idx="0"/>
+          <a:effectRef idx="0"/>
+          <a:fontRef idx="minor"/>
+        </p:style>
         <p:txBody>
           <a:bodyPr lIns="0" rIns="0" tIns="0" bIns="0" anchor="ctr"/>
           <a:p>
-            <a:pPr algn="ctr"/>
+            <a:pPr algn="ctr">
+              <a:lnSpc>
+                <a:spcPct val="100000"/>
+              </a:lnSpc>
+            </a:pPr>
             <a:r>
-              <a:rPr b="0" lang="pt-BR" sz="8000" spc="-1" strike="noStrike">
+              <a:rPr b="0" lang="en-US" sz="8000" spc="-1" strike="noStrike">
                 <a:solidFill>
                   <a:srgbClr val="66ffff"/>
                 </a:solidFill>
-                <a:uFill>
-                  <a:solidFill>
-                    <a:srgbClr val="ffffff"/>
-                  </a:solidFill>
-                </a:uFill>
                 <a:latin typeface="Courier New"/>
               </a:rPr>
-              <a:t>Soft Skills</a:t>
+              <a:t>SOFT SKILLS</a:t>
             </a:r>
-            <a:endParaRPr b="0" lang="pt-BR" sz="3200" spc="-1" strike="noStrike">
-              <a:solidFill>
-                <a:srgbClr val="66ff99"/>
-              </a:solidFill>
-              <a:uFill>
-                <a:solidFill>
-                  <a:srgbClr val="ffffff"/>
-                </a:solidFill>
-              </a:uFill>
-              <a:latin typeface="Courier New"/>
+            <a:endParaRPr b="0" lang="en-US" sz="8000" spc="-1" strike="noStrike">
+              <a:latin typeface="Arial"/>
             </a:endParaRPr>
           </a:p>
         </p:txBody>
@@ -3785,7 +4722,152 @@
         <p:cTn id="5" dur="indefinite" restart="never" nodeType="tmRoot">
           <p:childTnLst>
             <p:seq>
-              <p:cTn id="6" nodeType="mainSeq"/>
+              <p:cTn id="6" dur="indefinite" nodeType="mainSeq"/>
+              <p:prevCondLst>
+                <p:cond delay="0" evt="onPrev">
+                  <p:tgtEl>
+                    <p:sldTgt/>
+                  </p:tgtEl>
+                </p:cond>
+              </p:prevCondLst>
+              <p:nextCondLst>
+                <p:cond delay="0" evt="onNext">
+                  <p:tgtEl>
+                    <p:sldTgt/>
+                  </p:tgtEl>
+                </p:cond>
+              </p:nextCondLst>
+            </p:seq>
+          </p:childTnLst>
+        </p:cTn>
+      </p:par>
+    </p:tnLst>
+  </p:timing>
+</p:sld>
+</file>
+
+<file path=ppt/slides/slide30.xml><?xml version="1.0" encoding="utf-8"?>
+<p:sld xmlns:a="http://schemas.openxmlformats.org/drawingml/2006/main" xmlns:p="http://schemas.openxmlformats.org/presentationml/2006/main" xmlns:r="http://schemas.openxmlformats.org/officeDocument/2006/relationships" xmlns:p14="http://schemas.microsoft.com/office/powerpoint/2010/main" xmlns:p15="http://schemas.microsoft.com/office/powerpoint/2012/main" xmlns:mc="http://schemas.openxmlformats.org/markup-compatibility/2006">
+  <p:cSld>
+    <p:spTree>
+      <p:nvGrpSpPr>
+        <p:cNvPr id="1" name=""/>
+        <p:cNvGrpSpPr/>
+        <p:nvPr/>
+      </p:nvGrpSpPr>
+      <p:grpSpPr>
+        <a:xfrm>
+          <a:off x="0" y="0"/>
+          <a:ext cx="0" cy="0"/>
+          <a:chOff x="0" y="0"/>
+          <a:chExt cx="0" cy="0"/>
+        </a:xfrm>
+      </p:grpSpPr>
+      <p:sp>
+        <p:nvSpPr>
+          <p:cNvPr id="97" name="CustomShape 1"/>
+          <p:cNvSpPr/>
+          <p:nvPr/>
+        </p:nvSpPr>
+        <p:spPr>
+          <a:xfrm>
+            <a:off x="-72000" y="-72000"/>
+            <a:ext cx="10295640" cy="7703640"/>
+          </a:xfrm>
+          <a:prstGeom prst="rect">
+            <a:avLst/>
+          </a:prstGeom>
+          <a:solidFill>
+            <a:srgbClr val="000000">
+              <a:alpha val="50000"/>
+            </a:srgbClr>
+          </a:solidFill>
+          <a:ln>
+            <a:noFill/>
+          </a:ln>
+        </p:spPr>
+        <p:style>
+          <a:lnRef idx="0"/>
+          <a:fillRef idx="0"/>
+          <a:effectRef idx="0"/>
+          <a:fontRef idx="minor"/>
+        </p:style>
+      </p:sp>
+      <p:sp>
+        <p:nvSpPr>
+          <p:cNvPr id="98" name="CustomShape 2"/>
+          <p:cNvSpPr/>
+          <p:nvPr/>
+        </p:nvSpPr>
+        <p:spPr>
+          <a:xfrm>
+            <a:off x="504360" y="1519560"/>
+            <a:ext cx="9071280" cy="4384080"/>
+          </a:xfrm>
+          <a:prstGeom prst="rect">
+            <a:avLst/>
+          </a:prstGeom>
+          <a:noFill/>
+          <a:ln>
+            <a:noFill/>
+          </a:ln>
+        </p:spPr>
+        <p:style>
+          <a:lnRef idx="0"/>
+          <a:fillRef idx="0"/>
+          <a:effectRef idx="0"/>
+          <a:fontRef idx="minor"/>
+        </p:style>
+        <p:txBody>
+          <a:bodyPr lIns="0" rIns="0" tIns="0" bIns="0" anchor="ctr"/>
+          <a:p>
+            <a:pPr algn="ctr">
+              <a:lnSpc>
+                <a:spcPct val="100000"/>
+              </a:lnSpc>
+            </a:pPr>
+            <a:r>
+              <a:rPr b="0" lang="en-US" sz="6000" spc="-1" strike="noStrike">
+                <a:solidFill>
+                  <a:srgbClr val="66ffff"/>
+                </a:solidFill>
+                <a:latin typeface="Courier New"/>
+              </a:rPr>
+              <a:t>https://github.com/</a:t>
+            </a:r>
+            <a:r>
+              <a:rPr b="1" lang="en-US" sz="6000" spc="-1" strike="noStrike">
+                <a:solidFill>
+                  <a:srgbClr val="66ffff"/>
+                </a:solidFill>
+                <a:latin typeface="Courier New"/>
+              </a:rPr>
+              <a:t>Lorensov</a:t>
+            </a:r>
+            <a:r>
+              <a:rPr b="0" lang="en-US" sz="6000" spc="-1" strike="noStrike">
+                <a:solidFill>
+                  <a:srgbClr val="66ffff"/>
+                </a:solidFill>
+                <a:latin typeface="Courier New"/>
+              </a:rPr>
+              <a:t>/talks/tree/master/be_water_git_flow</a:t>
+            </a:r>
+            <a:endParaRPr b="0" lang="en-US" sz="6000" spc="-1" strike="noStrike">
+              <a:latin typeface="Arial"/>
+            </a:endParaRPr>
+          </a:p>
+        </p:txBody>
+      </p:sp>
+    </p:spTree>
+  </p:cSld>
+  <p:timing>
+    <p:tnLst>
+      <p:par>
+        <p:cTn id="59" dur="indefinite" restart="never" nodeType="tmRoot">
+          <p:childTnLst>
+            <p:seq>
+              <p:cTn id="60" dur="indefinite" nodeType="mainSeq"/>
               <p:prevCondLst>
                 <p:cond delay="0" evt="onPrev">
                   <p:tgtEl>
@@ -3828,14 +4910,14 @@
       </p:grpSpPr>
       <p:sp>
         <p:nvSpPr>
-          <p:cNvPr id="46" name="CustomShape 1"/>
+          <p:cNvPr id="45" name="CustomShape 1"/>
           <p:cNvSpPr/>
           <p:nvPr/>
         </p:nvSpPr>
         <p:spPr>
           <a:xfrm>
             <a:off x="-72000" y="-72000"/>
-            <a:ext cx="10296000" cy="7704000"/>
+            <a:ext cx="10295640" cy="7703640"/>
           </a:xfrm>
           <a:prstGeom prst="rect">
             <a:avLst/>
@@ -3858,14 +4940,14 @@
       </p:sp>
       <p:sp>
         <p:nvSpPr>
-          <p:cNvPr id="47" name="TextShape 2"/>
-          <p:cNvSpPr txBox="1"/>
+          <p:cNvPr id="46" name="CustomShape 2"/>
+          <p:cNvSpPr/>
           <p:nvPr/>
         </p:nvSpPr>
         <p:spPr>
           <a:xfrm>
             <a:off x="504360" y="1519560"/>
-            <a:ext cx="9071640" cy="4384440"/>
+            <a:ext cx="9071280" cy="4384080"/>
           </a:xfrm>
           <a:prstGeom prst="rect">
             <a:avLst/>
@@ -3875,90 +4957,69 @@
             <a:noFill/>
           </a:ln>
         </p:spPr>
+        <p:style>
+          <a:lnRef idx="0"/>
+          <a:fillRef idx="0"/>
+          <a:effectRef idx="0"/>
+          <a:fontRef idx="minor"/>
+        </p:style>
         <p:txBody>
           <a:bodyPr lIns="0" rIns="0" tIns="0" bIns="0" anchor="ctr"/>
           <a:p>
-            <a:pPr algn="ctr"/>
+            <a:pPr algn="ctr">
+              <a:lnSpc>
+                <a:spcPct val="100000"/>
+              </a:lnSpc>
+            </a:pPr>
             <a:r>
-              <a:rPr b="0" lang="pt-BR" sz="8000" spc="-1" strike="noStrike">
+              <a:rPr b="0" lang="en-US" sz="8000" spc="-1" strike="noStrike">
                 <a:solidFill>
                   <a:srgbClr val="66ffff"/>
                 </a:solidFill>
-                <a:uFill>
-                  <a:solidFill>
-                    <a:srgbClr val="ffffff"/>
-                  </a:solidFill>
-                </a:uFill>
                 <a:latin typeface="Courier New"/>
               </a:rPr>
               <a:t>Intrapessoal</a:t>
             </a:r>
-            <a:endParaRPr b="0" lang="pt-BR" sz="3200" spc="-1" strike="noStrike">
-              <a:solidFill>
-                <a:srgbClr val="66ff99"/>
-              </a:solidFill>
-              <a:uFill>
-                <a:solidFill>
-                  <a:srgbClr val="ffffff"/>
-                </a:solidFill>
-              </a:uFill>
-              <a:latin typeface="Courier New"/>
-            </a:endParaRPr>
-          </a:p>
-          <a:p>
-            <a:pPr algn="ctr"/>
+            <a:endParaRPr b="0" lang="en-US" sz="8000" spc="-1" strike="noStrike">
+              <a:latin typeface="Arial"/>
+            </a:endParaRPr>
+          </a:p>
+          <a:p>
+            <a:pPr algn="ctr">
+              <a:lnSpc>
+                <a:spcPct val="100000"/>
+              </a:lnSpc>
+            </a:pPr>
             <a:r>
-              <a:rPr b="0" lang="pt-BR" sz="8000" spc="-1" strike="noStrike">
+              <a:rPr b="0" lang="en-US" sz="8000" spc="-1" strike="noStrike">
                 <a:solidFill>
                   <a:srgbClr val="66ffff"/>
                 </a:solidFill>
-                <a:uFill>
-                  <a:solidFill>
-                    <a:srgbClr val="ffffff"/>
-                  </a:solidFill>
-                </a:uFill>
                 <a:latin typeface="Courier New"/>
               </a:rPr>
               <a:t>E</a:t>
             </a:r>
-            <a:endParaRPr b="0" lang="pt-BR" sz="3200" spc="-1" strike="noStrike">
-              <a:solidFill>
-                <a:srgbClr val="66ff99"/>
-              </a:solidFill>
-              <a:uFill>
-                <a:solidFill>
-                  <a:srgbClr val="ffffff"/>
-                </a:solidFill>
-              </a:uFill>
-              <a:latin typeface="Courier New"/>
-            </a:endParaRPr>
-          </a:p>
-          <a:p>
-            <a:pPr algn="ctr"/>
+            <a:endParaRPr b="0" lang="en-US" sz="8000" spc="-1" strike="noStrike">
+              <a:latin typeface="Arial"/>
+            </a:endParaRPr>
+          </a:p>
+          <a:p>
+            <a:pPr algn="ctr">
+              <a:lnSpc>
+                <a:spcPct val="100000"/>
+              </a:lnSpc>
+            </a:pPr>
             <a:r>
-              <a:rPr b="0" lang="pt-BR" sz="8000" spc="-1" strike="noStrike">
+              <a:rPr b="0" lang="en-US" sz="8000" spc="-1" strike="noStrike">
                 <a:solidFill>
                   <a:srgbClr val="66ffff"/>
                 </a:solidFill>
-                <a:uFill>
-                  <a:solidFill>
-                    <a:srgbClr val="ffffff"/>
-                  </a:solidFill>
-                </a:uFill>
                 <a:latin typeface="Courier New"/>
               </a:rPr>
               <a:t>Carreira</a:t>
             </a:r>
-            <a:endParaRPr b="0" lang="pt-BR" sz="3200" spc="-1" strike="noStrike">
-              <a:solidFill>
-                <a:srgbClr val="66ff99"/>
-              </a:solidFill>
-              <a:uFill>
-                <a:solidFill>
-                  <a:srgbClr val="ffffff"/>
-                </a:solidFill>
-              </a:uFill>
-              <a:latin typeface="Courier New"/>
+            <a:endParaRPr b="0" lang="en-US" sz="8000" spc="-1" strike="noStrike">
+              <a:latin typeface="Arial"/>
             </a:endParaRPr>
           </a:p>
         </p:txBody>
@@ -3971,7 +5032,7 @@
         <p:cTn id="7" dur="indefinite" restart="never" nodeType="tmRoot">
           <p:childTnLst>
             <p:seq>
-              <p:cTn id="8" nodeType="mainSeq"/>
+              <p:cTn id="8" dur="indefinite" nodeType="mainSeq"/>
               <p:prevCondLst>
                 <p:cond delay="0" evt="onPrev">
                   <p:tgtEl>
@@ -4014,14 +5075,14 @@
       </p:grpSpPr>
       <p:sp>
         <p:nvSpPr>
-          <p:cNvPr id="48" name="CustomShape 1"/>
+          <p:cNvPr id="47" name="CustomShape 1"/>
           <p:cNvSpPr/>
           <p:nvPr/>
         </p:nvSpPr>
         <p:spPr>
           <a:xfrm>
             <a:off x="-72000" y="-72000"/>
-            <a:ext cx="10296000" cy="7704000"/>
+            <a:ext cx="10295640" cy="7703640"/>
           </a:xfrm>
           <a:prstGeom prst="rect">
             <a:avLst/>
@@ -4044,14 +5105,14 @@
       </p:sp>
       <p:sp>
         <p:nvSpPr>
-          <p:cNvPr id="49" name="TextShape 2"/>
-          <p:cNvSpPr txBox="1"/>
+          <p:cNvPr id="48" name="CustomShape 2"/>
+          <p:cNvSpPr/>
           <p:nvPr/>
         </p:nvSpPr>
         <p:spPr>
           <a:xfrm>
             <a:off x="504360" y="1519560"/>
-            <a:ext cx="9071640" cy="4384440"/>
+            <a:ext cx="9071280" cy="4384080"/>
           </a:xfrm>
           <a:prstGeom prst="rect">
             <a:avLst/>
@@ -4061,34 +5122,31 @@
             <a:noFill/>
           </a:ln>
         </p:spPr>
+        <p:style>
+          <a:lnRef idx="0"/>
+          <a:fillRef idx="0"/>
+          <a:effectRef idx="0"/>
+          <a:fontRef idx="minor"/>
+        </p:style>
         <p:txBody>
           <a:bodyPr lIns="0" rIns="0" tIns="0" bIns="0" anchor="ctr"/>
           <a:p>
-            <a:pPr algn="ctr"/>
+            <a:pPr algn="ctr">
+              <a:lnSpc>
+                <a:spcPct val="100000"/>
+              </a:lnSpc>
+            </a:pPr>
             <a:r>
-              <a:rPr b="0" lang="pt-BR" sz="8000" spc="-1" strike="noStrike">
+              <a:rPr b="0" lang="en-US" sz="8000" spc="-1" strike="noStrike">
                 <a:solidFill>
                   <a:srgbClr val="66ffff"/>
                 </a:solidFill>
-                <a:uFill>
-                  <a:solidFill>
-                    <a:srgbClr val="ffffff"/>
-                  </a:solidFill>
-                </a:uFill>
                 <a:latin typeface="Courier New"/>
               </a:rPr>
               <a:t>Carreira em Y</a:t>
             </a:r>
-            <a:endParaRPr b="0" lang="pt-BR" sz="3200" spc="-1" strike="noStrike">
-              <a:solidFill>
-                <a:srgbClr val="66ff99"/>
-              </a:solidFill>
-              <a:uFill>
-                <a:solidFill>
-                  <a:srgbClr val="ffffff"/>
-                </a:solidFill>
-              </a:uFill>
-              <a:latin typeface="Courier New"/>
+            <a:endParaRPr b="0" lang="en-US" sz="8000" spc="-1" strike="noStrike">
+              <a:latin typeface="Arial"/>
             </a:endParaRPr>
           </a:p>
         </p:txBody>
@@ -4101,7 +5159,7 @@
         <p:cTn id="9" dur="indefinite" restart="never" nodeType="tmRoot">
           <p:childTnLst>
             <p:seq>
-              <p:cTn id="10" nodeType="mainSeq"/>
+              <p:cTn id="10" dur="indefinite" nodeType="mainSeq"/>
               <p:prevCondLst>
                 <p:cond delay="0" evt="onPrev">
                   <p:tgtEl>
@@ -4144,14 +5202,14 @@
       </p:grpSpPr>
       <p:sp>
         <p:nvSpPr>
-          <p:cNvPr id="50" name="CustomShape 1"/>
+          <p:cNvPr id="49" name="CustomShape 1"/>
           <p:cNvSpPr/>
           <p:nvPr/>
         </p:nvSpPr>
         <p:spPr>
           <a:xfrm>
             <a:off x="-72000" y="-72000"/>
-            <a:ext cx="10296000" cy="7704000"/>
+            <a:ext cx="10295640" cy="7703640"/>
           </a:xfrm>
           <a:prstGeom prst="rect">
             <a:avLst/>
@@ -4174,14 +5232,14 @@
       </p:sp>
       <p:sp>
         <p:nvSpPr>
-          <p:cNvPr id="51" name="TextShape 2"/>
-          <p:cNvSpPr txBox="1"/>
+          <p:cNvPr id="50" name="CustomShape 2"/>
+          <p:cNvSpPr/>
           <p:nvPr/>
         </p:nvSpPr>
         <p:spPr>
           <a:xfrm>
             <a:off x="504360" y="1519560"/>
-            <a:ext cx="9071640" cy="4384440"/>
+            <a:ext cx="9071280" cy="4384080"/>
           </a:xfrm>
           <a:prstGeom prst="rect">
             <a:avLst/>
@@ -4191,90 +5249,69 @@
             <a:noFill/>
           </a:ln>
         </p:spPr>
+        <p:style>
+          <a:lnRef idx="0"/>
+          <a:fillRef idx="0"/>
+          <a:effectRef idx="0"/>
+          <a:fontRef idx="minor"/>
+        </p:style>
         <p:txBody>
           <a:bodyPr lIns="0" rIns="0" tIns="0" bIns="0" anchor="ctr"/>
           <a:p>
-            <a:pPr algn="ctr"/>
+            <a:pPr algn="ctr">
+              <a:lnSpc>
+                <a:spcPct val="100000"/>
+              </a:lnSpc>
+            </a:pPr>
             <a:r>
-              <a:rPr b="0" lang="pt-BR" sz="8000" spc="-1" strike="noStrike">
+              <a:rPr b="0" lang="en-US" sz="8000" spc="-1" strike="noStrike">
                 <a:solidFill>
                   <a:srgbClr val="66ffff"/>
                 </a:solidFill>
-                <a:uFill>
-                  <a:solidFill>
-                    <a:srgbClr val="ffffff"/>
-                  </a:solidFill>
-                </a:uFill>
                 <a:latin typeface="Courier New"/>
               </a:rPr>
               <a:t>Conseguir</a:t>
             </a:r>
-            <a:endParaRPr b="0" lang="pt-BR" sz="3200" spc="-1" strike="noStrike">
-              <a:solidFill>
-                <a:srgbClr val="66ff99"/>
-              </a:solidFill>
-              <a:uFill>
-                <a:solidFill>
-                  <a:srgbClr val="ffffff"/>
-                </a:solidFill>
-              </a:uFill>
-              <a:latin typeface="Courier New"/>
-            </a:endParaRPr>
-          </a:p>
-          <a:p>
-            <a:pPr algn="ctr"/>
+            <a:endParaRPr b="0" lang="en-US" sz="8000" spc="-1" strike="noStrike">
+              <a:latin typeface="Arial"/>
+            </a:endParaRPr>
+          </a:p>
+          <a:p>
+            <a:pPr algn="ctr">
+              <a:lnSpc>
+                <a:spcPct val="100000"/>
+              </a:lnSpc>
+            </a:pPr>
             <a:r>
-              <a:rPr b="0" lang="pt-BR" sz="8000" spc="-1" strike="noStrike">
+              <a:rPr b="0" lang="en-US" sz="8000" spc="-1" strike="noStrike">
                 <a:solidFill>
                   <a:srgbClr val="66ffff"/>
                 </a:solidFill>
-                <a:uFill>
-                  <a:solidFill>
-                    <a:srgbClr val="ffffff"/>
-                  </a:solidFill>
-                </a:uFill>
                 <a:latin typeface="Courier New"/>
               </a:rPr>
               <a:t>Um</a:t>
             </a:r>
-            <a:endParaRPr b="0" lang="pt-BR" sz="3200" spc="-1" strike="noStrike">
-              <a:solidFill>
-                <a:srgbClr val="66ff99"/>
-              </a:solidFill>
-              <a:uFill>
-                <a:solidFill>
-                  <a:srgbClr val="ffffff"/>
-                </a:solidFill>
-              </a:uFill>
-              <a:latin typeface="Courier New"/>
-            </a:endParaRPr>
-          </a:p>
-          <a:p>
-            <a:pPr algn="ctr"/>
+            <a:endParaRPr b="0" lang="en-US" sz="8000" spc="-1" strike="noStrike">
+              <a:latin typeface="Arial"/>
+            </a:endParaRPr>
+          </a:p>
+          <a:p>
+            <a:pPr algn="ctr">
+              <a:lnSpc>
+                <a:spcPct val="100000"/>
+              </a:lnSpc>
+            </a:pPr>
             <a:r>
-              <a:rPr b="0" lang="pt-BR" sz="8000" spc="-1" strike="noStrike">
+              <a:rPr b="0" lang="en-US" sz="8000" spc="-1" strike="noStrike">
                 <a:solidFill>
                   <a:srgbClr val="66ffff"/>
                 </a:solidFill>
-                <a:uFill>
-                  <a:solidFill>
-                    <a:srgbClr val="ffffff"/>
-                  </a:solidFill>
-                </a:uFill>
                 <a:latin typeface="Courier New"/>
               </a:rPr>
               <a:t>Emprego</a:t>
             </a:r>
-            <a:endParaRPr b="0" lang="pt-BR" sz="3200" spc="-1" strike="noStrike">
-              <a:solidFill>
-                <a:srgbClr val="66ff99"/>
-              </a:solidFill>
-              <a:uFill>
-                <a:solidFill>
-                  <a:srgbClr val="ffffff"/>
-                </a:solidFill>
-              </a:uFill>
-              <a:latin typeface="Courier New"/>
+            <a:endParaRPr b="0" lang="en-US" sz="8000" spc="-1" strike="noStrike">
+              <a:latin typeface="Arial"/>
             </a:endParaRPr>
           </a:p>
         </p:txBody>
@@ -4287,7 +5324,7 @@
         <p:cTn id="11" dur="indefinite" restart="never" nodeType="tmRoot">
           <p:childTnLst>
             <p:seq>
-              <p:cTn id="12" nodeType="mainSeq"/>
+              <p:cTn id="12" dur="indefinite" nodeType="mainSeq"/>
               <p:prevCondLst>
                 <p:cond delay="0" evt="onPrev">
                   <p:tgtEl>
@@ -4330,14 +5367,14 @@
       </p:grpSpPr>
       <p:sp>
         <p:nvSpPr>
-          <p:cNvPr id="52" name="CustomShape 1"/>
+          <p:cNvPr id="51" name="CustomShape 1"/>
           <p:cNvSpPr/>
           <p:nvPr/>
         </p:nvSpPr>
         <p:spPr>
           <a:xfrm>
             <a:off x="-72000" y="-72000"/>
-            <a:ext cx="10296000" cy="7704000"/>
+            <a:ext cx="10295640" cy="7703640"/>
           </a:xfrm>
           <a:prstGeom prst="rect">
             <a:avLst/>
@@ -4360,14 +5397,14 @@
       </p:sp>
       <p:sp>
         <p:nvSpPr>
-          <p:cNvPr id="53" name="TextShape 2"/>
-          <p:cNvSpPr txBox="1"/>
+          <p:cNvPr id="52" name="CustomShape 2"/>
+          <p:cNvSpPr/>
           <p:nvPr/>
         </p:nvSpPr>
         <p:spPr>
           <a:xfrm>
             <a:off x="504360" y="1519560"/>
-            <a:ext cx="9071640" cy="4384440"/>
+            <a:ext cx="9071280" cy="4384080"/>
           </a:xfrm>
           <a:prstGeom prst="rect">
             <a:avLst/>
@@ -4377,34 +5414,31 @@
             <a:noFill/>
           </a:ln>
         </p:spPr>
+        <p:style>
+          <a:lnRef idx="0"/>
+          <a:fillRef idx="0"/>
+          <a:effectRef idx="0"/>
+          <a:fontRef idx="minor"/>
+        </p:style>
         <p:txBody>
           <a:bodyPr lIns="0" rIns="0" tIns="0" bIns="0" anchor="ctr"/>
           <a:p>
-            <a:pPr algn="ctr"/>
+            <a:pPr algn="ctr">
+              <a:lnSpc>
+                <a:spcPct val="100000"/>
+              </a:lnSpc>
+            </a:pPr>
             <a:r>
-              <a:rPr b="0" lang="pt-BR" sz="8000" spc="-1" strike="noStrike">
+              <a:rPr b="0" lang="en-US" sz="8000" spc="-1" strike="noStrike">
                 <a:solidFill>
                   <a:srgbClr val="66ffff"/>
                 </a:solidFill>
-                <a:uFill>
-                  <a:solidFill>
-                    <a:srgbClr val="ffffff"/>
-                  </a:solidFill>
-                </a:uFill>
                 <a:latin typeface="Courier New"/>
               </a:rPr>
               <a:t>Se dar bem com seus colegas de trabalho</a:t>
             </a:r>
-            <a:endParaRPr b="0" lang="pt-BR" sz="3200" spc="-1" strike="noStrike">
-              <a:solidFill>
-                <a:srgbClr val="66ff99"/>
-              </a:solidFill>
-              <a:uFill>
-                <a:solidFill>
-                  <a:srgbClr val="ffffff"/>
-                </a:solidFill>
-              </a:uFill>
-              <a:latin typeface="Courier New"/>
+            <a:endParaRPr b="0" lang="en-US" sz="8000" spc="-1" strike="noStrike">
+              <a:latin typeface="Arial"/>
             </a:endParaRPr>
           </a:p>
         </p:txBody>
@@ -4417,7 +5451,7 @@
         <p:cTn id="13" dur="indefinite" restart="never" nodeType="tmRoot">
           <p:childTnLst>
             <p:seq>
-              <p:cTn id="14" nodeType="mainSeq"/>
+              <p:cTn id="14" dur="indefinite" nodeType="mainSeq"/>
               <p:prevCondLst>
                 <p:cond delay="0" evt="onPrev">
                   <p:tgtEl>
@@ -4460,14 +5494,14 @@
       </p:grpSpPr>
       <p:sp>
         <p:nvSpPr>
-          <p:cNvPr id="54" name="CustomShape 1"/>
+          <p:cNvPr id="53" name="CustomShape 1"/>
           <p:cNvSpPr/>
           <p:nvPr/>
         </p:nvSpPr>
         <p:spPr>
           <a:xfrm>
             <a:off x="-72000" y="-72000"/>
-            <a:ext cx="10296000" cy="7704000"/>
+            <a:ext cx="10295640" cy="7703640"/>
           </a:xfrm>
           <a:prstGeom prst="rect">
             <a:avLst/>
@@ -4490,14 +5524,14 @@
       </p:sp>
       <p:sp>
         <p:nvSpPr>
-          <p:cNvPr id="55" name="TextShape 2"/>
-          <p:cNvSpPr txBox="1"/>
+          <p:cNvPr id="54" name="CustomShape 2"/>
+          <p:cNvSpPr/>
           <p:nvPr/>
         </p:nvSpPr>
         <p:spPr>
           <a:xfrm>
             <a:off x="504360" y="1519560"/>
-            <a:ext cx="9071640" cy="4384440"/>
+            <a:ext cx="9071280" cy="4384080"/>
           </a:xfrm>
           <a:prstGeom prst="rect">
             <a:avLst/>
@@ -4507,34 +5541,31 @@
             <a:noFill/>
           </a:ln>
         </p:spPr>
+        <p:style>
+          <a:lnRef idx="0"/>
+          <a:fillRef idx="0"/>
+          <a:effectRef idx="0"/>
+          <a:fontRef idx="minor"/>
+        </p:style>
         <p:txBody>
           <a:bodyPr lIns="0" rIns="0" tIns="0" bIns="0" anchor="ctr"/>
           <a:p>
-            <a:pPr algn="ctr"/>
+            <a:pPr algn="ctr">
+              <a:lnSpc>
+                <a:spcPct val="100000"/>
+              </a:lnSpc>
+            </a:pPr>
             <a:r>
-              <a:rPr b="0" lang="pt-BR" sz="8000" spc="-1" strike="noStrike">
+              <a:rPr b="0" lang="en-US" sz="8000" spc="-1" strike="noStrike">
                 <a:solidFill>
                   <a:srgbClr val="66ffff"/>
                 </a:solidFill>
-                <a:uFill>
-                  <a:solidFill>
-                    <a:srgbClr val="ffffff"/>
-                  </a:solidFill>
-                </a:uFill>
                 <a:latin typeface="Courier New"/>
               </a:rPr>
               <a:t>Relation Ship</a:t>
             </a:r>
-            <a:endParaRPr b="0" lang="pt-BR" sz="3200" spc="-1" strike="noStrike">
-              <a:solidFill>
-                <a:srgbClr val="66ff99"/>
-              </a:solidFill>
-              <a:uFill>
-                <a:solidFill>
-                  <a:srgbClr val="ffffff"/>
-                </a:solidFill>
-              </a:uFill>
-              <a:latin typeface="Courier New"/>
+            <a:endParaRPr b="0" lang="en-US" sz="8000" spc="-1" strike="noStrike">
+              <a:latin typeface="Arial"/>
             </a:endParaRPr>
           </a:p>
         </p:txBody>
@@ -4547,7 +5578,7 @@
         <p:cTn id="15" dur="indefinite" restart="never" nodeType="tmRoot">
           <p:childTnLst>
             <p:seq>
-              <p:cTn id="16" nodeType="mainSeq"/>
+              <p:cTn id="16" dur="indefinite" nodeType="mainSeq"/>
               <p:prevCondLst>
                 <p:cond delay="0" evt="onPrev">
                   <p:tgtEl>
@@ -4590,14 +5621,14 @@
       </p:grpSpPr>
       <p:sp>
         <p:nvSpPr>
-          <p:cNvPr id="56" name="CustomShape 1"/>
+          <p:cNvPr id="55" name="CustomShape 1"/>
           <p:cNvSpPr/>
           <p:nvPr/>
         </p:nvSpPr>
         <p:spPr>
           <a:xfrm>
             <a:off x="-72000" y="-72000"/>
-            <a:ext cx="10296000" cy="7704000"/>
+            <a:ext cx="10295640" cy="7703640"/>
           </a:xfrm>
           <a:prstGeom prst="rect">
             <a:avLst/>
@@ -4620,14 +5651,14 @@
       </p:sp>
       <p:sp>
         <p:nvSpPr>
-          <p:cNvPr id="57" name="TextShape 2"/>
-          <p:cNvSpPr txBox="1"/>
+          <p:cNvPr id="56" name="CustomShape 2"/>
+          <p:cNvSpPr/>
           <p:nvPr/>
         </p:nvSpPr>
         <p:spPr>
           <a:xfrm>
             <a:off x="504360" y="1519560"/>
-            <a:ext cx="9071640" cy="4384440"/>
+            <a:ext cx="9071280" cy="4384080"/>
           </a:xfrm>
           <a:prstGeom prst="rect">
             <a:avLst/>
@@ -4637,34 +5668,50 @@
             <a:noFill/>
           </a:ln>
         </p:spPr>
+        <p:style>
+          <a:lnRef idx="0"/>
+          <a:fillRef idx="0"/>
+          <a:effectRef idx="0"/>
+          <a:fontRef idx="minor"/>
+        </p:style>
         <p:txBody>
           <a:bodyPr lIns="0" rIns="0" tIns="0" bIns="0" anchor="ctr"/>
           <a:p>
-            <a:pPr algn="ctr"/>
+            <a:pPr algn="ctr">
+              <a:lnSpc>
+                <a:spcPct val="100000"/>
+              </a:lnSpc>
+            </a:pPr>
             <a:r>
-              <a:rPr b="0" lang="pt-BR" sz="8000" spc="-1" strike="noStrike">
+              <a:rPr b="0" lang="en-US" sz="8000" spc="-1" strike="noStrike">
                 <a:solidFill>
                   <a:srgbClr val="66ffff"/>
                 </a:solidFill>
-                <a:uFill>
-                  <a:solidFill>
-                    <a:srgbClr val="ffffff"/>
-                  </a:solidFill>
-                </a:uFill>
                 <a:latin typeface="Courier New"/>
               </a:rPr>
-              <a:t>Frase</a:t>
+              <a:t>CULTURA</a:t>
             </a:r>
-            <a:endParaRPr b="0" lang="pt-BR" sz="3200" spc="-1" strike="noStrike">
-              <a:solidFill>
-                <a:srgbClr val="66ff99"/>
-              </a:solidFill>
-              <a:uFill>
+            <a:endParaRPr b="0" lang="en-US" sz="8000" spc="-1" strike="noStrike">
+              <a:latin typeface="Arial"/>
+            </a:endParaRPr>
+          </a:p>
+          <a:p>
+            <a:pPr algn="ctr">
+              <a:lnSpc>
+                <a:spcPct val="100000"/>
+              </a:lnSpc>
+            </a:pPr>
+            <a:r>
+              <a:rPr b="0" lang="en-US" sz="8000" spc="-1" strike="noStrike">
                 <a:solidFill>
-                  <a:srgbClr val="ffffff"/>
+                  <a:srgbClr val="66ffff"/>
                 </a:solidFill>
-              </a:uFill>
-              <a:latin typeface="Courier New"/>
+                <a:latin typeface="Courier New"/>
+              </a:rPr>
+              <a:t>DEVOPS</a:t>
+            </a:r>
+            <a:endParaRPr b="0" lang="en-US" sz="8000" spc="-1" strike="noStrike">
+              <a:latin typeface="Arial"/>
             </a:endParaRPr>
           </a:p>
         </p:txBody>
@@ -4677,7 +5724,7 @@
         <p:cTn id="17" dur="indefinite" restart="never" nodeType="tmRoot">
           <p:childTnLst>
             <p:seq>
-              <p:cTn id="18" nodeType="mainSeq"/>
+              <p:cTn id="18" dur="indefinite" nodeType="mainSeq"/>
               <p:prevCondLst>
                 <p:cond delay="0" evt="onPrev">
                   <p:tgtEl>
@@ -4712,31 +5759,31 @@
         <a:sysClr val="window" lastClr="FFFFFF"/>
       </a:lt1>
       <a:dk2>
-        <a:srgbClr val="1F497D"/>
+        <a:srgbClr val="1f497d"/>
       </a:dk2>
       <a:lt2>
-        <a:srgbClr val="EEECE1"/>
+        <a:srgbClr val="eeece1"/>
       </a:lt2>
       <a:accent1>
-        <a:srgbClr val="4F81BD"/>
+        <a:srgbClr val="4f81bd"/>
       </a:accent1>
       <a:accent2>
-        <a:srgbClr val="C0504D"/>
+        <a:srgbClr val="c0504d"/>
       </a:accent2>
       <a:accent3>
-        <a:srgbClr val="9BBB59"/>
+        <a:srgbClr val="9bbb59"/>
       </a:accent3>
       <a:accent4>
-        <a:srgbClr val="8064A2"/>
+        <a:srgbClr val="8064a2"/>
       </a:accent4>
       <a:accent5>
-        <a:srgbClr val="4BACC6"/>
+        <a:srgbClr val="4bacc6"/>
       </a:accent5>
       <a:accent6>
-        <a:srgbClr val="F79646"/>
+        <a:srgbClr val="f79646"/>
       </a:accent6>
       <a:hlink>
-        <a:srgbClr val="0000FF"/>
+        <a:srgbClr val="0000ff"/>
       </a:hlink>
       <a:folHlink>
         <a:srgbClr val="800080"/>
